--- a/Presentación TP 1.pptx
+++ b/Presentación TP 1.pptx
@@ -5,17 +5,23 @@
     <p:sldMasterId id="2147483840" r:id="rId1"/>
   </p:sldMasterIdLst>
   <p:notesMasterIdLst>
-    <p:notesMasterId r:id="rId10"/>
+    <p:notesMasterId r:id="rId16"/>
   </p:notesMasterIdLst>
   <p:sldIdLst>
     <p:sldId id="256" r:id="rId2"/>
     <p:sldId id="257" r:id="rId3"/>
     <p:sldId id="258" r:id="rId4"/>
-    <p:sldId id="259" r:id="rId5"/>
-    <p:sldId id="260" r:id="rId6"/>
-    <p:sldId id="261" r:id="rId7"/>
-    <p:sldId id="262" r:id="rId8"/>
-    <p:sldId id="263" r:id="rId9"/>
+    <p:sldId id="261" r:id="rId5"/>
+    <p:sldId id="264" r:id="rId6"/>
+    <p:sldId id="265" r:id="rId7"/>
+    <p:sldId id="266" r:id="rId8"/>
+    <p:sldId id="270" r:id="rId9"/>
+    <p:sldId id="272" r:id="rId10"/>
+    <p:sldId id="273" r:id="rId11"/>
+    <p:sldId id="259" r:id="rId12"/>
+    <p:sldId id="269" r:id="rId13"/>
+    <p:sldId id="262" r:id="rId14"/>
+    <p:sldId id="263" r:id="rId15"/>
   </p:sldIdLst>
   <p:sldSz cx="12192000" cy="6858000"/>
   <p:notesSz cx="6858000" cy="9144000"/>
@@ -114,13 +120,18 @@
       </a:defRPr>
     </a:lvl9pPr>
   </p:defaultTextStyle>
+  <p:extLst>
+    <p:ext uri="{EFAFB233-063F-42B5-8137-9DF3F51BA10A}">
+      <p15:sldGuideLst xmlns:p15="http://schemas.microsoft.com/office/powerpoint/2012/main"/>
+    </p:ext>
+  </p:extLst>
 </p:presentation>
 </file>
 
 <file path=ppt/revisionInfo.xml><?xml version="1.0" encoding="utf-8"?>
 <p1510:revInfo xmlns:a="http://schemas.openxmlformats.org/drawingml/2006/main" xmlns:r="http://schemas.openxmlformats.org/officeDocument/2006/relationships" xmlns:p1510="http://schemas.microsoft.com/office/powerpoint/2015/10/main">
   <p1510:revLst>
-    <p1510:client id="{A15287ED-86BA-441D-9896-A7C43BA4AFBC}" v="64" dt="2025-04-24T15:15:04.270"/>
+    <p1510:client id="{A15287ED-86BA-441D-9896-A7C43BA4AFBC}" v="235" dt="2025-04-26T01:46:33.989"/>
   </p1510:revLst>
 </p1510:revInfo>
 </file>
@@ -129,8 +140,8 @@
 <pc:chgInfo xmlns:a="http://schemas.openxmlformats.org/drawingml/2006/main" xmlns:r="http://schemas.openxmlformats.org/officeDocument/2006/relationships" xmlns:ac="http://schemas.microsoft.com/office/drawing/2013/main/command" xmlns:pc="http://schemas.microsoft.com/office/powerpoint/2013/main/command">
   <pc:docChgLst>
     <pc:chgData name="Diego Fernando Danelone" userId="b117111b-3349-45a5-a677-5c0bcacb5039" providerId="ADAL" clId="{A15287ED-86BA-441D-9896-A7C43BA4AFBC}"/>
-    <pc:docChg chg="undo custSel addSld modSld">
-      <pc:chgData name="Diego Fernando Danelone" userId="b117111b-3349-45a5-a677-5c0bcacb5039" providerId="ADAL" clId="{A15287ED-86BA-441D-9896-A7C43BA4AFBC}" dt="2025-04-24T15:15:04.270" v="2227" actId="20577"/>
+    <pc:docChg chg="undo custSel addSld delSld modSld sldOrd">
+      <pc:chgData name="Diego Fernando Danelone" userId="b117111b-3349-45a5-a677-5c0bcacb5039" providerId="ADAL" clId="{A15287ED-86BA-441D-9896-A7C43BA4AFBC}" dt="2025-04-26T01:46:33.989" v="2917" actId="20577"/>
       <pc:docMkLst>
         <pc:docMk/>
       </pc:docMkLst>
@@ -181,7 +192,7 @@
         </pc:spChg>
       </pc:sldChg>
       <pc:sldChg chg="addSp modSp mod modAnim">
-        <pc:chgData name="Diego Fernando Danelone" userId="b117111b-3349-45a5-a677-5c0bcacb5039" providerId="ADAL" clId="{A15287ED-86BA-441D-9896-A7C43BA4AFBC}" dt="2025-04-24T13:48:49.397" v="162" actId="1076"/>
+        <pc:chgData name="Diego Fernando Danelone" userId="b117111b-3349-45a5-a677-5c0bcacb5039" providerId="ADAL" clId="{A15287ED-86BA-441D-9896-A7C43BA4AFBC}" dt="2025-04-26T01:34:21.721" v="2906" actId="20577"/>
         <pc:sldMkLst>
           <pc:docMk/>
           <pc:sldMk cId="1849743709" sldId="259"/>
@@ -195,7 +206,7 @@
           </ac:spMkLst>
         </pc:spChg>
         <pc:spChg chg="mod">
-          <ac:chgData name="Diego Fernando Danelone" userId="b117111b-3349-45a5-a677-5c0bcacb5039" providerId="ADAL" clId="{A15287ED-86BA-441D-9896-A7C43BA4AFBC}" dt="2025-04-24T13:48:46.714" v="161" actId="1076"/>
+          <ac:chgData name="Diego Fernando Danelone" userId="b117111b-3349-45a5-a677-5c0bcacb5039" providerId="ADAL" clId="{A15287ED-86BA-441D-9896-A7C43BA4AFBC}" dt="2025-04-26T01:34:21.721" v="2906" actId="20577"/>
           <ac:spMkLst>
             <pc:docMk/>
             <pc:sldMk cId="1849743709" sldId="259"/>
@@ -219,31 +230,15 @@
           </ac:spMkLst>
         </pc:spChg>
       </pc:sldChg>
-      <pc:sldChg chg="modSp mod modAnim">
-        <pc:chgData name="Diego Fernando Danelone" userId="b117111b-3349-45a5-a677-5c0bcacb5039" providerId="ADAL" clId="{A15287ED-86BA-441D-9896-A7C43BA4AFBC}" dt="2025-04-24T15:15:04.270" v="2227" actId="20577"/>
+      <pc:sldChg chg="modSp del mod modAnim">
+        <pc:chgData name="Diego Fernando Danelone" userId="b117111b-3349-45a5-a677-5c0bcacb5039" providerId="ADAL" clId="{A15287ED-86BA-441D-9896-A7C43BA4AFBC}" dt="2025-04-26T00:01:57.452" v="2889" actId="2696"/>
         <pc:sldMkLst>
           <pc:docMk/>
           <pc:sldMk cId="65818549" sldId="260"/>
         </pc:sldMkLst>
-        <pc:spChg chg="mod">
-          <ac:chgData name="Diego Fernando Danelone" userId="b117111b-3349-45a5-a677-5c0bcacb5039" providerId="ADAL" clId="{A15287ED-86BA-441D-9896-A7C43BA4AFBC}" dt="2025-04-24T13:49:51.200" v="220" actId="20577"/>
-          <ac:spMkLst>
-            <pc:docMk/>
-            <pc:sldMk cId="65818549" sldId="260"/>
-            <ac:spMk id="2" creationId="{6EB710C0-0DE0-976D-ACA8-D3C78E2ABD11}"/>
-          </ac:spMkLst>
-        </pc:spChg>
-        <pc:spChg chg="mod">
-          <ac:chgData name="Diego Fernando Danelone" userId="b117111b-3349-45a5-a677-5c0bcacb5039" providerId="ADAL" clId="{A15287ED-86BA-441D-9896-A7C43BA4AFBC}" dt="2025-04-24T15:15:04.270" v="2227" actId="20577"/>
-          <ac:spMkLst>
-            <pc:docMk/>
-            <pc:sldMk cId="65818549" sldId="260"/>
-            <ac:spMk id="3" creationId="{875D7445-E3C7-D099-3CC0-656A7CB9A09F}"/>
-          </ac:spMkLst>
-        </pc:spChg>
       </pc:sldChg>
-      <pc:sldChg chg="addSp delSp modSp new mod modAnim">
-        <pc:chgData name="Diego Fernando Danelone" userId="b117111b-3349-45a5-a677-5c0bcacb5039" providerId="ADAL" clId="{A15287ED-86BA-441D-9896-A7C43BA4AFBC}" dt="2025-04-24T14:20:22.768" v="1352"/>
+      <pc:sldChg chg="addSp delSp modSp new mod ord modAnim">
+        <pc:chgData name="Diego Fernando Danelone" userId="b117111b-3349-45a5-a677-5c0bcacb5039" providerId="ADAL" clId="{A15287ED-86BA-441D-9896-A7C43BA4AFBC}" dt="2025-04-26T00:04:05.302" v="2891"/>
         <pc:sldMkLst>
           <pc:docMk/>
           <pc:sldMk cId="1935363801" sldId="261"/>
@@ -288,14 +283,6 @@
             <ac:picMk id="8" creationId="{71FEB0E8-B81E-9129-B6E3-149C57E54D68}"/>
           </ac:picMkLst>
         </pc:picChg>
-        <pc:picChg chg="add del mod">
-          <ac:chgData name="Diego Fernando Danelone" userId="b117111b-3349-45a5-a677-5c0bcacb5039" providerId="ADAL" clId="{A15287ED-86BA-441D-9896-A7C43BA4AFBC}" dt="2025-04-24T14:19:48.322" v="1345" actId="478"/>
-          <ac:picMkLst>
-            <pc:docMk/>
-            <pc:sldMk cId="1935363801" sldId="261"/>
-            <ac:picMk id="10" creationId="{358E91B3-281C-E65A-0D26-A0F98C67A01C}"/>
-          </ac:picMkLst>
-        </pc:picChg>
         <pc:picChg chg="add mod">
           <ac:chgData name="Diego Fernando Danelone" userId="b117111b-3349-45a5-a677-5c0bcacb5039" providerId="ADAL" clId="{A15287ED-86BA-441D-9896-A7C43BA4AFBC}" dt="2025-04-24T14:19:30.375" v="1341" actId="14100"/>
           <ac:picMkLst>
@@ -306,7 +293,7 @@
         </pc:picChg>
       </pc:sldChg>
       <pc:sldChg chg="addSp modSp new mod modAnim">
-        <pc:chgData name="Diego Fernando Danelone" userId="b117111b-3349-45a5-a677-5c0bcacb5039" providerId="ADAL" clId="{A15287ED-86BA-441D-9896-A7C43BA4AFBC}" dt="2025-04-24T14:33:22.282" v="2219" actId="20577"/>
+        <pc:chgData name="Diego Fernando Danelone" userId="b117111b-3349-45a5-a677-5c0bcacb5039" providerId="ADAL" clId="{A15287ED-86BA-441D-9896-A7C43BA4AFBC}" dt="2025-04-26T01:46:33.989" v="2917" actId="20577"/>
         <pc:sldMkLst>
           <pc:docMk/>
           <pc:sldMk cId="1231482930" sldId="262"/>
@@ -320,27 +307,11 @@
           </ac:spMkLst>
         </pc:spChg>
         <pc:spChg chg="mod">
-          <ac:chgData name="Diego Fernando Danelone" userId="b117111b-3349-45a5-a677-5c0bcacb5039" providerId="ADAL" clId="{A15287ED-86BA-441D-9896-A7C43BA4AFBC}" dt="2025-04-24T14:33:22.282" v="2219" actId="20577"/>
+          <ac:chgData name="Diego Fernando Danelone" userId="b117111b-3349-45a5-a677-5c0bcacb5039" providerId="ADAL" clId="{A15287ED-86BA-441D-9896-A7C43BA4AFBC}" dt="2025-04-26T01:46:33.989" v="2917" actId="20577"/>
           <ac:spMkLst>
             <pc:docMk/>
             <pc:sldMk cId="1231482930" sldId="262"/>
             <ac:spMk id="3" creationId="{A050C32D-78A7-6D20-2521-BD9BF910560F}"/>
-          </ac:spMkLst>
-        </pc:spChg>
-        <pc:spChg chg="add">
-          <ac:chgData name="Diego Fernando Danelone" userId="b117111b-3349-45a5-a677-5c0bcacb5039" providerId="ADAL" clId="{A15287ED-86BA-441D-9896-A7C43BA4AFBC}" dt="2025-04-24T14:23:57.477" v="1433"/>
-          <ac:spMkLst>
-            <pc:docMk/>
-            <pc:sldMk cId="1231482930" sldId="262"/>
-            <ac:spMk id="4" creationId="{F25B43F5-821A-4F19-0088-093163C58343}"/>
-          </ac:spMkLst>
-        </pc:spChg>
-        <pc:spChg chg="add">
-          <ac:chgData name="Diego Fernando Danelone" userId="b117111b-3349-45a5-a677-5c0bcacb5039" providerId="ADAL" clId="{A15287ED-86BA-441D-9896-A7C43BA4AFBC}" dt="2025-04-24T14:24:02.975" v="1434"/>
-          <ac:spMkLst>
-            <pc:docMk/>
-            <pc:sldMk cId="1231482930" sldId="262"/>
-            <ac:spMk id="5" creationId="{99BBFD7A-7F52-6064-1C85-E04738F22CEA}"/>
           </ac:spMkLst>
         </pc:spChg>
       </pc:sldChg>
@@ -366,14 +337,332 @@
             <ac:spMk id="3" creationId="{16DE44CC-CBBF-C7CB-0BE0-1656CA5EE2E9}"/>
           </ac:spMkLst>
         </pc:spChg>
-        <pc:spChg chg="add">
-          <ac:chgData name="Diego Fernando Danelone" userId="b117111b-3349-45a5-a677-5c0bcacb5039" providerId="ADAL" clId="{A15287ED-86BA-441D-9896-A7C43BA4AFBC}" dt="2025-04-24T14:27:36.455" v="1830"/>
+      </pc:sldChg>
+      <pc:sldChg chg="addSp delSp modSp new mod modAnim">
+        <pc:chgData name="Diego Fernando Danelone" userId="b117111b-3349-45a5-a677-5c0bcacb5039" providerId="ADAL" clId="{A15287ED-86BA-441D-9896-A7C43BA4AFBC}" dt="2025-04-25T23:41:55.130" v="2377"/>
+        <pc:sldMkLst>
+          <pc:docMk/>
+          <pc:sldMk cId="1754136382" sldId="264"/>
+        </pc:sldMkLst>
+        <pc:spChg chg="mod">
+          <ac:chgData name="Diego Fernando Danelone" userId="b117111b-3349-45a5-a677-5c0bcacb5039" providerId="ADAL" clId="{A15287ED-86BA-441D-9896-A7C43BA4AFBC}" dt="2025-04-25T23:40:13.232" v="2352" actId="20577"/>
           <ac:spMkLst>
             <pc:docMk/>
-            <pc:sldMk cId="1988625949" sldId="263"/>
-            <ac:spMk id="4" creationId="{7E0F2C20-CCF2-E61D-A333-2FF02F22A5AC}"/>
+            <pc:sldMk cId="1754136382" sldId="264"/>
+            <ac:spMk id="2" creationId="{418369E9-4264-9F69-06D3-1E7F354FD6EF}"/>
           </ac:spMkLst>
         </pc:spChg>
+        <pc:spChg chg="del">
+          <ac:chgData name="Diego Fernando Danelone" userId="b117111b-3349-45a5-a677-5c0bcacb5039" providerId="ADAL" clId="{A15287ED-86BA-441D-9896-A7C43BA4AFBC}" dt="2025-04-25T23:38:38.265" v="2229"/>
+          <ac:spMkLst>
+            <pc:docMk/>
+            <pc:sldMk cId="1754136382" sldId="264"/>
+            <ac:spMk id="3" creationId="{8417B351-A438-F1CE-9495-8905DF731C65}"/>
+          </ac:spMkLst>
+        </pc:spChg>
+        <pc:picChg chg="add mod">
+          <ac:chgData name="Diego Fernando Danelone" userId="b117111b-3349-45a5-a677-5c0bcacb5039" providerId="ADAL" clId="{A15287ED-86BA-441D-9896-A7C43BA4AFBC}" dt="2025-04-25T23:38:40.953" v="2231" actId="962"/>
+          <ac:picMkLst>
+            <pc:docMk/>
+            <pc:sldMk cId="1754136382" sldId="264"/>
+            <ac:picMk id="5" creationId="{C8BE92B8-25DE-256B-F029-2DB54CDD785A}"/>
+          </ac:picMkLst>
+        </pc:picChg>
+      </pc:sldChg>
+      <pc:sldChg chg="addSp delSp modSp new mod modAnim">
+        <pc:chgData name="Diego Fernando Danelone" userId="b117111b-3349-45a5-a677-5c0bcacb5039" providerId="ADAL" clId="{A15287ED-86BA-441D-9896-A7C43BA4AFBC}" dt="2025-04-25T23:42:14.320" v="2380"/>
+        <pc:sldMkLst>
+          <pc:docMk/>
+          <pc:sldMk cId="1300507075" sldId="265"/>
+        </pc:sldMkLst>
+        <pc:spChg chg="mod">
+          <ac:chgData name="Diego Fernando Danelone" userId="b117111b-3349-45a5-a677-5c0bcacb5039" providerId="ADAL" clId="{A15287ED-86BA-441D-9896-A7C43BA4AFBC}" dt="2025-04-25T23:40:26.230" v="2355" actId="122"/>
+          <ac:spMkLst>
+            <pc:docMk/>
+            <pc:sldMk cId="1300507075" sldId="265"/>
+            <ac:spMk id="2" creationId="{035E89CF-7A9D-52FF-E9C9-A12FCEB39A61}"/>
+          </ac:spMkLst>
+        </pc:spChg>
+        <pc:spChg chg="del">
+          <ac:chgData name="Diego Fernando Danelone" userId="b117111b-3349-45a5-a677-5c0bcacb5039" providerId="ADAL" clId="{A15287ED-86BA-441D-9896-A7C43BA4AFBC}" dt="2025-04-25T23:39:43.430" v="2311"/>
+          <ac:spMkLst>
+            <pc:docMk/>
+            <pc:sldMk cId="1300507075" sldId="265"/>
+            <ac:spMk id="3" creationId="{3E0827A0-F670-AABB-625A-DCF8E6793DCC}"/>
+          </ac:spMkLst>
+        </pc:spChg>
+        <pc:picChg chg="add mod">
+          <ac:chgData name="Diego Fernando Danelone" userId="b117111b-3349-45a5-a677-5c0bcacb5039" providerId="ADAL" clId="{A15287ED-86BA-441D-9896-A7C43BA4AFBC}" dt="2025-04-25T23:39:44.598" v="2313" actId="962"/>
+          <ac:picMkLst>
+            <pc:docMk/>
+            <pc:sldMk cId="1300507075" sldId="265"/>
+            <ac:picMk id="5" creationId="{CF4E7C37-98AF-1BB1-3641-9929D76F62B2}"/>
+          </ac:picMkLst>
+        </pc:picChg>
+      </pc:sldChg>
+      <pc:sldChg chg="addSp delSp modSp new mod modAnim">
+        <pc:chgData name="Diego Fernando Danelone" userId="b117111b-3349-45a5-a677-5c0bcacb5039" providerId="ADAL" clId="{A15287ED-86BA-441D-9896-A7C43BA4AFBC}" dt="2025-04-25T23:47:37.027" v="2522" actId="122"/>
+        <pc:sldMkLst>
+          <pc:docMk/>
+          <pc:sldMk cId="2489235642" sldId="266"/>
+        </pc:sldMkLst>
+        <pc:spChg chg="mod">
+          <ac:chgData name="Diego Fernando Danelone" userId="b117111b-3349-45a5-a677-5c0bcacb5039" providerId="ADAL" clId="{A15287ED-86BA-441D-9896-A7C43BA4AFBC}" dt="2025-04-25T23:47:37.027" v="2522" actId="122"/>
+          <ac:spMkLst>
+            <pc:docMk/>
+            <pc:sldMk cId="2489235642" sldId="266"/>
+            <ac:spMk id="2" creationId="{BB2937E5-5D82-155B-569A-53E8ADB25BBB}"/>
+          </ac:spMkLst>
+        </pc:spChg>
+        <pc:spChg chg="del">
+          <ac:chgData name="Diego Fernando Danelone" userId="b117111b-3349-45a5-a677-5c0bcacb5039" providerId="ADAL" clId="{A15287ED-86BA-441D-9896-A7C43BA4AFBC}" dt="2025-04-25T23:40:49.860" v="2367"/>
+          <ac:spMkLst>
+            <pc:docMk/>
+            <pc:sldMk cId="2489235642" sldId="266"/>
+            <ac:spMk id="3" creationId="{53B9D054-0758-D451-7C1D-BBE84D3E6BB9}"/>
+          </ac:spMkLst>
+        </pc:spChg>
+        <pc:picChg chg="add mod">
+          <ac:chgData name="Diego Fernando Danelone" userId="b117111b-3349-45a5-a677-5c0bcacb5039" providerId="ADAL" clId="{A15287ED-86BA-441D-9896-A7C43BA4AFBC}" dt="2025-04-25T23:40:51.014" v="2369" actId="962"/>
+          <ac:picMkLst>
+            <pc:docMk/>
+            <pc:sldMk cId="2489235642" sldId="266"/>
+            <ac:picMk id="5" creationId="{A6EDC343-8EE5-5AFB-DA78-7BBB932F654B}"/>
+          </ac:picMkLst>
+        </pc:picChg>
+      </pc:sldChg>
+      <pc:sldChg chg="addSp delSp modSp new del mod">
+        <pc:chgData name="Diego Fernando Danelone" userId="b117111b-3349-45a5-a677-5c0bcacb5039" providerId="ADAL" clId="{A15287ED-86BA-441D-9896-A7C43BA4AFBC}" dt="2025-04-25T23:45:37.756" v="2494" actId="2696"/>
+        <pc:sldMkLst>
+          <pc:docMk/>
+          <pc:sldMk cId="1396783110" sldId="267"/>
+        </pc:sldMkLst>
+        <pc:spChg chg="mod">
+          <ac:chgData name="Diego Fernando Danelone" userId="b117111b-3349-45a5-a677-5c0bcacb5039" providerId="ADAL" clId="{A15287ED-86BA-441D-9896-A7C43BA4AFBC}" dt="2025-04-25T23:45:03.184" v="2492" actId="207"/>
+          <ac:spMkLst>
+            <pc:docMk/>
+            <pc:sldMk cId="1396783110" sldId="267"/>
+            <ac:spMk id="2" creationId="{CF6CFB1B-4441-1C42-2224-EF4B78DADD92}"/>
+          </ac:spMkLst>
+        </pc:spChg>
+        <pc:spChg chg="del">
+          <ac:chgData name="Diego Fernando Danelone" userId="b117111b-3349-45a5-a677-5c0bcacb5039" providerId="ADAL" clId="{A15287ED-86BA-441D-9896-A7C43BA4AFBC}" dt="2025-04-25T23:43:56.297" v="2460"/>
+          <ac:spMkLst>
+            <pc:docMk/>
+            <pc:sldMk cId="1396783110" sldId="267"/>
+            <ac:spMk id="3" creationId="{43F4EE40-4386-06A3-EDD9-D225C0186403}"/>
+          </ac:spMkLst>
+        </pc:spChg>
+        <pc:picChg chg="add mod">
+          <ac:chgData name="Diego Fernando Danelone" userId="b117111b-3349-45a5-a677-5c0bcacb5039" providerId="ADAL" clId="{A15287ED-86BA-441D-9896-A7C43BA4AFBC}" dt="2025-04-25T23:43:57.440" v="2462" actId="962"/>
+          <ac:picMkLst>
+            <pc:docMk/>
+            <pc:sldMk cId="1396783110" sldId="267"/>
+            <ac:picMk id="5" creationId="{E3F8EE4D-1DF3-993B-8279-CCE78DD5DE12}"/>
+          </ac:picMkLst>
+        </pc:picChg>
+      </pc:sldChg>
+      <pc:sldChg chg="modSp new del mod">
+        <pc:chgData name="Diego Fernando Danelone" userId="b117111b-3349-45a5-a677-5c0bcacb5039" providerId="ADAL" clId="{A15287ED-86BA-441D-9896-A7C43BA4AFBC}" dt="2025-04-25T23:45:34.078" v="2493" actId="2696"/>
+        <pc:sldMkLst>
+          <pc:docMk/>
+          <pc:sldMk cId="936797502" sldId="268"/>
+        </pc:sldMkLst>
+        <pc:spChg chg="mod">
+          <ac:chgData name="Diego Fernando Danelone" userId="b117111b-3349-45a5-a677-5c0bcacb5039" providerId="ADAL" clId="{A15287ED-86BA-441D-9896-A7C43BA4AFBC}" dt="2025-04-25T23:44:49.650" v="2491" actId="20577"/>
+          <ac:spMkLst>
+            <pc:docMk/>
+            <pc:sldMk cId="936797502" sldId="268"/>
+            <ac:spMk id="2" creationId="{AD0B5171-50DD-C4B7-805A-C852EB3BCAB4}"/>
+          </ac:spMkLst>
+        </pc:spChg>
+      </pc:sldChg>
+      <pc:sldChg chg="addSp delSp modSp new mod ord modAnim">
+        <pc:chgData name="Diego Fernando Danelone" userId="b117111b-3349-45a5-a677-5c0bcacb5039" providerId="ADAL" clId="{A15287ED-86BA-441D-9896-A7C43BA4AFBC}" dt="2025-04-25T23:58:34.022" v="2888"/>
+        <pc:sldMkLst>
+          <pc:docMk/>
+          <pc:sldMk cId="56636147" sldId="269"/>
+        </pc:sldMkLst>
+        <pc:spChg chg="mod">
+          <ac:chgData name="Diego Fernando Danelone" userId="b117111b-3349-45a5-a677-5c0bcacb5039" providerId="ADAL" clId="{A15287ED-86BA-441D-9896-A7C43BA4AFBC}" dt="2025-04-25T23:58:05.631" v="2882" actId="20577"/>
+          <ac:spMkLst>
+            <pc:docMk/>
+            <pc:sldMk cId="56636147" sldId="269"/>
+            <ac:spMk id="2" creationId="{3728DB0A-1EFD-9C08-5E8F-3CC48E435198}"/>
+          </ac:spMkLst>
+        </pc:spChg>
+        <pc:spChg chg="del">
+          <ac:chgData name="Diego Fernando Danelone" userId="b117111b-3349-45a5-a677-5c0bcacb5039" providerId="ADAL" clId="{A15287ED-86BA-441D-9896-A7C43BA4AFBC}" dt="2025-04-25T23:57:49.117" v="2877"/>
+          <ac:spMkLst>
+            <pc:docMk/>
+            <pc:sldMk cId="56636147" sldId="269"/>
+            <ac:spMk id="3" creationId="{BF20D159-998E-6424-5D3A-7D590F5187CC}"/>
+          </ac:spMkLst>
+        </pc:spChg>
+        <pc:picChg chg="add mod">
+          <ac:chgData name="Diego Fernando Danelone" userId="b117111b-3349-45a5-a677-5c0bcacb5039" providerId="ADAL" clId="{A15287ED-86BA-441D-9896-A7C43BA4AFBC}" dt="2025-04-25T23:57:51.193" v="2879" actId="962"/>
+          <ac:picMkLst>
+            <pc:docMk/>
+            <pc:sldMk cId="56636147" sldId="269"/>
+            <ac:picMk id="5" creationId="{FABB8C05-349C-FB72-8D45-1B744718C6D9}"/>
+          </ac:picMkLst>
+        </pc:picChg>
+      </pc:sldChg>
+      <pc:sldChg chg="addSp modSp new mod ord modAnim">
+        <pc:chgData name="Diego Fernando Danelone" userId="b117111b-3349-45a5-a677-5c0bcacb5039" providerId="ADAL" clId="{A15287ED-86BA-441D-9896-A7C43BA4AFBC}" dt="2025-04-25T23:50:19.154" v="2654"/>
+        <pc:sldMkLst>
+          <pc:docMk/>
+          <pc:sldMk cId="3655094755" sldId="270"/>
+        </pc:sldMkLst>
+        <pc:spChg chg="add mod">
+          <ac:chgData name="Diego Fernando Danelone" userId="b117111b-3349-45a5-a677-5c0bcacb5039" providerId="ADAL" clId="{A15287ED-86BA-441D-9896-A7C43BA4AFBC}" dt="2025-04-25T23:48:50.537" v="2624" actId="20577"/>
+          <ac:spMkLst>
+            <pc:docMk/>
+            <pc:sldMk cId="3655094755" sldId="270"/>
+            <ac:spMk id="6" creationId="{3D4E8EF2-B5C8-A55D-C21A-0EC83E84B455}"/>
+          </ac:spMkLst>
+        </pc:spChg>
+        <pc:spChg chg="add mod">
+          <ac:chgData name="Diego Fernando Danelone" userId="b117111b-3349-45a5-a677-5c0bcacb5039" providerId="ADAL" clId="{A15287ED-86BA-441D-9896-A7C43BA4AFBC}" dt="2025-04-25T23:49:39.935" v="2646" actId="1076"/>
+          <ac:spMkLst>
+            <pc:docMk/>
+            <pc:sldMk cId="3655094755" sldId="270"/>
+            <ac:spMk id="7" creationId="{6347425F-DF48-2AAC-2BD0-00194E7146BE}"/>
+          </ac:spMkLst>
+        </pc:spChg>
+        <pc:picChg chg="add mod">
+          <ac:chgData name="Diego Fernando Danelone" userId="b117111b-3349-45a5-a677-5c0bcacb5039" providerId="ADAL" clId="{A15287ED-86BA-441D-9896-A7C43BA4AFBC}" dt="2025-04-25T23:47:00.019" v="2513" actId="14100"/>
+          <ac:picMkLst>
+            <pc:docMk/>
+            <pc:sldMk cId="3655094755" sldId="270"/>
+            <ac:picMk id="3" creationId="{206EA74C-29C8-ABB2-C2E6-8ACD8FE30AFD}"/>
+          </ac:picMkLst>
+        </pc:picChg>
+        <pc:picChg chg="add mod">
+          <ac:chgData name="Diego Fernando Danelone" userId="b117111b-3349-45a5-a677-5c0bcacb5039" providerId="ADAL" clId="{A15287ED-86BA-441D-9896-A7C43BA4AFBC}" dt="2025-04-25T23:46:56.248" v="2512" actId="14100"/>
+          <ac:picMkLst>
+            <pc:docMk/>
+            <pc:sldMk cId="3655094755" sldId="270"/>
+            <ac:picMk id="5" creationId="{CE56BACB-0600-BD8C-ED66-5F26FDFBEC8E}"/>
+          </ac:picMkLst>
+        </pc:picChg>
+      </pc:sldChg>
+      <pc:sldChg chg="new del">
+        <pc:chgData name="Diego Fernando Danelone" userId="b117111b-3349-45a5-a677-5c0bcacb5039" providerId="ADAL" clId="{A15287ED-86BA-441D-9896-A7C43BA4AFBC}" dt="2025-04-25T23:57:08.734" v="2808" actId="2696"/>
+        <pc:sldMkLst>
+          <pc:docMk/>
+          <pc:sldMk cId="3612375987" sldId="271"/>
+        </pc:sldMkLst>
+      </pc:sldChg>
+      <pc:sldChg chg="addSp delSp modSp add mod delAnim modAnim">
+        <pc:chgData name="Diego Fernando Danelone" userId="b117111b-3349-45a5-a677-5c0bcacb5039" providerId="ADAL" clId="{A15287ED-86BA-441D-9896-A7C43BA4AFBC}" dt="2025-04-25T23:52:59.202" v="2716"/>
+        <pc:sldMkLst>
+          <pc:docMk/>
+          <pc:sldMk cId="858543334" sldId="272"/>
+        </pc:sldMkLst>
+        <pc:spChg chg="mod">
+          <ac:chgData name="Diego Fernando Danelone" userId="b117111b-3349-45a5-a677-5c0bcacb5039" providerId="ADAL" clId="{A15287ED-86BA-441D-9896-A7C43BA4AFBC}" dt="2025-04-25T23:51:45.324" v="2693" actId="20577"/>
+          <ac:spMkLst>
+            <pc:docMk/>
+            <pc:sldMk cId="858543334" sldId="272"/>
+            <ac:spMk id="6" creationId="{C08EE3C1-2D4D-BAE0-789D-3DE312B062F7}"/>
+          </ac:spMkLst>
+        </pc:spChg>
+        <pc:spChg chg="mod">
+          <ac:chgData name="Diego Fernando Danelone" userId="b117111b-3349-45a5-a677-5c0bcacb5039" providerId="ADAL" clId="{A15287ED-86BA-441D-9896-A7C43BA4AFBC}" dt="2025-04-25T23:51:42.333" v="2692" actId="20577"/>
+          <ac:spMkLst>
+            <pc:docMk/>
+            <pc:sldMk cId="858543334" sldId="272"/>
+            <ac:spMk id="7" creationId="{A63D23D0-4B27-205B-0D19-32282B92659E}"/>
+          </ac:spMkLst>
+        </pc:spChg>
+        <pc:picChg chg="del">
+          <ac:chgData name="Diego Fernando Danelone" userId="b117111b-3349-45a5-a677-5c0bcacb5039" providerId="ADAL" clId="{A15287ED-86BA-441D-9896-A7C43BA4AFBC}" dt="2025-04-25T23:50:44.582" v="2657" actId="478"/>
+          <ac:picMkLst>
+            <pc:docMk/>
+            <pc:sldMk cId="858543334" sldId="272"/>
+            <ac:picMk id="3" creationId="{3F4E379F-0F85-C12D-2237-8A639F95C893}"/>
+          </ac:picMkLst>
+        </pc:picChg>
+        <pc:picChg chg="add mod">
+          <ac:chgData name="Diego Fernando Danelone" userId="b117111b-3349-45a5-a677-5c0bcacb5039" providerId="ADAL" clId="{A15287ED-86BA-441D-9896-A7C43BA4AFBC}" dt="2025-04-25T23:51:00.921" v="2664" actId="1076"/>
+          <ac:picMkLst>
+            <pc:docMk/>
+            <pc:sldMk cId="858543334" sldId="272"/>
+            <ac:picMk id="4" creationId="{B3FAEE25-0D82-3099-1104-F5EAF5DDFC80}"/>
+          </ac:picMkLst>
+        </pc:picChg>
+        <pc:picChg chg="del">
+          <ac:chgData name="Diego Fernando Danelone" userId="b117111b-3349-45a5-a677-5c0bcacb5039" providerId="ADAL" clId="{A15287ED-86BA-441D-9896-A7C43BA4AFBC}" dt="2025-04-25T23:51:48.161" v="2694" actId="478"/>
+          <ac:picMkLst>
+            <pc:docMk/>
+            <pc:sldMk cId="858543334" sldId="272"/>
+            <ac:picMk id="5" creationId="{97C29E8C-1F81-C40F-D9FE-4EBF9549B4E7}"/>
+          </ac:picMkLst>
+        </pc:picChg>
+        <pc:picChg chg="add mod">
+          <ac:chgData name="Diego Fernando Danelone" userId="b117111b-3349-45a5-a677-5c0bcacb5039" providerId="ADAL" clId="{A15287ED-86BA-441D-9896-A7C43BA4AFBC}" dt="2025-04-25T23:52:14.275" v="2705" actId="1076"/>
+          <ac:picMkLst>
+            <pc:docMk/>
+            <pc:sldMk cId="858543334" sldId="272"/>
+            <ac:picMk id="9" creationId="{D7FC2EA5-D621-3200-C5F9-CA0391F0110A}"/>
+          </ac:picMkLst>
+        </pc:picChg>
+      </pc:sldChg>
+      <pc:sldChg chg="addSp delSp modSp add mod modAnim">
+        <pc:chgData name="Diego Fernando Danelone" userId="b117111b-3349-45a5-a677-5c0bcacb5039" providerId="ADAL" clId="{A15287ED-86BA-441D-9896-A7C43BA4AFBC}" dt="2025-04-25T23:56:43.008" v="2807"/>
+        <pc:sldMkLst>
+          <pc:docMk/>
+          <pc:sldMk cId="1596278309" sldId="273"/>
+        </pc:sldMkLst>
+        <pc:spChg chg="mod">
+          <ac:chgData name="Diego Fernando Danelone" userId="b117111b-3349-45a5-a677-5c0bcacb5039" providerId="ADAL" clId="{A15287ED-86BA-441D-9896-A7C43BA4AFBC}" dt="2025-04-25T23:55:07.439" v="2788" actId="122"/>
+          <ac:spMkLst>
+            <pc:docMk/>
+            <pc:sldMk cId="1596278309" sldId="273"/>
+            <ac:spMk id="6" creationId="{EAA3B2B8-C96D-920B-A7A1-6694E5CA731E}"/>
+          </ac:spMkLst>
+        </pc:spChg>
+        <pc:spChg chg="mod">
+          <ac:chgData name="Diego Fernando Danelone" userId="b117111b-3349-45a5-a677-5c0bcacb5039" providerId="ADAL" clId="{A15287ED-86BA-441D-9896-A7C43BA4AFBC}" dt="2025-04-25T23:55:11.378" v="2789" actId="122"/>
+          <ac:spMkLst>
+            <pc:docMk/>
+            <pc:sldMk cId="1596278309" sldId="273"/>
+            <ac:spMk id="7" creationId="{9AF66155-B350-B076-152F-63689541FF9A}"/>
+          </ac:spMkLst>
+        </pc:spChg>
+        <pc:picChg chg="del">
+          <ac:chgData name="Diego Fernando Danelone" userId="b117111b-3349-45a5-a677-5c0bcacb5039" providerId="ADAL" clId="{A15287ED-86BA-441D-9896-A7C43BA4AFBC}" dt="2025-04-25T23:53:58.145" v="2762" actId="478"/>
+          <ac:picMkLst>
+            <pc:docMk/>
+            <pc:sldMk cId="1596278309" sldId="273"/>
+            <ac:picMk id="3" creationId="{8D118F7F-8600-7FFD-364E-54404D53DBD9}"/>
+          </ac:picMkLst>
+        </pc:picChg>
+        <pc:picChg chg="add mod">
+          <ac:chgData name="Diego Fernando Danelone" userId="b117111b-3349-45a5-a677-5c0bcacb5039" providerId="ADAL" clId="{A15287ED-86BA-441D-9896-A7C43BA4AFBC}" dt="2025-04-25T23:54:51.971" v="2784" actId="14100"/>
+          <ac:picMkLst>
+            <pc:docMk/>
+            <pc:sldMk cId="1596278309" sldId="273"/>
+            <ac:picMk id="4" creationId="{AEDCD80C-460F-E992-B893-EBD718C7B436}"/>
+          </ac:picMkLst>
+        </pc:picChg>
+        <pc:picChg chg="del">
+          <ac:chgData name="Diego Fernando Danelone" userId="b117111b-3349-45a5-a677-5c0bcacb5039" providerId="ADAL" clId="{A15287ED-86BA-441D-9896-A7C43BA4AFBC}" dt="2025-04-25T23:54:23.213" v="2770" actId="478"/>
+          <ac:picMkLst>
+            <pc:docMk/>
+            <pc:sldMk cId="1596278309" sldId="273"/>
+            <ac:picMk id="5" creationId="{D6EBF2F2-E391-EFAD-4817-D9BC2C09FF0D}"/>
+          </ac:picMkLst>
+        </pc:picChg>
+        <pc:picChg chg="add mod">
+          <ac:chgData name="Diego Fernando Danelone" userId="b117111b-3349-45a5-a677-5c0bcacb5039" providerId="ADAL" clId="{A15287ED-86BA-441D-9896-A7C43BA4AFBC}" dt="2025-04-25T23:54:58.453" v="2787" actId="1076"/>
+          <ac:picMkLst>
+            <pc:docMk/>
+            <pc:sldMk cId="1596278309" sldId="273"/>
+            <ac:picMk id="9" creationId="{C4EB21D9-773D-9758-842A-912156E85952}"/>
+          </ac:picMkLst>
+        </pc:picChg>
       </pc:sldChg>
     </pc:docChg>
   </pc:docChgLst>
@@ -462,7 +751,7 @@
           <a:p>
             <a:fld id="{8EC0287C-311C-4796-A13C-39C3BAF435A6}" type="datetimeFigureOut">
               <a:rPr lang="es-AR" smtClean="0"/>
-              <a:t>24/4/2025</a:t>
+              <a:t>25/4/2025</a:t>
             </a:fld>
             <a:endParaRPr lang="es-AR"/>
           </a:p>
@@ -1217,7 +1506,7 @@
           <a:p>
             <a:fld id="{83284890-85D2-4D7B-8EF5-15A9C1DB8F42}" type="datetimeFigureOut">
               <a:rPr lang="en-US" dirty="0"/>
-              <a:t>4/24/2025</a:t>
+              <a:t>4/25/2025</a:t>
             </a:fld>
             <a:endParaRPr lang="en-US" dirty="0"/>
           </a:p>
@@ -1392,7 +1681,7 @@
           <a:p>
             <a:fld id="{87157CC2-0FC8-4686-B024-99790E0F5162}" type="datetimeFigureOut">
               <a:rPr lang="en-US" dirty="0"/>
-              <a:t>4/24/2025</a:t>
+              <a:t>4/25/2025</a:t>
             </a:fld>
             <a:endParaRPr lang="en-US" dirty="0"/>
           </a:p>
@@ -1567,7 +1856,7 @@
           <a:p>
             <a:fld id="{F6764DA5-CD3D-4590-A511-FCD3BC7A793E}" type="datetimeFigureOut">
               <a:rPr lang="en-US" dirty="0"/>
-              <a:t>4/24/2025</a:t>
+              <a:t>4/25/2025</a:t>
             </a:fld>
             <a:endParaRPr lang="en-US" dirty="0"/>
           </a:p>
@@ -1732,7 +2021,7 @@
           <a:p>
             <a:fld id="{82F5661D-6934-4B32-B92C-470368BF1EC6}" type="datetimeFigureOut">
               <a:rPr lang="en-US" dirty="0"/>
-              <a:t>4/24/2025</a:t>
+              <a:t>4/25/2025</a:t>
             </a:fld>
             <a:endParaRPr lang="en-US" dirty="0"/>
           </a:p>
@@ -2040,7 +2329,7 @@
           <a:p>
             <a:fld id="{C6F822A4-8DA6-4447-9B1F-C5DB58435268}" type="datetimeFigureOut">
               <a:rPr lang="en-US" dirty="0"/>
-              <a:t>4/24/2025</a:t>
+              <a:t>4/25/2025</a:t>
             </a:fld>
             <a:endParaRPr lang="en-US" dirty="0"/>
           </a:p>
@@ -2422,7 +2711,7 @@
           <a:p>
             <a:fld id="{E548D31E-DCDA-41A7-9C67-C4B11B94D21D}" type="datetimeFigureOut">
               <a:rPr lang="en-US" dirty="0"/>
-              <a:t>4/24/2025</a:t>
+              <a:t>4/25/2025</a:t>
             </a:fld>
             <a:endParaRPr lang="en-US" dirty="0"/>
           </a:p>
@@ -2851,7 +3140,7 @@
           <a:p>
             <a:fld id="{9B3762C0-B258-48F1-ADE6-176B4174CCDD}" type="datetimeFigureOut">
               <a:rPr lang="en-US" dirty="0"/>
-              <a:t>4/24/2025</a:t>
+              <a:t>4/25/2025</a:t>
             </a:fld>
             <a:endParaRPr lang="en-US" dirty="0"/>
           </a:p>
@@ -2964,7 +3253,7 @@
           <a:p>
             <a:fld id="{677919A6-33EB-49BD-A62F-1FA56B9F9712}" type="datetimeFigureOut">
               <a:rPr lang="en-US" dirty="0"/>
-              <a:t>4/24/2025</a:t>
+              <a:t>4/25/2025</a:t>
             </a:fld>
             <a:endParaRPr lang="en-US" dirty="0"/>
           </a:p>
@@ -3054,7 +3343,7 @@
           <a:p>
             <a:fld id="{CA4E7D1B-D673-4CF6-8672-009D42ABD2A0}" type="datetimeFigureOut">
               <a:rPr lang="en-US" dirty="0"/>
-              <a:t>4/24/2025</a:t>
+              <a:t>4/25/2025</a:t>
             </a:fld>
             <a:endParaRPr lang="en-US" dirty="0"/>
           </a:p>
@@ -3399,7 +3688,7 @@
           <a:p>
             <a:fld id="{DA16AA21-1863-4931-97CB-99D0A168701B}" type="datetimeFigureOut">
               <a:rPr lang="en-US" dirty="0"/>
-              <a:t>4/24/2025</a:t>
+              <a:t>4/25/2025</a:t>
             </a:fld>
             <a:endParaRPr lang="en-US" dirty="0"/>
           </a:p>
@@ -3819,7 +4108,7 @@
           <a:p>
             <a:fld id="{3772C379-9A7C-4C87-A116-CBE9F58B04C5}" type="datetimeFigureOut">
               <a:rPr lang="en-US" dirty="0"/>
-              <a:t>4/24/2025</a:t>
+              <a:t>4/25/2025</a:t>
             </a:fld>
             <a:endParaRPr lang="en-US" dirty="0"/>
           </a:p>
@@ -4095,7 +4384,7 @@
           <a:p>
             <a:fld id="{8664C608-40B1-4030-A28D-5B74BC98ADCE}" type="datetimeFigureOut">
               <a:rPr lang="en-US" dirty="0"/>
-              <a:t>4/24/2025</a:t>
+              <a:t>4/25/2025</a:t>
             </a:fld>
             <a:endParaRPr lang="en-US" dirty="0"/>
           </a:p>
@@ -4740,6 +5029,2725 @@
 </p:sld>
 </file>
 
+<file path=ppt/slides/slide10.xml><?xml version="1.0" encoding="utf-8"?>
+<p:sld xmlns:a="http://schemas.openxmlformats.org/drawingml/2006/main" xmlns:r="http://schemas.openxmlformats.org/officeDocument/2006/relationships" xmlns:p="http://schemas.openxmlformats.org/presentationml/2006/main">
+  <p:cSld>
+    <p:spTree>
+      <p:nvGrpSpPr>
+        <p:cNvPr id="1" name="">
+          <a:extLst>
+            <a:ext uri="{FF2B5EF4-FFF2-40B4-BE49-F238E27FC236}">
+              <a16:creationId xmlns:a16="http://schemas.microsoft.com/office/drawing/2014/main" id="{8EB0B239-171E-C081-107F-867804C5E85D}"/>
+            </a:ext>
+          </a:extLst>
+        </p:cNvPr>
+        <p:cNvGrpSpPr/>
+        <p:nvPr/>
+      </p:nvGrpSpPr>
+      <p:grpSpPr>
+        <a:xfrm>
+          <a:off x="0" y="0"/>
+          <a:ext cx="0" cy="0"/>
+          <a:chOff x="0" y="0"/>
+          <a:chExt cx="0" cy="0"/>
+        </a:xfrm>
+      </p:grpSpPr>
+      <p:sp>
+        <p:nvSpPr>
+          <p:cNvPr id="6" name="CuadroTexto 5">
+            <a:extLst>
+              <a:ext uri="{FF2B5EF4-FFF2-40B4-BE49-F238E27FC236}">
+                <a16:creationId xmlns:a16="http://schemas.microsoft.com/office/drawing/2014/main" id="{EAA3B2B8-C96D-920B-A7A1-6694E5CA731E}"/>
+              </a:ext>
+            </a:extLst>
+          </p:cNvPr>
+          <p:cNvSpPr txBox="1"/>
+          <p:nvPr/>
+        </p:nvSpPr>
+        <p:spPr>
+          <a:xfrm>
+            <a:off x="6934955" y="1178394"/>
+            <a:ext cx="4997512" cy="1938992"/>
+          </a:xfrm>
+          <a:prstGeom prst="rect">
+            <a:avLst/>
+          </a:prstGeom>
+          <a:noFill/>
+        </p:spPr>
+        <p:txBody>
+          <a:bodyPr wrap="square" rtlCol="0">
+            <a:spAutoFit/>
+          </a:bodyPr>
+          <a:lstStyle/>
+          <a:p>
+            <a:pPr algn="ctr"/>
+            <a:r>
+              <a:rPr lang="es-ES" sz="4000" dirty="0">
+                <a:latin typeface="+mj-lt"/>
+              </a:rPr>
+              <a:t>DOMINIO FRECUENCIAL: FFT FASE CONVULSIÓN </a:t>
+            </a:r>
+          </a:p>
+          <a:p>
+            <a:pPr algn="ctr"/>
+            <a:r>
+              <a:rPr lang="es-ES" sz="4000" dirty="0">
+                <a:latin typeface="+mj-lt"/>
+              </a:rPr>
+              <a:t>SIN FILTRAR</a:t>
+            </a:r>
+            <a:endParaRPr lang="es-AR" sz="4000" dirty="0">
+              <a:latin typeface="+mj-lt"/>
+            </a:endParaRPr>
+          </a:p>
+        </p:txBody>
+      </p:sp>
+      <p:sp>
+        <p:nvSpPr>
+          <p:cNvPr id="7" name="CuadroTexto 6">
+            <a:extLst>
+              <a:ext uri="{FF2B5EF4-FFF2-40B4-BE49-F238E27FC236}">
+                <a16:creationId xmlns:a16="http://schemas.microsoft.com/office/drawing/2014/main" id="{9AF66155-B350-B076-152F-63689541FF9A}"/>
+              </a:ext>
+            </a:extLst>
+          </p:cNvPr>
+          <p:cNvSpPr txBox="1"/>
+          <p:nvPr/>
+        </p:nvSpPr>
+        <p:spPr>
+          <a:xfrm>
+            <a:off x="6934955" y="4207264"/>
+            <a:ext cx="4997512" cy="1938992"/>
+          </a:xfrm>
+          <a:prstGeom prst="rect">
+            <a:avLst/>
+          </a:prstGeom>
+          <a:noFill/>
+        </p:spPr>
+        <p:txBody>
+          <a:bodyPr wrap="square" rtlCol="0">
+            <a:spAutoFit/>
+          </a:bodyPr>
+          <a:lstStyle/>
+          <a:p>
+            <a:pPr algn="ctr"/>
+            <a:r>
+              <a:rPr lang="es-ES" sz="4000" dirty="0">
+                <a:latin typeface="+mj-lt"/>
+              </a:rPr>
+              <a:t>DOMINIO FRECUENCIAL: FFT FASE CONVULSION </a:t>
+            </a:r>
+          </a:p>
+          <a:p>
+            <a:pPr algn="ctr"/>
+            <a:r>
+              <a:rPr lang="es-ES" sz="4000" dirty="0">
+                <a:latin typeface="+mj-lt"/>
+              </a:rPr>
+              <a:t>FILTRO 40HZ</a:t>
+            </a:r>
+            <a:endParaRPr lang="es-AR" sz="4000" dirty="0">
+              <a:latin typeface="+mj-lt"/>
+            </a:endParaRPr>
+          </a:p>
+        </p:txBody>
+      </p:sp>
+      <p:pic>
+        <p:nvPicPr>
+          <p:cNvPr id="4" name="Imagen 3" descr="Gráfico, Histograma&#10;&#10;El contenido generado por IA puede ser incorrecto.">
+            <a:extLst>
+              <a:ext uri="{FF2B5EF4-FFF2-40B4-BE49-F238E27FC236}">
+                <a16:creationId xmlns:a16="http://schemas.microsoft.com/office/drawing/2014/main" id="{AEDCD80C-460F-E992-B893-EBD718C7B436}"/>
+              </a:ext>
+            </a:extLst>
+          </p:cNvPr>
+          <p:cNvPicPr>
+            <a:picLocks noChangeAspect="1"/>
+          </p:cNvPicPr>
+          <p:nvPr/>
+        </p:nvPicPr>
+        <p:blipFill>
+          <a:blip r:embed="rId2"/>
+          <a:stretch>
+            <a:fillRect/>
+          </a:stretch>
+        </p:blipFill>
+        <p:spPr>
+          <a:xfrm>
+            <a:off x="329007" y="642796"/>
+            <a:ext cx="6158074" cy="3051018"/>
+          </a:xfrm>
+          <a:prstGeom prst="rect">
+            <a:avLst/>
+          </a:prstGeom>
+        </p:spPr>
+      </p:pic>
+      <p:pic>
+        <p:nvPicPr>
+          <p:cNvPr id="9" name="Imagen 8" descr="Gráfico, Histograma&#10;&#10;El contenido generado por IA puede ser incorrecto.">
+            <a:extLst>
+              <a:ext uri="{FF2B5EF4-FFF2-40B4-BE49-F238E27FC236}">
+                <a16:creationId xmlns:a16="http://schemas.microsoft.com/office/drawing/2014/main" id="{C4EB21D9-773D-9758-842A-912156E85952}"/>
+              </a:ext>
+            </a:extLst>
+          </p:cNvPr>
+          <p:cNvPicPr>
+            <a:picLocks noChangeAspect="1"/>
+          </p:cNvPicPr>
+          <p:nvPr/>
+        </p:nvPicPr>
+        <p:blipFill>
+          <a:blip r:embed="rId3"/>
+          <a:stretch>
+            <a:fillRect/>
+          </a:stretch>
+        </p:blipFill>
+        <p:spPr>
+          <a:xfrm>
+            <a:off x="329007" y="3651251"/>
+            <a:ext cx="6158074" cy="3051017"/>
+          </a:xfrm>
+          <a:prstGeom prst="rect">
+            <a:avLst/>
+          </a:prstGeom>
+        </p:spPr>
+      </p:pic>
+    </p:spTree>
+    <p:extLst>
+      <p:ext uri="{BB962C8B-B14F-4D97-AF65-F5344CB8AC3E}">
+        <p14:creationId xmlns:p14="http://schemas.microsoft.com/office/powerpoint/2010/main" val="1596278309"/>
+      </p:ext>
+    </p:extLst>
+  </p:cSld>
+  <p:clrMapOvr>
+    <a:masterClrMapping/>
+  </p:clrMapOvr>
+  <p:timing>
+    <p:tnLst>
+      <p:par>
+        <p:cTn id="1" dur="indefinite" restart="never" nodeType="tmRoot">
+          <p:childTnLst>
+            <p:seq concurrent="1" nextAc="seek">
+              <p:cTn id="2" dur="indefinite" nodeType="mainSeq">
+                <p:childTnLst>
+                  <p:par>
+                    <p:cTn id="3" fill="hold">
+                      <p:stCondLst>
+                        <p:cond delay="indefinite"/>
+                        <p:cond evt="onBegin" delay="0">
+                          <p:tn val="2"/>
+                        </p:cond>
+                      </p:stCondLst>
+                      <p:childTnLst>
+                        <p:par>
+                          <p:cTn id="4" fill="hold">
+                            <p:stCondLst>
+                              <p:cond delay="0"/>
+                            </p:stCondLst>
+                            <p:childTnLst>
+                              <p:par>
+                                <p:cTn id="5" presetID="22" presetClass="entr" presetSubtype="4" fill="hold" nodeType="afterEffect">
+                                  <p:stCondLst>
+                                    <p:cond delay="0"/>
+                                  </p:stCondLst>
+                                  <p:childTnLst>
+                                    <p:set>
+                                      <p:cBhvr>
+                                        <p:cTn id="6" dur="1" fill="hold">
+                                          <p:stCondLst>
+                                            <p:cond delay="0"/>
+                                          </p:stCondLst>
+                                        </p:cTn>
+                                        <p:tgtEl>
+                                          <p:spTgt spid="4"/>
+                                        </p:tgtEl>
+                                        <p:attrNameLst>
+                                          <p:attrName>style.visibility</p:attrName>
+                                        </p:attrNameLst>
+                                      </p:cBhvr>
+                                      <p:to>
+                                        <p:strVal val="visible"/>
+                                      </p:to>
+                                    </p:set>
+                                    <p:animEffect transition="in" filter="wipe(down)">
+                                      <p:cBhvr>
+                                        <p:cTn id="7" dur="500"/>
+                                        <p:tgtEl>
+                                          <p:spTgt spid="4"/>
+                                        </p:tgtEl>
+                                      </p:cBhvr>
+                                    </p:animEffect>
+                                  </p:childTnLst>
+                                </p:cTn>
+                              </p:par>
+                              <p:par>
+                                <p:cTn id="8" presetID="22" presetClass="entr" presetSubtype="4" fill="hold" grpId="0" nodeType="withEffect">
+                                  <p:stCondLst>
+                                    <p:cond delay="0"/>
+                                  </p:stCondLst>
+                                  <p:childTnLst>
+                                    <p:set>
+                                      <p:cBhvr>
+                                        <p:cTn id="9" dur="1" fill="hold">
+                                          <p:stCondLst>
+                                            <p:cond delay="0"/>
+                                          </p:stCondLst>
+                                        </p:cTn>
+                                        <p:tgtEl>
+                                          <p:spTgt spid="6"/>
+                                        </p:tgtEl>
+                                        <p:attrNameLst>
+                                          <p:attrName>style.visibility</p:attrName>
+                                        </p:attrNameLst>
+                                      </p:cBhvr>
+                                      <p:to>
+                                        <p:strVal val="visible"/>
+                                      </p:to>
+                                    </p:set>
+                                    <p:animEffect transition="in" filter="wipe(down)">
+                                      <p:cBhvr>
+                                        <p:cTn id="10" dur="500"/>
+                                        <p:tgtEl>
+                                          <p:spTgt spid="6"/>
+                                        </p:tgtEl>
+                                      </p:cBhvr>
+                                    </p:animEffect>
+                                  </p:childTnLst>
+                                </p:cTn>
+                              </p:par>
+                            </p:childTnLst>
+                          </p:cTn>
+                        </p:par>
+                        <p:par>
+                          <p:cTn id="11" fill="hold">
+                            <p:stCondLst>
+                              <p:cond delay="500"/>
+                            </p:stCondLst>
+                            <p:childTnLst>
+                              <p:par>
+                                <p:cTn id="12" presetID="22" presetClass="entr" presetSubtype="4" fill="hold" nodeType="afterEffect">
+                                  <p:stCondLst>
+                                    <p:cond delay="0"/>
+                                  </p:stCondLst>
+                                  <p:childTnLst>
+                                    <p:set>
+                                      <p:cBhvr>
+                                        <p:cTn id="13" dur="1" fill="hold">
+                                          <p:stCondLst>
+                                            <p:cond delay="0"/>
+                                          </p:stCondLst>
+                                        </p:cTn>
+                                        <p:tgtEl>
+                                          <p:spTgt spid="9"/>
+                                        </p:tgtEl>
+                                        <p:attrNameLst>
+                                          <p:attrName>style.visibility</p:attrName>
+                                        </p:attrNameLst>
+                                      </p:cBhvr>
+                                      <p:to>
+                                        <p:strVal val="visible"/>
+                                      </p:to>
+                                    </p:set>
+                                    <p:animEffect transition="in" filter="wipe(down)">
+                                      <p:cBhvr>
+                                        <p:cTn id="14" dur="500"/>
+                                        <p:tgtEl>
+                                          <p:spTgt spid="9"/>
+                                        </p:tgtEl>
+                                      </p:cBhvr>
+                                    </p:animEffect>
+                                  </p:childTnLst>
+                                </p:cTn>
+                              </p:par>
+                              <p:par>
+                                <p:cTn id="15" presetID="22" presetClass="entr" presetSubtype="4" fill="hold" grpId="0" nodeType="withEffect">
+                                  <p:stCondLst>
+                                    <p:cond delay="0"/>
+                                  </p:stCondLst>
+                                  <p:childTnLst>
+                                    <p:set>
+                                      <p:cBhvr>
+                                        <p:cTn id="16" dur="1" fill="hold">
+                                          <p:stCondLst>
+                                            <p:cond delay="0"/>
+                                          </p:stCondLst>
+                                        </p:cTn>
+                                        <p:tgtEl>
+                                          <p:spTgt spid="7"/>
+                                        </p:tgtEl>
+                                        <p:attrNameLst>
+                                          <p:attrName>style.visibility</p:attrName>
+                                        </p:attrNameLst>
+                                      </p:cBhvr>
+                                      <p:to>
+                                        <p:strVal val="visible"/>
+                                      </p:to>
+                                    </p:set>
+                                    <p:animEffect transition="in" filter="wipe(down)">
+                                      <p:cBhvr>
+                                        <p:cTn id="17" dur="500"/>
+                                        <p:tgtEl>
+                                          <p:spTgt spid="7"/>
+                                        </p:tgtEl>
+                                      </p:cBhvr>
+                                    </p:animEffect>
+                                  </p:childTnLst>
+                                </p:cTn>
+                              </p:par>
+                            </p:childTnLst>
+                          </p:cTn>
+                        </p:par>
+                      </p:childTnLst>
+                    </p:cTn>
+                  </p:par>
+                </p:childTnLst>
+              </p:cTn>
+              <p:prevCondLst>
+                <p:cond evt="onPrev" delay="0">
+                  <p:tgtEl>
+                    <p:sldTgt/>
+                  </p:tgtEl>
+                </p:cond>
+              </p:prevCondLst>
+              <p:nextCondLst>
+                <p:cond evt="onNext" delay="0">
+                  <p:tgtEl>
+                    <p:sldTgt/>
+                  </p:tgtEl>
+                </p:cond>
+              </p:nextCondLst>
+            </p:seq>
+          </p:childTnLst>
+        </p:cTn>
+      </p:par>
+    </p:tnLst>
+    <p:bldLst>
+      <p:bldP spid="6" grpId="0"/>
+      <p:bldP spid="7" grpId="0"/>
+    </p:bldLst>
+  </p:timing>
+</p:sld>
+</file>
+
+<file path=ppt/slides/slide11.xml><?xml version="1.0" encoding="utf-8"?>
+<p:sld xmlns:a="http://schemas.openxmlformats.org/drawingml/2006/main" xmlns:r="http://schemas.openxmlformats.org/officeDocument/2006/relationships" xmlns:p="http://schemas.openxmlformats.org/presentationml/2006/main">
+  <p:cSld>
+    <p:spTree>
+      <p:nvGrpSpPr>
+        <p:cNvPr id="1" name=""/>
+        <p:cNvGrpSpPr/>
+        <p:nvPr/>
+      </p:nvGrpSpPr>
+      <p:grpSpPr>
+        <a:xfrm>
+          <a:off x="0" y="0"/>
+          <a:ext cx="0" cy="0"/>
+          <a:chOff x="0" y="0"/>
+          <a:chExt cx="0" cy="0"/>
+        </a:xfrm>
+      </p:grpSpPr>
+      <p:sp>
+        <p:nvSpPr>
+          <p:cNvPr id="2" name="Título 1">
+            <a:extLst>
+              <a:ext uri="{FF2B5EF4-FFF2-40B4-BE49-F238E27FC236}">
+                <a16:creationId xmlns:a16="http://schemas.microsoft.com/office/drawing/2014/main" id="{B66B7D62-51DF-ADF7-33C7-B35CEB1DDD95}"/>
+              </a:ext>
+            </a:extLst>
+          </p:cNvPr>
+          <p:cNvSpPr>
+            <a:spLocks noGrp="1"/>
+          </p:cNvSpPr>
+          <p:nvPr>
+            <p:ph type="title"/>
+          </p:nvPr>
+        </p:nvSpPr>
+        <p:spPr>
+          <a:xfrm>
+            <a:off x="1069848" y="484632"/>
+            <a:ext cx="10058400" cy="837174"/>
+          </a:xfrm>
+        </p:spPr>
+        <p:txBody>
+          <a:bodyPr/>
+          <a:lstStyle/>
+          <a:p>
+            <a:r>
+              <a:rPr lang="es-ES" dirty="0"/>
+              <a:t>Potencia espectral:</a:t>
+            </a:r>
+            <a:endParaRPr lang="es-AR" dirty="0"/>
+          </a:p>
+        </p:txBody>
+      </p:sp>
+      <p:sp>
+        <p:nvSpPr>
+          <p:cNvPr id="3" name="Marcador de contenido 2">
+            <a:extLst>
+              <a:ext uri="{FF2B5EF4-FFF2-40B4-BE49-F238E27FC236}">
+                <a16:creationId xmlns:a16="http://schemas.microsoft.com/office/drawing/2014/main" id="{0D13362B-F7B1-C6A7-613C-438430E25109}"/>
+              </a:ext>
+            </a:extLst>
+          </p:cNvPr>
+          <p:cNvSpPr>
+            <a:spLocks noGrp="1"/>
+          </p:cNvSpPr>
+          <p:nvPr>
+            <p:ph idx="1"/>
+          </p:nvPr>
+        </p:nvSpPr>
+        <p:spPr>
+          <a:xfrm>
+            <a:off x="1069848" y="1522717"/>
+            <a:ext cx="10058400" cy="1404645"/>
+          </a:xfrm>
+        </p:spPr>
+        <p:txBody>
+          <a:bodyPr/>
+          <a:lstStyle/>
+          <a:p>
+            <a:pPr algn="just"/>
+            <a:r>
+              <a:rPr lang="es-ES" dirty="0"/>
+              <a:t>Se estimó la </a:t>
+            </a:r>
+            <a:r>
+              <a:rPr lang="es-ES"/>
+              <a:t>potencia espectral para </a:t>
+            </a:r>
+            <a:r>
+              <a:rPr lang="es-ES" dirty="0"/>
+              <a:t>cuantificar cuánta energía hay en cada banda. Esto permitió asociar ciertas bandas con mayor actividad epiléptica, especialmente en los estados </a:t>
+            </a:r>
+            <a:r>
+              <a:rPr lang="es-ES" dirty="0" err="1"/>
+              <a:t>interictal</a:t>
+            </a:r>
+            <a:r>
+              <a:rPr lang="es-ES" dirty="0"/>
+              <a:t> y convulsivo, donde la energía tiende a concentrarse en bandas no habituales.</a:t>
+            </a:r>
+            <a:endParaRPr lang="es-AR" dirty="0"/>
+          </a:p>
+        </p:txBody>
+      </p:sp>
+      <p:sp>
+        <p:nvSpPr>
+          <p:cNvPr id="4" name="Título 1">
+            <a:extLst>
+              <a:ext uri="{FF2B5EF4-FFF2-40B4-BE49-F238E27FC236}">
+                <a16:creationId xmlns:a16="http://schemas.microsoft.com/office/drawing/2014/main" id="{694F2351-55E9-2638-2997-F13E7CE7D7C8}"/>
+              </a:ext>
+            </a:extLst>
+          </p:cNvPr>
+          <p:cNvSpPr txBox="1">
+            <a:spLocks/>
+          </p:cNvSpPr>
+          <p:nvPr/>
+        </p:nvSpPr>
+        <p:spPr>
+          <a:xfrm>
+            <a:off x="977804" y="3512052"/>
+            <a:ext cx="10058400" cy="837174"/>
+          </a:xfrm>
+          <a:prstGeom prst="rect">
+            <a:avLst/>
+          </a:prstGeom>
+        </p:spPr>
+        <p:txBody>
+          <a:bodyPr vert="horz" lIns="91440" tIns="45720" rIns="91440" bIns="45720" rtlCol="0" anchor="ctr">
+            <a:normAutofit/>
+          </a:bodyPr>
+          <a:lstStyle>
+            <a:lvl1pPr algn="l" defTabSz="914400" rtl="0" eaLnBrk="1" latinLnBrk="0" hangingPunct="1">
+              <a:lnSpc>
+                <a:spcPct val="90000"/>
+              </a:lnSpc>
+              <a:spcBef>
+                <a:spcPct val="0"/>
+              </a:spcBef>
+              <a:buNone/>
+              <a:defRPr sz="5400" kern="1200" cap="all" baseline="0">
+                <a:blipFill>
+                  <a:blip r:embed="rId2">
+                    <a:extLst>
+                      <a:ext uri="{28A0092B-C50C-407E-A947-70E740481C1C}">
+                        <a14:useLocalDpi xmlns:a14="http://schemas.microsoft.com/office/drawing/2010/main" val="0"/>
+                      </a:ext>
+                    </a:extLst>
+                  </a:blip>
+                  <a:tile tx="6350" ty="-127000" sx="65000" sy="64000" flip="none" algn="tl"/>
+                </a:blipFill>
+                <a:latin typeface="+mj-lt"/>
+                <a:ea typeface="+mj-ea"/>
+                <a:cs typeface="+mj-cs"/>
+              </a:defRPr>
+            </a:lvl1pPr>
+          </a:lstStyle>
+          <a:p>
+            <a:r>
+              <a:rPr lang="es-ES" dirty="0"/>
+              <a:t>Autocorrelación:</a:t>
+            </a:r>
+            <a:endParaRPr lang="es-AR" dirty="0"/>
+          </a:p>
+        </p:txBody>
+      </p:sp>
+      <p:sp>
+        <p:nvSpPr>
+          <p:cNvPr id="5" name="Marcador de contenido 2">
+            <a:extLst>
+              <a:ext uri="{FF2B5EF4-FFF2-40B4-BE49-F238E27FC236}">
+                <a16:creationId xmlns:a16="http://schemas.microsoft.com/office/drawing/2014/main" id="{B7F1FD5F-2B5E-43F9-40AC-C97384BF8059}"/>
+              </a:ext>
+            </a:extLst>
+          </p:cNvPr>
+          <p:cNvSpPr txBox="1">
+            <a:spLocks/>
+          </p:cNvSpPr>
+          <p:nvPr/>
+        </p:nvSpPr>
+        <p:spPr>
+          <a:xfrm>
+            <a:off x="977804" y="4532919"/>
+            <a:ext cx="10058400" cy="1404645"/>
+          </a:xfrm>
+          <a:prstGeom prst="rect">
+            <a:avLst/>
+          </a:prstGeom>
+        </p:spPr>
+        <p:txBody>
+          <a:bodyPr vert="horz" lIns="91440" tIns="45720" rIns="91440" bIns="45720" rtlCol="0">
+            <a:normAutofit/>
+          </a:bodyPr>
+          <a:lstStyle>
+            <a:lvl1pPr marL="182880" indent="-182880" algn="l" defTabSz="914400" rtl="0" eaLnBrk="1" latinLnBrk="0" hangingPunct="1">
+              <a:lnSpc>
+                <a:spcPct val="90000"/>
+              </a:lnSpc>
+              <a:spcBef>
+                <a:spcPts val="1200"/>
+              </a:spcBef>
+              <a:buClr>
+                <a:schemeClr val="accent1">
+                  <a:lumMod val="75000"/>
+                </a:schemeClr>
+              </a:buClr>
+              <a:buSzPct val="85000"/>
+              <a:buFont typeface="Wingdings" pitchFamily="2" charset="2"/>
+              <a:buChar char="§"/>
+              <a:defRPr sz="2000" kern="1200">
+                <a:solidFill>
+                  <a:schemeClr val="tx1"/>
+                </a:solidFill>
+                <a:latin typeface="+mn-lt"/>
+                <a:ea typeface="+mn-ea"/>
+                <a:cs typeface="+mn-cs"/>
+              </a:defRPr>
+            </a:lvl1pPr>
+            <a:lvl2pPr marL="457200" indent="-182880" algn="l" defTabSz="914400" rtl="0" eaLnBrk="1" latinLnBrk="0" hangingPunct="1">
+              <a:lnSpc>
+                <a:spcPct val="90000"/>
+              </a:lnSpc>
+              <a:spcBef>
+                <a:spcPts val="400"/>
+              </a:spcBef>
+              <a:spcAft>
+                <a:spcPts val="200"/>
+              </a:spcAft>
+              <a:buClr>
+                <a:schemeClr val="accent1">
+                  <a:lumMod val="75000"/>
+                </a:schemeClr>
+              </a:buClr>
+              <a:buSzPct val="85000"/>
+              <a:buFont typeface="Wingdings" pitchFamily="2" charset="2"/>
+              <a:buChar char="§"/>
+              <a:defRPr sz="1800" kern="1200">
+                <a:solidFill>
+                  <a:schemeClr val="tx1"/>
+                </a:solidFill>
+                <a:latin typeface="+mn-lt"/>
+                <a:ea typeface="+mn-ea"/>
+                <a:cs typeface="+mn-cs"/>
+              </a:defRPr>
+            </a:lvl2pPr>
+            <a:lvl3pPr marL="731520" indent="-182880" algn="l" defTabSz="914400" rtl="0" eaLnBrk="1" latinLnBrk="0" hangingPunct="1">
+              <a:lnSpc>
+                <a:spcPct val="90000"/>
+              </a:lnSpc>
+              <a:spcBef>
+                <a:spcPts val="400"/>
+              </a:spcBef>
+              <a:spcAft>
+                <a:spcPts val="200"/>
+              </a:spcAft>
+              <a:buClr>
+                <a:schemeClr val="accent1">
+                  <a:lumMod val="75000"/>
+                </a:schemeClr>
+              </a:buClr>
+              <a:buSzPct val="85000"/>
+              <a:buFont typeface="Wingdings" pitchFamily="2" charset="2"/>
+              <a:buChar char="§"/>
+              <a:defRPr sz="1600" kern="1200">
+                <a:solidFill>
+                  <a:schemeClr val="tx1"/>
+                </a:solidFill>
+                <a:latin typeface="+mn-lt"/>
+                <a:ea typeface="+mn-ea"/>
+                <a:cs typeface="+mn-cs"/>
+              </a:defRPr>
+            </a:lvl3pPr>
+            <a:lvl4pPr marL="1005840" indent="-182880" algn="l" defTabSz="914400" rtl="0" eaLnBrk="1" latinLnBrk="0" hangingPunct="1">
+              <a:lnSpc>
+                <a:spcPct val="90000"/>
+              </a:lnSpc>
+              <a:spcBef>
+                <a:spcPts val="400"/>
+              </a:spcBef>
+              <a:spcAft>
+                <a:spcPts val="200"/>
+              </a:spcAft>
+              <a:buClr>
+                <a:schemeClr val="accent1">
+                  <a:lumMod val="75000"/>
+                </a:schemeClr>
+              </a:buClr>
+              <a:buSzPct val="85000"/>
+              <a:buFont typeface="Wingdings" pitchFamily="2" charset="2"/>
+              <a:buChar char="§"/>
+              <a:defRPr sz="1600" kern="1200">
+                <a:solidFill>
+                  <a:schemeClr val="tx1"/>
+                </a:solidFill>
+                <a:latin typeface="+mn-lt"/>
+                <a:ea typeface="+mn-ea"/>
+                <a:cs typeface="+mn-cs"/>
+              </a:defRPr>
+            </a:lvl4pPr>
+            <a:lvl5pPr marL="1280160" indent="-182880" algn="l" defTabSz="914400" rtl="0" eaLnBrk="1" latinLnBrk="0" hangingPunct="1">
+              <a:lnSpc>
+                <a:spcPct val="90000"/>
+              </a:lnSpc>
+              <a:spcBef>
+                <a:spcPts val="400"/>
+              </a:spcBef>
+              <a:spcAft>
+                <a:spcPts val="200"/>
+              </a:spcAft>
+              <a:buClr>
+                <a:schemeClr val="accent1">
+                  <a:lumMod val="75000"/>
+                </a:schemeClr>
+              </a:buClr>
+              <a:buSzPct val="85000"/>
+              <a:buFont typeface="Wingdings" pitchFamily="2" charset="2"/>
+              <a:buChar char="§"/>
+              <a:defRPr sz="1600" kern="1200">
+                <a:solidFill>
+                  <a:schemeClr val="tx1"/>
+                </a:solidFill>
+                <a:latin typeface="+mn-lt"/>
+                <a:ea typeface="+mn-ea"/>
+                <a:cs typeface="+mn-cs"/>
+              </a:defRPr>
+            </a:lvl5pPr>
+            <a:lvl6pPr marL="1600000" indent="-228600" algn="l" defTabSz="914400" rtl="0" eaLnBrk="1" latinLnBrk="0" hangingPunct="1">
+              <a:lnSpc>
+                <a:spcPct val="90000"/>
+              </a:lnSpc>
+              <a:spcBef>
+                <a:spcPts val="400"/>
+              </a:spcBef>
+              <a:spcAft>
+                <a:spcPts val="200"/>
+              </a:spcAft>
+              <a:buClr>
+                <a:schemeClr val="accent1">
+                  <a:lumMod val="75000"/>
+                </a:schemeClr>
+              </a:buClr>
+              <a:buSzPct val="85000"/>
+              <a:buFont typeface="Wingdings" pitchFamily="2" charset="2"/>
+              <a:buChar char="§"/>
+              <a:defRPr sz="1600" kern="1200">
+                <a:solidFill>
+                  <a:schemeClr val="tx1"/>
+                </a:solidFill>
+                <a:latin typeface="+mn-lt"/>
+                <a:ea typeface="+mn-ea"/>
+                <a:cs typeface="+mn-cs"/>
+              </a:defRPr>
+            </a:lvl6pPr>
+            <a:lvl7pPr marL="1900000" indent="-228600" algn="l" defTabSz="914400" rtl="0" eaLnBrk="1" latinLnBrk="0" hangingPunct="1">
+              <a:lnSpc>
+                <a:spcPct val="90000"/>
+              </a:lnSpc>
+              <a:spcBef>
+                <a:spcPts val="400"/>
+              </a:spcBef>
+              <a:spcAft>
+                <a:spcPts val="200"/>
+              </a:spcAft>
+              <a:buClr>
+                <a:schemeClr val="accent1">
+                  <a:lumMod val="75000"/>
+                </a:schemeClr>
+              </a:buClr>
+              <a:buSzPct val="85000"/>
+              <a:buFont typeface="Wingdings" pitchFamily="2" charset="2"/>
+              <a:buChar char="§"/>
+              <a:defRPr sz="1600" kern="1200">
+                <a:solidFill>
+                  <a:schemeClr val="tx1"/>
+                </a:solidFill>
+                <a:latin typeface="+mn-lt"/>
+                <a:ea typeface="+mn-ea"/>
+                <a:cs typeface="+mn-cs"/>
+              </a:defRPr>
+            </a:lvl7pPr>
+            <a:lvl8pPr marL="2200000" indent="-228600" algn="l" defTabSz="914400" rtl="0" eaLnBrk="1" latinLnBrk="0" hangingPunct="1">
+              <a:lnSpc>
+                <a:spcPct val="90000"/>
+              </a:lnSpc>
+              <a:spcBef>
+                <a:spcPts val="400"/>
+              </a:spcBef>
+              <a:spcAft>
+                <a:spcPts val="200"/>
+              </a:spcAft>
+              <a:buClr>
+                <a:schemeClr val="accent1">
+                  <a:lumMod val="75000"/>
+                </a:schemeClr>
+              </a:buClr>
+              <a:buSzPct val="85000"/>
+              <a:buFont typeface="Wingdings" pitchFamily="2" charset="2"/>
+              <a:buChar char="§"/>
+              <a:defRPr sz="1600" kern="1200">
+                <a:solidFill>
+                  <a:schemeClr val="tx1"/>
+                </a:solidFill>
+                <a:latin typeface="+mn-lt"/>
+                <a:ea typeface="+mn-ea"/>
+                <a:cs typeface="+mn-cs"/>
+              </a:defRPr>
+            </a:lvl8pPr>
+            <a:lvl9pPr marL="2500000" indent="-228600" algn="l" defTabSz="914400" rtl="0" eaLnBrk="1" latinLnBrk="0" hangingPunct="1">
+              <a:lnSpc>
+                <a:spcPct val="90000"/>
+              </a:lnSpc>
+              <a:spcBef>
+                <a:spcPts val="400"/>
+              </a:spcBef>
+              <a:spcAft>
+                <a:spcPts val="200"/>
+              </a:spcAft>
+              <a:buClr>
+                <a:schemeClr val="accent1">
+                  <a:lumMod val="75000"/>
+                </a:schemeClr>
+              </a:buClr>
+              <a:buSzPct val="85000"/>
+              <a:buFont typeface="Wingdings" pitchFamily="2" charset="2"/>
+              <a:buChar char="§"/>
+              <a:defRPr sz="1600" kern="1200">
+                <a:solidFill>
+                  <a:schemeClr val="tx1"/>
+                </a:solidFill>
+                <a:latin typeface="+mn-lt"/>
+                <a:ea typeface="+mn-ea"/>
+                <a:cs typeface="+mn-cs"/>
+              </a:defRPr>
+            </a:lvl9pPr>
+          </a:lstStyle>
+          <a:p>
+            <a:pPr algn="just"/>
+            <a:r>
+              <a:rPr lang="es-ES" dirty="0"/>
+              <a:t>Se calculó la autocorrelación de cada señal para analizar su regularidad temporal. Una señal sana debería presentar una autocorrelación con picos bien definidos (mayor regularidad), mientras que en la convulsión estos patrones se desdibujan o se tornan irregulares, reflejando la caótica activación neuronal.</a:t>
+            </a:r>
+            <a:endParaRPr lang="es-AR" dirty="0"/>
+          </a:p>
+        </p:txBody>
+      </p:sp>
+    </p:spTree>
+    <p:extLst>
+      <p:ext uri="{BB962C8B-B14F-4D97-AF65-F5344CB8AC3E}">
+        <p14:creationId xmlns:p14="http://schemas.microsoft.com/office/powerpoint/2010/main" val="1849743709"/>
+      </p:ext>
+    </p:extLst>
+  </p:cSld>
+  <p:clrMapOvr>
+    <a:masterClrMapping/>
+  </p:clrMapOvr>
+  <p:timing>
+    <p:tnLst>
+      <p:par>
+        <p:cTn id="1" dur="indefinite" restart="never" nodeType="tmRoot">
+          <p:childTnLst>
+            <p:seq concurrent="1" nextAc="seek">
+              <p:cTn id="2" dur="indefinite" nodeType="mainSeq">
+                <p:childTnLst>
+                  <p:par>
+                    <p:cTn id="3" fill="hold">
+                      <p:stCondLst>
+                        <p:cond delay="indefinite"/>
+                        <p:cond evt="onBegin" delay="0">
+                          <p:tn val="2"/>
+                        </p:cond>
+                      </p:stCondLst>
+                      <p:childTnLst>
+                        <p:par>
+                          <p:cTn id="4" fill="hold">
+                            <p:stCondLst>
+                              <p:cond delay="0"/>
+                            </p:stCondLst>
+                            <p:childTnLst>
+                              <p:par>
+                                <p:cTn id="5" presetID="22" presetClass="entr" presetSubtype="4" fill="hold" grpId="0" nodeType="afterEffect">
+                                  <p:stCondLst>
+                                    <p:cond delay="0"/>
+                                  </p:stCondLst>
+                                  <p:childTnLst>
+                                    <p:set>
+                                      <p:cBhvr>
+                                        <p:cTn id="6" dur="1" fill="hold">
+                                          <p:stCondLst>
+                                            <p:cond delay="0"/>
+                                          </p:stCondLst>
+                                        </p:cTn>
+                                        <p:tgtEl>
+                                          <p:spTgt spid="2"/>
+                                        </p:tgtEl>
+                                        <p:attrNameLst>
+                                          <p:attrName>style.visibility</p:attrName>
+                                        </p:attrNameLst>
+                                      </p:cBhvr>
+                                      <p:to>
+                                        <p:strVal val="visible"/>
+                                      </p:to>
+                                    </p:set>
+                                    <p:animEffect transition="in" filter="wipe(down)">
+                                      <p:cBhvr>
+                                        <p:cTn id="7" dur="500"/>
+                                        <p:tgtEl>
+                                          <p:spTgt spid="2"/>
+                                        </p:tgtEl>
+                                      </p:cBhvr>
+                                    </p:animEffect>
+                                  </p:childTnLst>
+                                </p:cTn>
+                              </p:par>
+                            </p:childTnLst>
+                          </p:cTn>
+                        </p:par>
+                        <p:par>
+                          <p:cTn id="8" fill="hold">
+                            <p:stCondLst>
+                              <p:cond delay="500"/>
+                            </p:stCondLst>
+                            <p:childTnLst>
+                              <p:par>
+                                <p:cTn id="9" presetID="22" presetClass="entr" presetSubtype="4" fill="hold" grpId="0" nodeType="afterEffect">
+                                  <p:stCondLst>
+                                    <p:cond delay="0"/>
+                                  </p:stCondLst>
+                                  <p:childTnLst>
+                                    <p:set>
+                                      <p:cBhvr>
+                                        <p:cTn id="10" dur="1" fill="hold">
+                                          <p:stCondLst>
+                                            <p:cond delay="0"/>
+                                          </p:stCondLst>
+                                        </p:cTn>
+                                        <p:tgtEl>
+                                          <p:spTgt spid="3">
+                                            <p:txEl>
+                                              <p:pRg st="0" end="0"/>
+                                            </p:txEl>
+                                          </p:spTgt>
+                                        </p:tgtEl>
+                                        <p:attrNameLst>
+                                          <p:attrName>style.visibility</p:attrName>
+                                        </p:attrNameLst>
+                                      </p:cBhvr>
+                                      <p:to>
+                                        <p:strVal val="visible"/>
+                                      </p:to>
+                                    </p:set>
+                                    <p:animEffect transition="in" filter="wipe(down)">
+                                      <p:cBhvr>
+                                        <p:cTn id="11" dur="500"/>
+                                        <p:tgtEl>
+                                          <p:spTgt spid="3">
+                                            <p:txEl>
+                                              <p:pRg st="0" end="0"/>
+                                            </p:txEl>
+                                          </p:spTgt>
+                                        </p:tgtEl>
+                                      </p:cBhvr>
+                                    </p:animEffect>
+                                  </p:childTnLst>
+                                </p:cTn>
+                              </p:par>
+                            </p:childTnLst>
+                          </p:cTn>
+                        </p:par>
+                        <p:par>
+                          <p:cTn id="12" fill="hold">
+                            <p:stCondLst>
+                              <p:cond delay="1000"/>
+                            </p:stCondLst>
+                            <p:childTnLst>
+                              <p:par>
+                                <p:cTn id="13" presetID="22" presetClass="entr" presetSubtype="4" fill="hold" grpId="0" nodeType="afterEffect">
+                                  <p:stCondLst>
+                                    <p:cond delay="0"/>
+                                  </p:stCondLst>
+                                  <p:childTnLst>
+                                    <p:set>
+                                      <p:cBhvr>
+                                        <p:cTn id="14" dur="1" fill="hold">
+                                          <p:stCondLst>
+                                            <p:cond delay="0"/>
+                                          </p:stCondLst>
+                                        </p:cTn>
+                                        <p:tgtEl>
+                                          <p:spTgt spid="4"/>
+                                        </p:tgtEl>
+                                        <p:attrNameLst>
+                                          <p:attrName>style.visibility</p:attrName>
+                                        </p:attrNameLst>
+                                      </p:cBhvr>
+                                      <p:to>
+                                        <p:strVal val="visible"/>
+                                      </p:to>
+                                    </p:set>
+                                    <p:animEffect transition="in" filter="wipe(down)">
+                                      <p:cBhvr>
+                                        <p:cTn id="15" dur="500"/>
+                                        <p:tgtEl>
+                                          <p:spTgt spid="4"/>
+                                        </p:tgtEl>
+                                      </p:cBhvr>
+                                    </p:animEffect>
+                                  </p:childTnLst>
+                                </p:cTn>
+                              </p:par>
+                            </p:childTnLst>
+                          </p:cTn>
+                        </p:par>
+                        <p:par>
+                          <p:cTn id="16" fill="hold">
+                            <p:stCondLst>
+                              <p:cond delay="1500"/>
+                            </p:stCondLst>
+                            <p:childTnLst>
+                              <p:par>
+                                <p:cTn id="17" presetID="22" presetClass="entr" presetSubtype="4" fill="hold" grpId="0" nodeType="afterEffect">
+                                  <p:stCondLst>
+                                    <p:cond delay="0"/>
+                                  </p:stCondLst>
+                                  <p:childTnLst>
+                                    <p:set>
+                                      <p:cBhvr>
+                                        <p:cTn id="18" dur="1" fill="hold">
+                                          <p:stCondLst>
+                                            <p:cond delay="0"/>
+                                          </p:stCondLst>
+                                        </p:cTn>
+                                        <p:tgtEl>
+                                          <p:spTgt spid="5"/>
+                                        </p:tgtEl>
+                                        <p:attrNameLst>
+                                          <p:attrName>style.visibility</p:attrName>
+                                        </p:attrNameLst>
+                                      </p:cBhvr>
+                                      <p:to>
+                                        <p:strVal val="visible"/>
+                                      </p:to>
+                                    </p:set>
+                                    <p:animEffect transition="in" filter="wipe(down)">
+                                      <p:cBhvr>
+                                        <p:cTn id="19" dur="500"/>
+                                        <p:tgtEl>
+                                          <p:spTgt spid="5"/>
+                                        </p:tgtEl>
+                                      </p:cBhvr>
+                                    </p:animEffect>
+                                  </p:childTnLst>
+                                </p:cTn>
+                              </p:par>
+                            </p:childTnLst>
+                          </p:cTn>
+                        </p:par>
+                      </p:childTnLst>
+                    </p:cTn>
+                  </p:par>
+                </p:childTnLst>
+              </p:cTn>
+              <p:prevCondLst>
+                <p:cond evt="onPrev" delay="0">
+                  <p:tgtEl>
+                    <p:sldTgt/>
+                  </p:tgtEl>
+                </p:cond>
+              </p:prevCondLst>
+              <p:nextCondLst>
+                <p:cond evt="onNext" delay="0">
+                  <p:tgtEl>
+                    <p:sldTgt/>
+                  </p:tgtEl>
+                </p:cond>
+              </p:nextCondLst>
+            </p:seq>
+          </p:childTnLst>
+        </p:cTn>
+      </p:par>
+    </p:tnLst>
+    <p:bldLst>
+      <p:bldP spid="2" grpId="0"/>
+      <p:bldP spid="3" grpId="0" build="p"/>
+      <p:bldP spid="4" grpId="0"/>
+      <p:bldP spid="5" grpId="0"/>
+    </p:bldLst>
+  </p:timing>
+</p:sld>
+</file>
+
+<file path=ppt/slides/slide12.xml><?xml version="1.0" encoding="utf-8"?>
+<p:sld xmlns:a="http://schemas.openxmlformats.org/drawingml/2006/main" xmlns:r="http://schemas.openxmlformats.org/officeDocument/2006/relationships" xmlns:p="http://schemas.openxmlformats.org/presentationml/2006/main">
+  <p:cSld>
+    <p:spTree>
+      <p:nvGrpSpPr>
+        <p:cNvPr id="1" name=""/>
+        <p:cNvGrpSpPr/>
+        <p:nvPr/>
+      </p:nvGrpSpPr>
+      <p:grpSpPr>
+        <a:xfrm>
+          <a:off x="0" y="0"/>
+          <a:ext cx="0" cy="0"/>
+          <a:chOff x="0" y="0"/>
+          <a:chExt cx="0" cy="0"/>
+        </a:xfrm>
+      </p:grpSpPr>
+      <p:sp>
+        <p:nvSpPr>
+          <p:cNvPr id="2" name="Título 1">
+            <a:extLst>
+              <a:ext uri="{FF2B5EF4-FFF2-40B4-BE49-F238E27FC236}">
+                <a16:creationId xmlns:a16="http://schemas.microsoft.com/office/drawing/2014/main" id="{3728DB0A-1EFD-9C08-5E8F-3CC48E435198}"/>
+              </a:ext>
+            </a:extLst>
+          </p:cNvPr>
+          <p:cNvSpPr>
+            <a:spLocks noGrp="1"/>
+          </p:cNvSpPr>
+          <p:nvPr>
+            <p:ph type="title"/>
+          </p:nvPr>
+        </p:nvSpPr>
+        <p:spPr>
+          <a:xfrm>
+            <a:off x="1060120" y="484632"/>
+            <a:ext cx="10058400" cy="1609344"/>
+          </a:xfrm>
+        </p:spPr>
+        <p:txBody>
+          <a:bodyPr>
+            <a:normAutofit/>
+          </a:bodyPr>
+          <a:lstStyle/>
+          <a:p>
+            <a:pPr algn="ctr"/>
+            <a:r>
+              <a:rPr lang="es-ES" dirty="0"/>
+              <a:t>POTENCIA ESPECTRAL: </a:t>
+            </a:r>
+            <a:br>
+              <a:rPr lang="es-ES" dirty="0"/>
+            </a:br>
+            <a:r>
+              <a:rPr lang="es-ES" dirty="0"/>
+              <a:t>COMPARATIVA PORCENTUAL</a:t>
+            </a:r>
+            <a:endParaRPr lang="es-AR" dirty="0"/>
+          </a:p>
+        </p:txBody>
+      </p:sp>
+      <p:pic>
+        <p:nvPicPr>
+          <p:cNvPr id="5" name="Marcador de contenido 4" descr="Gráfico, Gráfico de barras&#10;&#10;El contenido generado por IA puede ser incorrecto.">
+            <a:extLst>
+              <a:ext uri="{FF2B5EF4-FFF2-40B4-BE49-F238E27FC236}">
+                <a16:creationId xmlns:a16="http://schemas.microsoft.com/office/drawing/2014/main" id="{FABB8C05-349C-FB72-8D45-1B744718C6D9}"/>
+              </a:ext>
+            </a:extLst>
+          </p:cNvPr>
+          <p:cNvPicPr>
+            <a:picLocks noGrp="1" noChangeAspect="1"/>
+          </p:cNvPicPr>
+          <p:nvPr>
+            <p:ph idx="1"/>
+          </p:nvPr>
+        </p:nvPicPr>
+        <p:blipFill>
+          <a:blip r:embed="rId2"/>
+          <a:stretch>
+            <a:fillRect/>
+          </a:stretch>
+        </p:blipFill>
+        <p:spPr>
+          <a:xfrm>
+            <a:off x="2016975" y="2120900"/>
+            <a:ext cx="8164399" cy="4051300"/>
+          </a:xfrm>
+        </p:spPr>
+      </p:pic>
+    </p:spTree>
+    <p:extLst>
+      <p:ext uri="{BB962C8B-B14F-4D97-AF65-F5344CB8AC3E}">
+        <p14:creationId xmlns:p14="http://schemas.microsoft.com/office/powerpoint/2010/main" val="56636147"/>
+      </p:ext>
+    </p:extLst>
+  </p:cSld>
+  <p:clrMapOvr>
+    <a:masterClrMapping/>
+  </p:clrMapOvr>
+  <p:timing>
+    <p:tnLst>
+      <p:par>
+        <p:cTn id="1" dur="indefinite" restart="never" nodeType="tmRoot">
+          <p:childTnLst>
+            <p:seq concurrent="1" nextAc="seek">
+              <p:cTn id="2" dur="indefinite" nodeType="mainSeq">
+                <p:childTnLst>
+                  <p:par>
+                    <p:cTn id="3" fill="hold">
+                      <p:stCondLst>
+                        <p:cond delay="indefinite"/>
+                        <p:cond evt="onBegin" delay="0">
+                          <p:tn val="2"/>
+                        </p:cond>
+                      </p:stCondLst>
+                      <p:childTnLst>
+                        <p:par>
+                          <p:cTn id="4" fill="hold">
+                            <p:stCondLst>
+                              <p:cond delay="0"/>
+                            </p:stCondLst>
+                            <p:childTnLst>
+                              <p:par>
+                                <p:cTn id="5" presetID="22" presetClass="entr" presetSubtype="4" fill="hold" grpId="0" nodeType="afterEffect">
+                                  <p:stCondLst>
+                                    <p:cond delay="0"/>
+                                  </p:stCondLst>
+                                  <p:childTnLst>
+                                    <p:set>
+                                      <p:cBhvr>
+                                        <p:cTn id="6" dur="1" fill="hold">
+                                          <p:stCondLst>
+                                            <p:cond delay="0"/>
+                                          </p:stCondLst>
+                                        </p:cTn>
+                                        <p:tgtEl>
+                                          <p:spTgt spid="2"/>
+                                        </p:tgtEl>
+                                        <p:attrNameLst>
+                                          <p:attrName>style.visibility</p:attrName>
+                                        </p:attrNameLst>
+                                      </p:cBhvr>
+                                      <p:to>
+                                        <p:strVal val="visible"/>
+                                      </p:to>
+                                    </p:set>
+                                    <p:animEffect transition="in" filter="wipe(down)">
+                                      <p:cBhvr>
+                                        <p:cTn id="7" dur="500"/>
+                                        <p:tgtEl>
+                                          <p:spTgt spid="2"/>
+                                        </p:tgtEl>
+                                      </p:cBhvr>
+                                    </p:animEffect>
+                                  </p:childTnLst>
+                                </p:cTn>
+                              </p:par>
+                              <p:par>
+                                <p:cTn id="8" presetID="22" presetClass="entr" presetSubtype="4" fill="hold" nodeType="withEffect">
+                                  <p:stCondLst>
+                                    <p:cond delay="0"/>
+                                  </p:stCondLst>
+                                  <p:childTnLst>
+                                    <p:set>
+                                      <p:cBhvr>
+                                        <p:cTn id="9" dur="1" fill="hold">
+                                          <p:stCondLst>
+                                            <p:cond delay="0"/>
+                                          </p:stCondLst>
+                                        </p:cTn>
+                                        <p:tgtEl>
+                                          <p:spTgt spid="5"/>
+                                        </p:tgtEl>
+                                        <p:attrNameLst>
+                                          <p:attrName>style.visibility</p:attrName>
+                                        </p:attrNameLst>
+                                      </p:cBhvr>
+                                      <p:to>
+                                        <p:strVal val="visible"/>
+                                      </p:to>
+                                    </p:set>
+                                    <p:animEffect transition="in" filter="wipe(down)">
+                                      <p:cBhvr>
+                                        <p:cTn id="10" dur="500"/>
+                                        <p:tgtEl>
+                                          <p:spTgt spid="5"/>
+                                        </p:tgtEl>
+                                      </p:cBhvr>
+                                    </p:animEffect>
+                                  </p:childTnLst>
+                                </p:cTn>
+                              </p:par>
+                            </p:childTnLst>
+                          </p:cTn>
+                        </p:par>
+                      </p:childTnLst>
+                    </p:cTn>
+                  </p:par>
+                </p:childTnLst>
+              </p:cTn>
+              <p:prevCondLst>
+                <p:cond evt="onPrev" delay="0">
+                  <p:tgtEl>
+                    <p:sldTgt/>
+                  </p:tgtEl>
+                </p:cond>
+              </p:prevCondLst>
+              <p:nextCondLst>
+                <p:cond evt="onNext" delay="0">
+                  <p:tgtEl>
+                    <p:sldTgt/>
+                  </p:tgtEl>
+                </p:cond>
+              </p:nextCondLst>
+            </p:seq>
+          </p:childTnLst>
+        </p:cTn>
+      </p:par>
+    </p:tnLst>
+    <p:bldLst>
+      <p:bldP spid="2" grpId="0"/>
+    </p:bldLst>
+  </p:timing>
+</p:sld>
+</file>
+
+<file path=ppt/slides/slide13.xml><?xml version="1.0" encoding="utf-8"?>
+<p:sld xmlns:a="http://schemas.openxmlformats.org/drawingml/2006/main" xmlns:r="http://schemas.openxmlformats.org/officeDocument/2006/relationships" xmlns:p="http://schemas.openxmlformats.org/presentationml/2006/main">
+  <p:cSld>
+    <p:spTree>
+      <p:nvGrpSpPr>
+        <p:cNvPr id="1" name=""/>
+        <p:cNvGrpSpPr/>
+        <p:nvPr/>
+      </p:nvGrpSpPr>
+      <p:grpSpPr>
+        <a:xfrm>
+          <a:off x="0" y="0"/>
+          <a:ext cx="0" cy="0"/>
+          <a:chOff x="0" y="0"/>
+          <a:chExt cx="0" cy="0"/>
+        </a:xfrm>
+      </p:grpSpPr>
+      <p:sp>
+        <p:nvSpPr>
+          <p:cNvPr id="2" name="Título 1">
+            <a:extLst>
+              <a:ext uri="{FF2B5EF4-FFF2-40B4-BE49-F238E27FC236}">
+                <a16:creationId xmlns:a16="http://schemas.microsoft.com/office/drawing/2014/main" id="{D2688855-9890-4CF9-2DCE-F134BD40C7E2}"/>
+              </a:ext>
+            </a:extLst>
+          </p:cNvPr>
+          <p:cNvSpPr>
+            <a:spLocks noGrp="1"/>
+          </p:cNvSpPr>
+          <p:nvPr>
+            <p:ph type="title"/>
+          </p:nvPr>
+        </p:nvSpPr>
+        <p:spPr>
+          <a:xfrm>
+            <a:off x="1069848" y="484632"/>
+            <a:ext cx="10058400" cy="1226473"/>
+          </a:xfrm>
+        </p:spPr>
+        <p:txBody>
+          <a:bodyPr>
+            <a:normAutofit/>
+          </a:bodyPr>
+          <a:lstStyle/>
+          <a:p>
+            <a:r>
+              <a:rPr lang="es-ES" sz="4800" dirty="0"/>
+              <a:t>Conclusiones del análisis de señales </a:t>
+            </a:r>
+            <a:r>
+              <a:rPr lang="es-ES" sz="4800" dirty="0" err="1"/>
+              <a:t>eeg</a:t>
+            </a:r>
+            <a:r>
+              <a:rPr lang="es-ES" sz="4800" dirty="0"/>
+              <a:t>:</a:t>
+            </a:r>
+            <a:endParaRPr lang="es-AR" sz="4800" dirty="0"/>
+          </a:p>
+        </p:txBody>
+      </p:sp>
+      <p:sp>
+        <p:nvSpPr>
+          <p:cNvPr id="3" name="Marcador de contenido 2">
+            <a:extLst>
+              <a:ext uri="{FF2B5EF4-FFF2-40B4-BE49-F238E27FC236}">
+                <a16:creationId xmlns:a16="http://schemas.microsoft.com/office/drawing/2014/main" id="{A050C32D-78A7-6D20-2521-BD9BF910560F}"/>
+              </a:ext>
+            </a:extLst>
+          </p:cNvPr>
+          <p:cNvSpPr>
+            <a:spLocks noGrp="1"/>
+          </p:cNvSpPr>
+          <p:nvPr>
+            <p:ph idx="1"/>
+          </p:nvPr>
+        </p:nvSpPr>
+        <p:spPr>
+          <a:xfrm>
+            <a:off x="1069848" y="1530036"/>
+            <a:ext cx="10058400" cy="4642164"/>
+          </a:xfrm>
+        </p:spPr>
+        <p:txBody>
+          <a:bodyPr>
+            <a:normAutofit/>
+          </a:bodyPr>
+          <a:lstStyle/>
+          <a:p>
+            <a:r>
+              <a:rPr lang="es-ES" dirty="0"/>
+              <a:t>Transformada de Fourier. </a:t>
+            </a:r>
+            <a:r>
+              <a:rPr lang="es-ES" sz="1800" dirty="0"/>
+              <a:t>Permitió distinguir la </a:t>
+            </a:r>
+            <a:r>
+              <a:rPr lang="es-ES" sz="1800" b="1" dirty="0"/>
+              <a:t>distribución espectral</a:t>
+            </a:r>
+            <a:r>
+              <a:rPr lang="es-ES" sz="1800" dirty="0"/>
+              <a:t> característica de cada estado:</a:t>
+            </a:r>
+          </a:p>
+          <a:p>
+            <a:pPr lvl="1"/>
+            <a:r>
+              <a:rPr lang="es-ES" dirty="0"/>
+              <a:t>Sano: energía concentrada en bandas bajas.</a:t>
+            </a:r>
+          </a:p>
+          <a:p>
+            <a:pPr lvl="1"/>
+            <a:r>
+              <a:rPr lang="es-ES" dirty="0" err="1"/>
+              <a:t>Interictal</a:t>
+            </a:r>
+            <a:r>
+              <a:rPr lang="es-ES" dirty="0"/>
+              <a:t>: distribución más dispersa.</a:t>
+            </a:r>
+          </a:p>
+          <a:p>
+            <a:pPr lvl="1"/>
+            <a:r>
+              <a:rPr lang="es-ES" dirty="0"/>
+              <a:t>Convulsión: espectro caótico y amplio.</a:t>
+            </a:r>
+          </a:p>
+          <a:p>
+            <a:r>
+              <a:rPr lang="es-ES"/>
+              <a:t>Potencia espectral:</a:t>
+            </a:r>
+            <a:endParaRPr lang="es-ES" dirty="0"/>
+          </a:p>
+          <a:p>
+            <a:pPr lvl="1"/>
+            <a:r>
+              <a:rPr lang="es-ES" dirty="0"/>
+              <a:t>Mayor energía en frecuencias inusuales durante la convulsión.</a:t>
+            </a:r>
+          </a:p>
+          <a:p>
+            <a:pPr lvl="1"/>
+            <a:r>
+              <a:rPr lang="es-ES" dirty="0"/>
+              <a:t>Sano muestra potencia más estable y focalizada.</a:t>
+            </a:r>
+          </a:p>
+          <a:p>
+            <a:r>
+              <a:rPr lang="es-AR" dirty="0"/>
+              <a:t>Autocorrelación:</a:t>
+            </a:r>
+          </a:p>
+          <a:p>
+            <a:pPr lvl="1"/>
+            <a:r>
+              <a:rPr lang="es-AR" dirty="0"/>
+              <a:t>Señal sana presenta patrones periódicos.</a:t>
+            </a:r>
+          </a:p>
+          <a:p>
+            <a:pPr lvl="1"/>
+            <a:r>
+              <a:rPr lang="es-ES" dirty="0"/>
+              <a:t>Fase </a:t>
+            </a:r>
+            <a:r>
+              <a:rPr lang="es-ES" dirty="0" err="1"/>
+              <a:t>interictal</a:t>
+            </a:r>
+            <a:r>
+              <a:rPr lang="es-ES" dirty="0"/>
+              <a:t> y convulsiva muestran menor correlación temporal </a:t>
+            </a:r>
+            <a:r>
+              <a:rPr lang="es-AR" dirty="0"/>
+              <a:t>(mayor aleatoriedad).</a:t>
+            </a:r>
+          </a:p>
+          <a:p>
+            <a:r>
+              <a:rPr lang="es-AR" dirty="0"/>
+              <a:t>Filtrado:</a:t>
+            </a:r>
+            <a:r>
+              <a:rPr lang="es-ES" dirty="0"/>
+              <a:t> </a:t>
+            </a:r>
+            <a:r>
+              <a:rPr lang="es-ES" sz="1800" dirty="0"/>
+              <a:t>El uso de pasa bajos ayudó a que nos enfoquemos  en bandas cerebrales relevantes, descartando artefactos de alta frecuencia.</a:t>
+            </a:r>
+          </a:p>
+          <a:p>
+            <a:pPr marL="274320" lvl="1" indent="0">
+              <a:buNone/>
+            </a:pPr>
+            <a:endParaRPr lang="es-AR" dirty="0"/>
+          </a:p>
+        </p:txBody>
+      </p:sp>
+    </p:spTree>
+    <p:extLst>
+      <p:ext uri="{BB962C8B-B14F-4D97-AF65-F5344CB8AC3E}">
+        <p14:creationId xmlns:p14="http://schemas.microsoft.com/office/powerpoint/2010/main" val="1231482930"/>
+      </p:ext>
+    </p:extLst>
+  </p:cSld>
+  <p:clrMapOvr>
+    <a:masterClrMapping/>
+  </p:clrMapOvr>
+  <p:timing>
+    <p:tnLst>
+      <p:par>
+        <p:cTn id="1" dur="indefinite" restart="never" nodeType="tmRoot">
+          <p:childTnLst>
+            <p:seq concurrent="1" nextAc="seek">
+              <p:cTn id="2" dur="indefinite" nodeType="mainSeq">
+                <p:childTnLst>
+                  <p:par>
+                    <p:cTn id="3" fill="hold">
+                      <p:stCondLst>
+                        <p:cond delay="indefinite"/>
+                        <p:cond evt="onBegin" delay="0">
+                          <p:tn val="2"/>
+                        </p:cond>
+                      </p:stCondLst>
+                      <p:childTnLst>
+                        <p:par>
+                          <p:cTn id="4" fill="hold">
+                            <p:stCondLst>
+                              <p:cond delay="0"/>
+                            </p:stCondLst>
+                            <p:childTnLst>
+                              <p:par>
+                                <p:cTn id="5" presetID="22" presetClass="entr" presetSubtype="4" fill="hold" grpId="0" nodeType="afterEffect">
+                                  <p:stCondLst>
+                                    <p:cond delay="0"/>
+                                  </p:stCondLst>
+                                  <p:childTnLst>
+                                    <p:set>
+                                      <p:cBhvr>
+                                        <p:cTn id="6" dur="1" fill="hold">
+                                          <p:stCondLst>
+                                            <p:cond delay="0"/>
+                                          </p:stCondLst>
+                                        </p:cTn>
+                                        <p:tgtEl>
+                                          <p:spTgt spid="2"/>
+                                        </p:tgtEl>
+                                        <p:attrNameLst>
+                                          <p:attrName>style.visibility</p:attrName>
+                                        </p:attrNameLst>
+                                      </p:cBhvr>
+                                      <p:to>
+                                        <p:strVal val="visible"/>
+                                      </p:to>
+                                    </p:set>
+                                    <p:animEffect transition="in" filter="wipe(down)">
+                                      <p:cBhvr>
+                                        <p:cTn id="7" dur="500"/>
+                                        <p:tgtEl>
+                                          <p:spTgt spid="2"/>
+                                        </p:tgtEl>
+                                      </p:cBhvr>
+                                    </p:animEffect>
+                                  </p:childTnLst>
+                                </p:cTn>
+                              </p:par>
+                            </p:childTnLst>
+                          </p:cTn>
+                        </p:par>
+                        <p:par>
+                          <p:cTn id="8" fill="hold">
+                            <p:stCondLst>
+                              <p:cond delay="500"/>
+                            </p:stCondLst>
+                            <p:childTnLst>
+                              <p:par>
+                                <p:cTn id="9" presetID="22" presetClass="entr" presetSubtype="4" fill="hold" grpId="0" nodeType="afterEffect">
+                                  <p:stCondLst>
+                                    <p:cond delay="0"/>
+                                  </p:stCondLst>
+                                  <p:childTnLst>
+                                    <p:set>
+                                      <p:cBhvr>
+                                        <p:cTn id="10" dur="1" fill="hold">
+                                          <p:stCondLst>
+                                            <p:cond delay="0"/>
+                                          </p:stCondLst>
+                                        </p:cTn>
+                                        <p:tgtEl>
+                                          <p:spTgt spid="3">
+                                            <p:txEl>
+                                              <p:pRg st="0" end="0"/>
+                                            </p:txEl>
+                                          </p:spTgt>
+                                        </p:tgtEl>
+                                        <p:attrNameLst>
+                                          <p:attrName>style.visibility</p:attrName>
+                                        </p:attrNameLst>
+                                      </p:cBhvr>
+                                      <p:to>
+                                        <p:strVal val="visible"/>
+                                      </p:to>
+                                    </p:set>
+                                    <p:animEffect transition="in" filter="wipe(down)">
+                                      <p:cBhvr>
+                                        <p:cTn id="11" dur="500"/>
+                                        <p:tgtEl>
+                                          <p:spTgt spid="3">
+                                            <p:txEl>
+                                              <p:pRg st="0" end="0"/>
+                                            </p:txEl>
+                                          </p:spTgt>
+                                        </p:tgtEl>
+                                      </p:cBhvr>
+                                    </p:animEffect>
+                                  </p:childTnLst>
+                                </p:cTn>
+                              </p:par>
+                            </p:childTnLst>
+                          </p:cTn>
+                        </p:par>
+                        <p:par>
+                          <p:cTn id="12" fill="hold">
+                            <p:stCondLst>
+                              <p:cond delay="1000"/>
+                            </p:stCondLst>
+                            <p:childTnLst>
+                              <p:par>
+                                <p:cTn id="13" presetID="22" presetClass="entr" presetSubtype="4" fill="hold" grpId="0" nodeType="afterEffect">
+                                  <p:stCondLst>
+                                    <p:cond delay="0"/>
+                                  </p:stCondLst>
+                                  <p:childTnLst>
+                                    <p:set>
+                                      <p:cBhvr>
+                                        <p:cTn id="14" dur="1" fill="hold">
+                                          <p:stCondLst>
+                                            <p:cond delay="0"/>
+                                          </p:stCondLst>
+                                        </p:cTn>
+                                        <p:tgtEl>
+                                          <p:spTgt spid="3">
+                                            <p:txEl>
+                                              <p:pRg st="1" end="1"/>
+                                            </p:txEl>
+                                          </p:spTgt>
+                                        </p:tgtEl>
+                                        <p:attrNameLst>
+                                          <p:attrName>style.visibility</p:attrName>
+                                        </p:attrNameLst>
+                                      </p:cBhvr>
+                                      <p:to>
+                                        <p:strVal val="visible"/>
+                                      </p:to>
+                                    </p:set>
+                                    <p:animEffect transition="in" filter="wipe(down)">
+                                      <p:cBhvr>
+                                        <p:cTn id="15" dur="500"/>
+                                        <p:tgtEl>
+                                          <p:spTgt spid="3">
+                                            <p:txEl>
+                                              <p:pRg st="1" end="1"/>
+                                            </p:txEl>
+                                          </p:spTgt>
+                                        </p:tgtEl>
+                                      </p:cBhvr>
+                                    </p:animEffect>
+                                  </p:childTnLst>
+                                </p:cTn>
+                              </p:par>
+                            </p:childTnLst>
+                          </p:cTn>
+                        </p:par>
+                        <p:par>
+                          <p:cTn id="16" fill="hold">
+                            <p:stCondLst>
+                              <p:cond delay="1500"/>
+                            </p:stCondLst>
+                            <p:childTnLst>
+                              <p:par>
+                                <p:cTn id="17" presetID="22" presetClass="entr" presetSubtype="4" fill="hold" grpId="0" nodeType="afterEffect">
+                                  <p:stCondLst>
+                                    <p:cond delay="0"/>
+                                  </p:stCondLst>
+                                  <p:childTnLst>
+                                    <p:set>
+                                      <p:cBhvr>
+                                        <p:cTn id="18" dur="1" fill="hold">
+                                          <p:stCondLst>
+                                            <p:cond delay="0"/>
+                                          </p:stCondLst>
+                                        </p:cTn>
+                                        <p:tgtEl>
+                                          <p:spTgt spid="3">
+                                            <p:txEl>
+                                              <p:pRg st="2" end="2"/>
+                                            </p:txEl>
+                                          </p:spTgt>
+                                        </p:tgtEl>
+                                        <p:attrNameLst>
+                                          <p:attrName>style.visibility</p:attrName>
+                                        </p:attrNameLst>
+                                      </p:cBhvr>
+                                      <p:to>
+                                        <p:strVal val="visible"/>
+                                      </p:to>
+                                    </p:set>
+                                    <p:animEffect transition="in" filter="wipe(down)">
+                                      <p:cBhvr>
+                                        <p:cTn id="19" dur="500"/>
+                                        <p:tgtEl>
+                                          <p:spTgt spid="3">
+                                            <p:txEl>
+                                              <p:pRg st="2" end="2"/>
+                                            </p:txEl>
+                                          </p:spTgt>
+                                        </p:tgtEl>
+                                      </p:cBhvr>
+                                    </p:animEffect>
+                                  </p:childTnLst>
+                                </p:cTn>
+                              </p:par>
+                            </p:childTnLst>
+                          </p:cTn>
+                        </p:par>
+                        <p:par>
+                          <p:cTn id="20" fill="hold">
+                            <p:stCondLst>
+                              <p:cond delay="2000"/>
+                            </p:stCondLst>
+                            <p:childTnLst>
+                              <p:par>
+                                <p:cTn id="21" presetID="22" presetClass="entr" presetSubtype="4" fill="hold" grpId="0" nodeType="afterEffect">
+                                  <p:stCondLst>
+                                    <p:cond delay="0"/>
+                                  </p:stCondLst>
+                                  <p:childTnLst>
+                                    <p:set>
+                                      <p:cBhvr>
+                                        <p:cTn id="22" dur="1" fill="hold">
+                                          <p:stCondLst>
+                                            <p:cond delay="0"/>
+                                          </p:stCondLst>
+                                        </p:cTn>
+                                        <p:tgtEl>
+                                          <p:spTgt spid="3">
+                                            <p:txEl>
+                                              <p:pRg st="3" end="3"/>
+                                            </p:txEl>
+                                          </p:spTgt>
+                                        </p:tgtEl>
+                                        <p:attrNameLst>
+                                          <p:attrName>style.visibility</p:attrName>
+                                        </p:attrNameLst>
+                                      </p:cBhvr>
+                                      <p:to>
+                                        <p:strVal val="visible"/>
+                                      </p:to>
+                                    </p:set>
+                                    <p:animEffect transition="in" filter="wipe(down)">
+                                      <p:cBhvr>
+                                        <p:cTn id="23" dur="500"/>
+                                        <p:tgtEl>
+                                          <p:spTgt spid="3">
+                                            <p:txEl>
+                                              <p:pRg st="3" end="3"/>
+                                            </p:txEl>
+                                          </p:spTgt>
+                                        </p:tgtEl>
+                                      </p:cBhvr>
+                                    </p:animEffect>
+                                  </p:childTnLst>
+                                </p:cTn>
+                              </p:par>
+                            </p:childTnLst>
+                          </p:cTn>
+                        </p:par>
+                        <p:par>
+                          <p:cTn id="24" fill="hold">
+                            <p:stCondLst>
+                              <p:cond delay="2500"/>
+                            </p:stCondLst>
+                            <p:childTnLst>
+                              <p:par>
+                                <p:cTn id="25" presetID="22" presetClass="entr" presetSubtype="4" fill="hold" grpId="0" nodeType="afterEffect">
+                                  <p:stCondLst>
+                                    <p:cond delay="0"/>
+                                  </p:stCondLst>
+                                  <p:childTnLst>
+                                    <p:set>
+                                      <p:cBhvr>
+                                        <p:cTn id="26" dur="1" fill="hold">
+                                          <p:stCondLst>
+                                            <p:cond delay="0"/>
+                                          </p:stCondLst>
+                                        </p:cTn>
+                                        <p:tgtEl>
+                                          <p:spTgt spid="3">
+                                            <p:txEl>
+                                              <p:pRg st="4" end="4"/>
+                                            </p:txEl>
+                                          </p:spTgt>
+                                        </p:tgtEl>
+                                        <p:attrNameLst>
+                                          <p:attrName>style.visibility</p:attrName>
+                                        </p:attrNameLst>
+                                      </p:cBhvr>
+                                      <p:to>
+                                        <p:strVal val="visible"/>
+                                      </p:to>
+                                    </p:set>
+                                    <p:animEffect transition="in" filter="wipe(down)">
+                                      <p:cBhvr>
+                                        <p:cTn id="27" dur="500"/>
+                                        <p:tgtEl>
+                                          <p:spTgt spid="3">
+                                            <p:txEl>
+                                              <p:pRg st="4" end="4"/>
+                                            </p:txEl>
+                                          </p:spTgt>
+                                        </p:tgtEl>
+                                      </p:cBhvr>
+                                    </p:animEffect>
+                                  </p:childTnLst>
+                                </p:cTn>
+                              </p:par>
+                            </p:childTnLst>
+                          </p:cTn>
+                        </p:par>
+                        <p:par>
+                          <p:cTn id="28" fill="hold">
+                            <p:stCondLst>
+                              <p:cond delay="3000"/>
+                            </p:stCondLst>
+                            <p:childTnLst>
+                              <p:par>
+                                <p:cTn id="29" presetID="22" presetClass="entr" presetSubtype="4" fill="hold" grpId="0" nodeType="afterEffect">
+                                  <p:stCondLst>
+                                    <p:cond delay="0"/>
+                                  </p:stCondLst>
+                                  <p:childTnLst>
+                                    <p:set>
+                                      <p:cBhvr>
+                                        <p:cTn id="30" dur="1" fill="hold">
+                                          <p:stCondLst>
+                                            <p:cond delay="0"/>
+                                          </p:stCondLst>
+                                        </p:cTn>
+                                        <p:tgtEl>
+                                          <p:spTgt spid="3">
+                                            <p:txEl>
+                                              <p:pRg st="5" end="5"/>
+                                            </p:txEl>
+                                          </p:spTgt>
+                                        </p:tgtEl>
+                                        <p:attrNameLst>
+                                          <p:attrName>style.visibility</p:attrName>
+                                        </p:attrNameLst>
+                                      </p:cBhvr>
+                                      <p:to>
+                                        <p:strVal val="visible"/>
+                                      </p:to>
+                                    </p:set>
+                                    <p:animEffect transition="in" filter="wipe(down)">
+                                      <p:cBhvr>
+                                        <p:cTn id="31" dur="500"/>
+                                        <p:tgtEl>
+                                          <p:spTgt spid="3">
+                                            <p:txEl>
+                                              <p:pRg st="5" end="5"/>
+                                            </p:txEl>
+                                          </p:spTgt>
+                                        </p:tgtEl>
+                                      </p:cBhvr>
+                                    </p:animEffect>
+                                  </p:childTnLst>
+                                </p:cTn>
+                              </p:par>
+                            </p:childTnLst>
+                          </p:cTn>
+                        </p:par>
+                        <p:par>
+                          <p:cTn id="32" fill="hold">
+                            <p:stCondLst>
+                              <p:cond delay="3500"/>
+                            </p:stCondLst>
+                            <p:childTnLst>
+                              <p:par>
+                                <p:cTn id="33" presetID="22" presetClass="entr" presetSubtype="4" fill="hold" grpId="0" nodeType="afterEffect">
+                                  <p:stCondLst>
+                                    <p:cond delay="0"/>
+                                  </p:stCondLst>
+                                  <p:childTnLst>
+                                    <p:set>
+                                      <p:cBhvr>
+                                        <p:cTn id="34" dur="1" fill="hold">
+                                          <p:stCondLst>
+                                            <p:cond delay="0"/>
+                                          </p:stCondLst>
+                                        </p:cTn>
+                                        <p:tgtEl>
+                                          <p:spTgt spid="3">
+                                            <p:txEl>
+                                              <p:pRg st="6" end="6"/>
+                                            </p:txEl>
+                                          </p:spTgt>
+                                        </p:tgtEl>
+                                        <p:attrNameLst>
+                                          <p:attrName>style.visibility</p:attrName>
+                                        </p:attrNameLst>
+                                      </p:cBhvr>
+                                      <p:to>
+                                        <p:strVal val="visible"/>
+                                      </p:to>
+                                    </p:set>
+                                    <p:animEffect transition="in" filter="wipe(down)">
+                                      <p:cBhvr>
+                                        <p:cTn id="35" dur="500"/>
+                                        <p:tgtEl>
+                                          <p:spTgt spid="3">
+                                            <p:txEl>
+                                              <p:pRg st="6" end="6"/>
+                                            </p:txEl>
+                                          </p:spTgt>
+                                        </p:tgtEl>
+                                      </p:cBhvr>
+                                    </p:animEffect>
+                                  </p:childTnLst>
+                                </p:cTn>
+                              </p:par>
+                            </p:childTnLst>
+                          </p:cTn>
+                        </p:par>
+                        <p:par>
+                          <p:cTn id="36" fill="hold">
+                            <p:stCondLst>
+                              <p:cond delay="4000"/>
+                            </p:stCondLst>
+                            <p:childTnLst>
+                              <p:par>
+                                <p:cTn id="37" presetID="22" presetClass="entr" presetSubtype="4" fill="hold" grpId="0" nodeType="afterEffect">
+                                  <p:stCondLst>
+                                    <p:cond delay="0"/>
+                                  </p:stCondLst>
+                                  <p:childTnLst>
+                                    <p:set>
+                                      <p:cBhvr>
+                                        <p:cTn id="38" dur="1" fill="hold">
+                                          <p:stCondLst>
+                                            <p:cond delay="0"/>
+                                          </p:stCondLst>
+                                        </p:cTn>
+                                        <p:tgtEl>
+                                          <p:spTgt spid="3">
+                                            <p:txEl>
+                                              <p:pRg st="7" end="7"/>
+                                            </p:txEl>
+                                          </p:spTgt>
+                                        </p:tgtEl>
+                                        <p:attrNameLst>
+                                          <p:attrName>style.visibility</p:attrName>
+                                        </p:attrNameLst>
+                                      </p:cBhvr>
+                                      <p:to>
+                                        <p:strVal val="visible"/>
+                                      </p:to>
+                                    </p:set>
+                                    <p:animEffect transition="in" filter="wipe(down)">
+                                      <p:cBhvr>
+                                        <p:cTn id="39" dur="500"/>
+                                        <p:tgtEl>
+                                          <p:spTgt spid="3">
+                                            <p:txEl>
+                                              <p:pRg st="7" end="7"/>
+                                            </p:txEl>
+                                          </p:spTgt>
+                                        </p:tgtEl>
+                                      </p:cBhvr>
+                                    </p:animEffect>
+                                  </p:childTnLst>
+                                </p:cTn>
+                              </p:par>
+                            </p:childTnLst>
+                          </p:cTn>
+                        </p:par>
+                        <p:par>
+                          <p:cTn id="40" fill="hold">
+                            <p:stCondLst>
+                              <p:cond delay="4500"/>
+                            </p:stCondLst>
+                            <p:childTnLst>
+                              <p:par>
+                                <p:cTn id="41" presetID="22" presetClass="entr" presetSubtype="4" fill="hold" grpId="0" nodeType="afterEffect">
+                                  <p:stCondLst>
+                                    <p:cond delay="0"/>
+                                  </p:stCondLst>
+                                  <p:childTnLst>
+                                    <p:set>
+                                      <p:cBhvr>
+                                        <p:cTn id="42" dur="1" fill="hold">
+                                          <p:stCondLst>
+                                            <p:cond delay="0"/>
+                                          </p:stCondLst>
+                                        </p:cTn>
+                                        <p:tgtEl>
+                                          <p:spTgt spid="3">
+                                            <p:txEl>
+                                              <p:pRg st="8" end="8"/>
+                                            </p:txEl>
+                                          </p:spTgt>
+                                        </p:tgtEl>
+                                        <p:attrNameLst>
+                                          <p:attrName>style.visibility</p:attrName>
+                                        </p:attrNameLst>
+                                      </p:cBhvr>
+                                      <p:to>
+                                        <p:strVal val="visible"/>
+                                      </p:to>
+                                    </p:set>
+                                    <p:animEffect transition="in" filter="wipe(down)">
+                                      <p:cBhvr>
+                                        <p:cTn id="43" dur="500"/>
+                                        <p:tgtEl>
+                                          <p:spTgt spid="3">
+                                            <p:txEl>
+                                              <p:pRg st="8" end="8"/>
+                                            </p:txEl>
+                                          </p:spTgt>
+                                        </p:tgtEl>
+                                      </p:cBhvr>
+                                    </p:animEffect>
+                                  </p:childTnLst>
+                                </p:cTn>
+                              </p:par>
+                            </p:childTnLst>
+                          </p:cTn>
+                        </p:par>
+                        <p:par>
+                          <p:cTn id="44" fill="hold">
+                            <p:stCondLst>
+                              <p:cond delay="5000"/>
+                            </p:stCondLst>
+                            <p:childTnLst>
+                              <p:par>
+                                <p:cTn id="45" presetID="22" presetClass="entr" presetSubtype="4" fill="hold" grpId="0" nodeType="afterEffect">
+                                  <p:stCondLst>
+                                    <p:cond delay="0"/>
+                                  </p:stCondLst>
+                                  <p:childTnLst>
+                                    <p:set>
+                                      <p:cBhvr>
+                                        <p:cTn id="46" dur="1" fill="hold">
+                                          <p:stCondLst>
+                                            <p:cond delay="0"/>
+                                          </p:stCondLst>
+                                        </p:cTn>
+                                        <p:tgtEl>
+                                          <p:spTgt spid="3">
+                                            <p:txEl>
+                                              <p:pRg st="9" end="9"/>
+                                            </p:txEl>
+                                          </p:spTgt>
+                                        </p:tgtEl>
+                                        <p:attrNameLst>
+                                          <p:attrName>style.visibility</p:attrName>
+                                        </p:attrNameLst>
+                                      </p:cBhvr>
+                                      <p:to>
+                                        <p:strVal val="visible"/>
+                                      </p:to>
+                                    </p:set>
+                                    <p:animEffect transition="in" filter="wipe(down)">
+                                      <p:cBhvr>
+                                        <p:cTn id="47" dur="500"/>
+                                        <p:tgtEl>
+                                          <p:spTgt spid="3">
+                                            <p:txEl>
+                                              <p:pRg st="9" end="9"/>
+                                            </p:txEl>
+                                          </p:spTgt>
+                                        </p:tgtEl>
+                                      </p:cBhvr>
+                                    </p:animEffect>
+                                  </p:childTnLst>
+                                </p:cTn>
+                              </p:par>
+                            </p:childTnLst>
+                          </p:cTn>
+                        </p:par>
+                        <p:par>
+                          <p:cTn id="48" fill="hold">
+                            <p:stCondLst>
+                              <p:cond delay="5500"/>
+                            </p:stCondLst>
+                            <p:childTnLst>
+                              <p:par>
+                                <p:cTn id="49" presetID="22" presetClass="entr" presetSubtype="4" fill="hold" grpId="0" nodeType="afterEffect">
+                                  <p:stCondLst>
+                                    <p:cond delay="0"/>
+                                  </p:stCondLst>
+                                  <p:childTnLst>
+                                    <p:set>
+                                      <p:cBhvr>
+                                        <p:cTn id="50" dur="1" fill="hold">
+                                          <p:stCondLst>
+                                            <p:cond delay="0"/>
+                                          </p:stCondLst>
+                                        </p:cTn>
+                                        <p:tgtEl>
+                                          <p:spTgt spid="3">
+                                            <p:txEl>
+                                              <p:pRg st="10" end="10"/>
+                                            </p:txEl>
+                                          </p:spTgt>
+                                        </p:tgtEl>
+                                        <p:attrNameLst>
+                                          <p:attrName>style.visibility</p:attrName>
+                                        </p:attrNameLst>
+                                      </p:cBhvr>
+                                      <p:to>
+                                        <p:strVal val="visible"/>
+                                      </p:to>
+                                    </p:set>
+                                    <p:animEffect transition="in" filter="wipe(down)">
+                                      <p:cBhvr>
+                                        <p:cTn id="51" dur="500"/>
+                                        <p:tgtEl>
+                                          <p:spTgt spid="3">
+                                            <p:txEl>
+                                              <p:pRg st="10" end="10"/>
+                                            </p:txEl>
+                                          </p:spTgt>
+                                        </p:tgtEl>
+                                      </p:cBhvr>
+                                    </p:animEffect>
+                                  </p:childTnLst>
+                                </p:cTn>
+                              </p:par>
+                            </p:childTnLst>
+                          </p:cTn>
+                        </p:par>
+                      </p:childTnLst>
+                    </p:cTn>
+                  </p:par>
+                </p:childTnLst>
+              </p:cTn>
+              <p:prevCondLst>
+                <p:cond evt="onPrev" delay="0">
+                  <p:tgtEl>
+                    <p:sldTgt/>
+                  </p:tgtEl>
+                </p:cond>
+              </p:prevCondLst>
+              <p:nextCondLst>
+                <p:cond evt="onNext" delay="0">
+                  <p:tgtEl>
+                    <p:sldTgt/>
+                  </p:tgtEl>
+                </p:cond>
+              </p:nextCondLst>
+            </p:seq>
+          </p:childTnLst>
+        </p:cTn>
+      </p:par>
+    </p:tnLst>
+    <p:bldLst>
+      <p:bldP spid="2" grpId="0"/>
+      <p:bldP spid="3" grpId="0" build="p"/>
+    </p:bldLst>
+  </p:timing>
+</p:sld>
+</file>
+
+<file path=ppt/slides/slide14.xml><?xml version="1.0" encoding="utf-8"?>
+<p:sld xmlns:a="http://schemas.openxmlformats.org/drawingml/2006/main" xmlns:r="http://schemas.openxmlformats.org/officeDocument/2006/relationships" xmlns:p="http://schemas.openxmlformats.org/presentationml/2006/main">
+  <p:cSld>
+    <p:spTree>
+      <p:nvGrpSpPr>
+        <p:cNvPr id="1" name=""/>
+        <p:cNvGrpSpPr/>
+        <p:nvPr/>
+      </p:nvGrpSpPr>
+      <p:grpSpPr>
+        <a:xfrm>
+          <a:off x="0" y="0"/>
+          <a:ext cx="0" cy="0"/>
+          <a:chOff x="0" y="0"/>
+          <a:chExt cx="0" cy="0"/>
+        </a:xfrm>
+      </p:grpSpPr>
+      <p:sp>
+        <p:nvSpPr>
+          <p:cNvPr id="2" name="Título 1">
+            <a:extLst>
+              <a:ext uri="{FF2B5EF4-FFF2-40B4-BE49-F238E27FC236}">
+                <a16:creationId xmlns:a16="http://schemas.microsoft.com/office/drawing/2014/main" id="{4B09397A-F005-71A3-0986-AB601D18B027}"/>
+              </a:ext>
+            </a:extLst>
+          </p:cNvPr>
+          <p:cNvSpPr>
+            <a:spLocks noGrp="1"/>
+          </p:cNvSpPr>
+          <p:nvPr>
+            <p:ph type="title"/>
+          </p:nvPr>
+        </p:nvSpPr>
+        <p:spPr>
+          <a:xfrm>
+            <a:off x="1069848" y="755965"/>
+            <a:ext cx="10058400" cy="3562538"/>
+          </a:xfrm>
+        </p:spPr>
+        <p:txBody>
+          <a:bodyPr>
+            <a:normAutofit/>
+          </a:bodyPr>
+          <a:lstStyle/>
+          <a:p>
+            <a:r>
+              <a:rPr lang="es-ES" sz="6000" dirty="0"/>
+              <a:t>¡muchas gracias por su atención!</a:t>
+            </a:r>
+            <a:endParaRPr lang="es-AR" sz="6000" dirty="0"/>
+          </a:p>
+        </p:txBody>
+      </p:sp>
+      <p:sp>
+        <p:nvSpPr>
+          <p:cNvPr id="3" name="Marcador de contenido 2">
+            <a:extLst>
+              <a:ext uri="{FF2B5EF4-FFF2-40B4-BE49-F238E27FC236}">
+                <a16:creationId xmlns:a16="http://schemas.microsoft.com/office/drawing/2014/main" id="{16DE44CC-CBBF-C7CB-0BE0-1656CA5EE2E9}"/>
+              </a:ext>
+            </a:extLst>
+          </p:cNvPr>
+          <p:cNvSpPr>
+            <a:spLocks noGrp="1"/>
+          </p:cNvSpPr>
+          <p:nvPr>
+            <p:ph idx="1"/>
+          </p:nvPr>
+        </p:nvSpPr>
+        <p:spPr>
+          <a:xfrm>
+            <a:off x="1069848" y="4146487"/>
+            <a:ext cx="10058400" cy="1955549"/>
+          </a:xfrm>
+        </p:spPr>
+        <p:txBody>
+          <a:bodyPr>
+            <a:normAutofit fontScale="92500" lnSpcReduction="10000"/>
+          </a:bodyPr>
+          <a:lstStyle/>
+          <a:p>
+            <a:pPr marL="0" indent="0">
+              <a:buNone/>
+            </a:pPr>
+            <a:r>
+              <a:rPr lang="es-ES" dirty="0"/>
+              <a:t>Exequiel Farías  </a:t>
+            </a:r>
+          </a:p>
+          <a:p>
+            <a:pPr marL="0" indent="0">
+              <a:buNone/>
+            </a:pPr>
+            <a:r>
+              <a:rPr lang="es-ES" dirty="0"/>
+              <a:t>Juan Diego </a:t>
+            </a:r>
+            <a:r>
+              <a:rPr lang="es-ES" dirty="0" err="1"/>
+              <a:t>Paduli</a:t>
+            </a:r>
+            <a:r>
+              <a:rPr lang="es-ES" dirty="0"/>
+              <a:t>  </a:t>
+            </a:r>
+          </a:p>
+          <a:p>
+            <a:pPr marL="0" indent="0">
+              <a:buNone/>
+            </a:pPr>
+            <a:r>
+              <a:rPr lang="es-ES" dirty="0"/>
+              <a:t>Yamil Arturo </a:t>
+            </a:r>
+            <a:r>
+              <a:rPr lang="es-ES" dirty="0" err="1"/>
+              <a:t>Rafart</a:t>
+            </a:r>
+            <a:r>
+              <a:rPr lang="es-ES" dirty="0"/>
+              <a:t> </a:t>
+            </a:r>
+          </a:p>
+          <a:p>
+            <a:pPr marL="0" indent="0">
+              <a:buNone/>
+            </a:pPr>
+            <a:r>
+              <a:rPr lang="es-ES" dirty="0"/>
+              <a:t>Bautista </a:t>
+            </a:r>
+            <a:r>
+              <a:rPr lang="es-ES" dirty="0" err="1"/>
+              <a:t>Bagnarol</a:t>
+            </a:r>
+            <a:r>
+              <a:rPr lang="es-ES" dirty="0"/>
+              <a:t> </a:t>
+            </a:r>
+            <a:r>
+              <a:rPr lang="es-ES" dirty="0" err="1"/>
+              <a:t>Audicio</a:t>
+            </a:r>
+            <a:r>
+              <a:rPr lang="es-ES" dirty="0"/>
+              <a:t>  </a:t>
+            </a:r>
+          </a:p>
+          <a:p>
+            <a:pPr marL="0" indent="0">
+              <a:buNone/>
+            </a:pPr>
+            <a:r>
+              <a:rPr lang="es-ES" dirty="0"/>
+              <a:t>Diego Fernando Danelone</a:t>
+            </a:r>
+            <a:endParaRPr lang="es-AR" dirty="0"/>
+          </a:p>
+        </p:txBody>
+      </p:sp>
+    </p:spTree>
+    <p:extLst>
+      <p:ext uri="{BB962C8B-B14F-4D97-AF65-F5344CB8AC3E}">
+        <p14:creationId xmlns:p14="http://schemas.microsoft.com/office/powerpoint/2010/main" val="1988625949"/>
+      </p:ext>
+    </p:extLst>
+  </p:cSld>
+  <p:clrMapOvr>
+    <a:masterClrMapping/>
+  </p:clrMapOvr>
+  <p:timing>
+    <p:tnLst>
+      <p:par>
+        <p:cTn id="1" dur="indefinite" restart="never" nodeType="tmRoot">
+          <p:childTnLst>
+            <p:seq concurrent="1" nextAc="seek">
+              <p:cTn id="2" dur="indefinite" nodeType="mainSeq">
+                <p:childTnLst>
+                  <p:par>
+                    <p:cTn id="3" fill="hold">
+                      <p:stCondLst>
+                        <p:cond delay="indefinite"/>
+                        <p:cond evt="onBegin" delay="0">
+                          <p:tn val="2"/>
+                        </p:cond>
+                      </p:stCondLst>
+                      <p:childTnLst>
+                        <p:par>
+                          <p:cTn id="4" fill="hold">
+                            <p:stCondLst>
+                              <p:cond delay="0"/>
+                            </p:stCondLst>
+                            <p:childTnLst>
+                              <p:par>
+                                <p:cTn id="5" presetID="10" presetClass="entr" presetSubtype="0" fill="hold" grpId="0" nodeType="afterEffect">
+                                  <p:stCondLst>
+                                    <p:cond delay="0"/>
+                                  </p:stCondLst>
+                                  <p:childTnLst>
+                                    <p:set>
+                                      <p:cBhvr>
+                                        <p:cTn id="6" dur="1" fill="hold">
+                                          <p:stCondLst>
+                                            <p:cond delay="0"/>
+                                          </p:stCondLst>
+                                        </p:cTn>
+                                        <p:tgtEl>
+                                          <p:spTgt spid="2"/>
+                                        </p:tgtEl>
+                                        <p:attrNameLst>
+                                          <p:attrName>style.visibility</p:attrName>
+                                        </p:attrNameLst>
+                                      </p:cBhvr>
+                                      <p:to>
+                                        <p:strVal val="visible"/>
+                                      </p:to>
+                                    </p:set>
+                                    <p:animEffect transition="in" filter="fade">
+                                      <p:cBhvr>
+                                        <p:cTn id="7" dur="500"/>
+                                        <p:tgtEl>
+                                          <p:spTgt spid="2"/>
+                                        </p:tgtEl>
+                                      </p:cBhvr>
+                                    </p:animEffect>
+                                  </p:childTnLst>
+                                </p:cTn>
+                              </p:par>
+                            </p:childTnLst>
+                          </p:cTn>
+                        </p:par>
+                        <p:par>
+                          <p:cTn id="8" fill="hold">
+                            <p:stCondLst>
+                              <p:cond delay="500"/>
+                            </p:stCondLst>
+                            <p:childTnLst>
+                              <p:par>
+                                <p:cTn id="9" presetID="16" presetClass="entr" presetSubtype="21" fill="hold" grpId="0" nodeType="afterEffect">
+                                  <p:stCondLst>
+                                    <p:cond delay="0"/>
+                                  </p:stCondLst>
+                                  <p:childTnLst>
+                                    <p:set>
+                                      <p:cBhvr>
+                                        <p:cTn id="10" dur="1" fill="hold">
+                                          <p:stCondLst>
+                                            <p:cond delay="0"/>
+                                          </p:stCondLst>
+                                        </p:cTn>
+                                        <p:tgtEl>
+                                          <p:spTgt spid="3">
+                                            <p:txEl>
+                                              <p:pRg st="0" end="0"/>
+                                            </p:txEl>
+                                          </p:spTgt>
+                                        </p:tgtEl>
+                                        <p:attrNameLst>
+                                          <p:attrName>style.visibility</p:attrName>
+                                        </p:attrNameLst>
+                                      </p:cBhvr>
+                                      <p:to>
+                                        <p:strVal val="visible"/>
+                                      </p:to>
+                                    </p:set>
+                                    <p:animEffect transition="in" filter="barn(inVertical)">
+                                      <p:cBhvr>
+                                        <p:cTn id="11" dur="500"/>
+                                        <p:tgtEl>
+                                          <p:spTgt spid="3">
+                                            <p:txEl>
+                                              <p:pRg st="0" end="0"/>
+                                            </p:txEl>
+                                          </p:spTgt>
+                                        </p:tgtEl>
+                                      </p:cBhvr>
+                                    </p:animEffect>
+                                  </p:childTnLst>
+                                </p:cTn>
+                              </p:par>
+                            </p:childTnLst>
+                          </p:cTn>
+                        </p:par>
+                        <p:par>
+                          <p:cTn id="12" fill="hold">
+                            <p:stCondLst>
+                              <p:cond delay="1000"/>
+                            </p:stCondLst>
+                            <p:childTnLst>
+                              <p:par>
+                                <p:cTn id="13" presetID="16" presetClass="entr" presetSubtype="21" fill="hold" grpId="0" nodeType="afterEffect">
+                                  <p:stCondLst>
+                                    <p:cond delay="0"/>
+                                  </p:stCondLst>
+                                  <p:childTnLst>
+                                    <p:set>
+                                      <p:cBhvr>
+                                        <p:cTn id="14" dur="1" fill="hold">
+                                          <p:stCondLst>
+                                            <p:cond delay="0"/>
+                                          </p:stCondLst>
+                                        </p:cTn>
+                                        <p:tgtEl>
+                                          <p:spTgt spid="3">
+                                            <p:txEl>
+                                              <p:pRg st="1" end="1"/>
+                                            </p:txEl>
+                                          </p:spTgt>
+                                        </p:tgtEl>
+                                        <p:attrNameLst>
+                                          <p:attrName>style.visibility</p:attrName>
+                                        </p:attrNameLst>
+                                      </p:cBhvr>
+                                      <p:to>
+                                        <p:strVal val="visible"/>
+                                      </p:to>
+                                    </p:set>
+                                    <p:animEffect transition="in" filter="barn(inVertical)">
+                                      <p:cBhvr>
+                                        <p:cTn id="15" dur="500"/>
+                                        <p:tgtEl>
+                                          <p:spTgt spid="3">
+                                            <p:txEl>
+                                              <p:pRg st="1" end="1"/>
+                                            </p:txEl>
+                                          </p:spTgt>
+                                        </p:tgtEl>
+                                      </p:cBhvr>
+                                    </p:animEffect>
+                                  </p:childTnLst>
+                                </p:cTn>
+                              </p:par>
+                            </p:childTnLst>
+                          </p:cTn>
+                        </p:par>
+                        <p:par>
+                          <p:cTn id="16" fill="hold">
+                            <p:stCondLst>
+                              <p:cond delay="1500"/>
+                            </p:stCondLst>
+                            <p:childTnLst>
+                              <p:par>
+                                <p:cTn id="17" presetID="16" presetClass="entr" presetSubtype="21" fill="hold" grpId="0" nodeType="afterEffect">
+                                  <p:stCondLst>
+                                    <p:cond delay="0"/>
+                                  </p:stCondLst>
+                                  <p:childTnLst>
+                                    <p:set>
+                                      <p:cBhvr>
+                                        <p:cTn id="18" dur="1" fill="hold">
+                                          <p:stCondLst>
+                                            <p:cond delay="0"/>
+                                          </p:stCondLst>
+                                        </p:cTn>
+                                        <p:tgtEl>
+                                          <p:spTgt spid="3">
+                                            <p:txEl>
+                                              <p:pRg st="2" end="2"/>
+                                            </p:txEl>
+                                          </p:spTgt>
+                                        </p:tgtEl>
+                                        <p:attrNameLst>
+                                          <p:attrName>style.visibility</p:attrName>
+                                        </p:attrNameLst>
+                                      </p:cBhvr>
+                                      <p:to>
+                                        <p:strVal val="visible"/>
+                                      </p:to>
+                                    </p:set>
+                                    <p:animEffect transition="in" filter="barn(inVertical)">
+                                      <p:cBhvr>
+                                        <p:cTn id="19" dur="500"/>
+                                        <p:tgtEl>
+                                          <p:spTgt spid="3">
+                                            <p:txEl>
+                                              <p:pRg st="2" end="2"/>
+                                            </p:txEl>
+                                          </p:spTgt>
+                                        </p:tgtEl>
+                                      </p:cBhvr>
+                                    </p:animEffect>
+                                  </p:childTnLst>
+                                </p:cTn>
+                              </p:par>
+                            </p:childTnLst>
+                          </p:cTn>
+                        </p:par>
+                        <p:par>
+                          <p:cTn id="20" fill="hold">
+                            <p:stCondLst>
+                              <p:cond delay="2000"/>
+                            </p:stCondLst>
+                            <p:childTnLst>
+                              <p:par>
+                                <p:cTn id="21" presetID="16" presetClass="entr" presetSubtype="21" fill="hold" grpId="0" nodeType="afterEffect">
+                                  <p:stCondLst>
+                                    <p:cond delay="0"/>
+                                  </p:stCondLst>
+                                  <p:childTnLst>
+                                    <p:set>
+                                      <p:cBhvr>
+                                        <p:cTn id="22" dur="1" fill="hold">
+                                          <p:stCondLst>
+                                            <p:cond delay="0"/>
+                                          </p:stCondLst>
+                                        </p:cTn>
+                                        <p:tgtEl>
+                                          <p:spTgt spid="3">
+                                            <p:txEl>
+                                              <p:pRg st="3" end="3"/>
+                                            </p:txEl>
+                                          </p:spTgt>
+                                        </p:tgtEl>
+                                        <p:attrNameLst>
+                                          <p:attrName>style.visibility</p:attrName>
+                                        </p:attrNameLst>
+                                      </p:cBhvr>
+                                      <p:to>
+                                        <p:strVal val="visible"/>
+                                      </p:to>
+                                    </p:set>
+                                    <p:animEffect transition="in" filter="barn(inVertical)">
+                                      <p:cBhvr>
+                                        <p:cTn id="23" dur="500"/>
+                                        <p:tgtEl>
+                                          <p:spTgt spid="3">
+                                            <p:txEl>
+                                              <p:pRg st="3" end="3"/>
+                                            </p:txEl>
+                                          </p:spTgt>
+                                        </p:tgtEl>
+                                      </p:cBhvr>
+                                    </p:animEffect>
+                                  </p:childTnLst>
+                                </p:cTn>
+                              </p:par>
+                            </p:childTnLst>
+                          </p:cTn>
+                        </p:par>
+                        <p:par>
+                          <p:cTn id="24" fill="hold">
+                            <p:stCondLst>
+                              <p:cond delay="2500"/>
+                            </p:stCondLst>
+                            <p:childTnLst>
+                              <p:par>
+                                <p:cTn id="25" presetID="16" presetClass="entr" presetSubtype="21" fill="hold" grpId="0" nodeType="afterEffect">
+                                  <p:stCondLst>
+                                    <p:cond delay="0"/>
+                                  </p:stCondLst>
+                                  <p:childTnLst>
+                                    <p:set>
+                                      <p:cBhvr>
+                                        <p:cTn id="26" dur="1" fill="hold">
+                                          <p:stCondLst>
+                                            <p:cond delay="0"/>
+                                          </p:stCondLst>
+                                        </p:cTn>
+                                        <p:tgtEl>
+                                          <p:spTgt spid="3">
+                                            <p:txEl>
+                                              <p:pRg st="4" end="4"/>
+                                            </p:txEl>
+                                          </p:spTgt>
+                                        </p:tgtEl>
+                                        <p:attrNameLst>
+                                          <p:attrName>style.visibility</p:attrName>
+                                        </p:attrNameLst>
+                                      </p:cBhvr>
+                                      <p:to>
+                                        <p:strVal val="visible"/>
+                                      </p:to>
+                                    </p:set>
+                                    <p:animEffect transition="in" filter="barn(inVertical)">
+                                      <p:cBhvr>
+                                        <p:cTn id="27" dur="500"/>
+                                        <p:tgtEl>
+                                          <p:spTgt spid="3">
+                                            <p:txEl>
+                                              <p:pRg st="4" end="4"/>
+                                            </p:txEl>
+                                          </p:spTgt>
+                                        </p:tgtEl>
+                                      </p:cBhvr>
+                                    </p:animEffect>
+                                  </p:childTnLst>
+                                </p:cTn>
+                              </p:par>
+                            </p:childTnLst>
+                          </p:cTn>
+                        </p:par>
+                      </p:childTnLst>
+                    </p:cTn>
+                  </p:par>
+                </p:childTnLst>
+              </p:cTn>
+              <p:prevCondLst>
+                <p:cond evt="onPrev" delay="0">
+                  <p:tgtEl>
+                    <p:sldTgt/>
+                  </p:tgtEl>
+                </p:cond>
+              </p:prevCondLst>
+              <p:nextCondLst>
+                <p:cond evt="onNext" delay="0">
+                  <p:tgtEl>
+                    <p:sldTgt/>
+                  </p:tgtEl>
+                </p:cond>
+              </p:nextCondLst>
+            </p:seq>
+          </p:childTnLst>
+        </p:cTn>
+      </p:par>
+    </p:tnLst>
+    <p:bldLst>
+      <p:bldP spid="2" grpId="0"/>
+      <p:bldP spid="3" grpId="0" build="p"/>
+    </p:bldLst>
+  </p:timing>
+</p:sld>
+</file>
+
 <file path=ppt/slides/slide2.xml><?xml version="1.0" encoding="utf-8"?>
 <p:sld xmlns:a="http://schemas.openxmlformats.org/drawingml/2006/main" xmlns:r="http://schemas.openxmlformats.org/officeDocument/2006/relationships" xmlns:p="http://schemas.openxmlformats.org/presentationml/2006/main">
   <p:cSld>
@@ -5954,1215 +8962,6 @@
 </file>
 
 <file path=ppt/slides/slide4.xml><?xml version="1.0" encoding="utf-8"?>
-<p:sld xmlns:a="http://schemas.openxmlformats.org/drawingml/2006/main" xmlns:r="http://schemas.openxmlformats.org/officeDocument/2006/relationships" xmlns:p="http://schemas.openxmlformats.org/presentationml/2006/main">
-  <p:cSld>
-    <p:spTree>
-      <p:nvGrpSpPr>
-        <p:cNvPr id="1" name=""/>
-        <p:cNvGrpSpPr/>
-        <p:nvPr/>
-      </p:nvGrpSpPr>
-      <p:grpSpPr>
-        <a:xfrm>
-          <a:off x="0" y="0"/>
-          <a:ext cx="0" cy="0"/>
-          <a:chOff x="0" y="0"/>
-          <a:chExt cx="0" cy="0"/>
-        </a:xfrm>
-      </p:grpSpPr>
-      <p:sp>
-        <p:nvSpPr>
-          <p:cNvPr id="2" name="Título 1">
-            <a:extLst>
-              <a:ext uri="{FF2B5EF4-FFF2-40B4-BE49-F238E27FC236}">
-                <a16:creationId xmlns:a16="http://schemas.microsoft.com/office/drawing/2014/main" id="{B66B7D62-51DF-ADF7-33C7-B35CEB1DDD95}"/>
-              </a:ext>
-            </a:extLst>
-          </p:cNvPr>
-          <p:cNvSpPr>
-            <a:spLocks noGrp="1"/>
-          </p:cNvSpPr>
-          <p:nvPr>
-            <p:ph type="title"/>
-          </p:nvPr>
-        </p:nvSpPr>
-        <p:spPr>
-          <a:xfrm>
-            <a:off x="1069848" y="484632"/>
-            <a:ext cx="10058400" cy="837174"/>
-          </a:xfrm>
-        </p:spPr>
-        <p:txBody>
-          <a:bodyPr/>
-          <a:lstStyle/>
-          <a:p>
-            <a:r>
-              <a:rPr lang="es-ES" dirty="0"/>
-              <a:t>Potencia espectral:</a:t>
-            </a:r>
-            <a:endParaRPr lang="es-AR" dirty="0"/>
-          </a:p>
-        </p:txBody>
-      </p:sp>
-      <p:sp>
-        <p:nvSpPr>
-          <p:cNvPr id="3" name="Marcador de contenido 2">
-            <a:extLst>
-              <a:ext uri="{FF2B5EF4-FFF2-40B4-BE49-F238E27FC236}">
-                <a16:creationId xmlns:a16="http://schemas.microsoft.com/office/drawing/2014/main" id="{0D13362B-F7B1-C6A7-613C-438430E25109}"/>
-              </a:ext>
-            </a:extLst>
-          </p:cNvPr>
-          <p:cNvSpPr>
-            <a:spLocks noGrp="1"/>
-          </p:cNvSpPr>
-          <p:nvPr>
-            <p:ph idx="1"/>
-          </p:nvPr>
-        </p:nvSpPr>
-        <p:spPr>
-          <a:xfrm>
-            <a:off x="1069848" y="1522717"/>
-            <a:ext cx="10058400" cy="1404645"/>
-          </a:xfrm>
-        </p:spPr>
-        <p:txBody>
-          <a:bodyPr/>
-          <a:lstStyle/>
-          <a:p>
-            <a:pPr algn="just"/>
-            <a:r>
-              <a:rPr lang="es-ES" dirty="0"/>
-              <a:t>Se estimó la densidad espectral de potencia (PSD) para cuantificar cuánta energía hay en cada banda. Esto permitió asociar ciertas bandas con mayor actividad epiléptica, especialmente en los estados </a:t>
-            </a:r>
-            <a:r>
-              <a:rPr lang="es-ES" dirty="0" err="1"/>
-              <a:t>interictal</a:t>
-            </a:r>
-            <a:r>
-              <a:rPr lang="es-ES" dirty="0"/>
-              <a:t> y convulsivo, donde la energía tiende a concentrarse en bandas no habituales.</a:t>
-            </a:r>
-            <a:endParaRPr lang="es-AR" dirty="0"/>
-          </a:p>
-        </p:txBody>
-      </p:sp>
-      <p:sp>
-        <p:nvSpPr>
-          <p:cNvPr id="4" name="Título 1">
-            <a:extLst>
-              <a:ext uri="{FF2B5EF4-FFF2-40B4-BE49-F238E27FC236}">
-                <a16:creationId xmlns:a16="http://schemas.microsoft.com/office/drawing/2014/main" id="{694F2351-55E9-2638-2997-F13E7CE7D7C8}"/>
-              </a:ext>
-            </a:extLst>
-          </p:cNvPr>
-          <p:cNvSpPr txBox="1">
-            <a:spLocks/>
-          </p:cNvSpPr>
-          <p:nvPr/>
-        </p:nvSpPr>
-        <p:spPr>
-          <a:xfrm>
-            <a:off x="977804" y="3512052"/>
-            <a:ext cx="10058400" cy="837174"/>
-          </a:xfrm>
-          <a:prstGeom prst="rect">
-            <a:avLst/>
-          </a:prstGeom>
-        </p:spPr>
-        <p:txBody>
-          <a:bodyPr vert="horz" lIns="91440" tIns="45720" rIns="91440" bIns="45720" rtlCol="0" anchor="ctr">
-            <a:normAutofit/>
-          </a:bodyPr>
-          <a:lstStyle>
-            <a:lvl1pPr algn="l" defTabSz="914400" rtl="0" eaLnBrk="1" latinLnBrk="0" hangingPunct="1">
-              <a:lnSpc>
-                <a:spcPct val="90000"/>
-              </a:lnSpc>
-              <a:spcBef>
-                <a:spcPct val="0"/>
-              </a:spcBef>
-              <a:buNone/>
-              <a:defRPr sz="5400" kern="1200" cap="all" baseline="0">
-                <a:blipFill>
-                  <a:blip r:embed="rId2">
-                    <a:extLst>
-                      <a:ext uri="{28A0092B-C50C-407E-A947-70E740481C1C}">
-                        <a14:useLocalDpi xmlns:a14="http://schemas.microsoft.com/office/drawing/2010/main" val="0"/>
-                      </a:ext>
-                    </a:extLst>
-                  </a:blip>
-                  <a:tile tx="6350" ty="-127000" sx="65000" sy="64000" flip="none" algn="tl"/>
-                </a:blipFill>
-                <a:latin typeface="+mj-lt"/>
-                <a:ea typeface="+mj-ea"/>
-                <a:cs typeface="+mj-cs"/>
-              </a:defRPr>
-            </a:lvl1pPr>
-          </a:lstStyle>
-          <a:p>
-            <a:r>
-              <a:rPr lang="es-ES" dirty="0"/>
-              <a:t>Autocorrelación:</a:t>
-            </a:r>
-            <a:endParaRPr lang="es-AR" dirty="0"/>
-          </a:p>
-        </p:txBody>
-      </p:sp>
-      <p:sp>
-        <p:nvSpPr>
-          <p:cNvPr id="5" name="Marcador de contenido 2">
-            <a:extLst>
-              <a:ext uri="{FF2B5EF4-FFF2-40B4-BE49-F238E27FC236}">
-                <a16:creationId xmlns:a16="http://schemas.microsoft.com/office/drawing/2014/main" id="{B7F1FD5F-2B5E-43F9-40AC-C97384BF8059}"/>
-              </a:ext>
-            </a:extLst>
-          </p:cNvPr>
-          <p:cNvSpPr txBox="1">
-            <a:spLocks/>
-          </p:cNvSpPr>
-          <p:nvPr/>
-        </p:nvSpPr>
-        <p:spPr>
-          <a:xfrm>
-            <a:off x="977804" y="4532919"/>
-            <a:ext cx="10058400" cy="1404645"/>
-          </a:xfrm>
-          <a:prstGeom prst="rect">
-            <a:avLst/>
-          </a:prstGeom>
-        </p:spPr>
-        <p:txBody>
-          <a:bodyPr vert="horz" lIns="91440" tIns="45720" rIns="91440" bIns="45720" rtlCol="0">
-            <a:normAutofit/>
-          </a:bodyPr>
-          <a:lstStyle>
-            <a:lvl1pPr marL="182880" indent="-182880" algn="l" defTabSz="914400" rtl="0" eaLnBrk="1" latinLnBrk="0" hangingPunct="1">
-              <a:lnSpc>
-                <a:spcPct val="90000"/>
-              </a:lnSpc>
-              <a:spcBef>
-                <a:spcPts val="1200"/>
-              </a:spcBef>
-              <a:buClr>
-                <a:schemeClr val="accent1">
-                  <a:lumMod val="75000"/>
-                </a:schemeClr>
-              </a:buClr>
-              <a:buSzPct val="85000"/>
-              <a:buFont typeface="Wingdings" pitchFamily="2" charset="2"/>
-              <a:buChar char="§"/>
-              <a:defRPr sz="2000" kern="1200">
-                <a:solidFill>
-                  <a:schemeClr val="tx1"/>
-                </a:solidFill>
-                <a:latin typeface="+mn-lt"/>
-                <a:ea typeface="+mn-ea"/>
-                <a:cs typeface="+mn-cs"/>
-              </a:defRPr>
-            </a:lvl1pPr>
-            <a:lvl2pPr marL="457200" indent="-182880" algn="l" defTabSz="914400" rtl="0" eaLnBrk="1" latinLnBrk="0" hangingPunct="1">
-              <a:lnSpc>
-                <a:spcPct val="90000"/>
-              </a:lnSpc>
-              <a:spcBef>
-                <a:spcPts val="400"/>
-              </a:spcBef>
-              <a:spcAft>
-                <a:spcPts val="200"/>
-              </a:spcAft>
-              <a:buClr>
-                <a:schemeClr val="accent1">
-                  <a:lumMod val="75000"/>
-                </a:schemeClr>
-              </a:buClr>
-              <a:buSzPct val="85000"/>
-              <a:buFont typeface="Wingdings" pitchFamily="2" charset="2"/>
-              <a:buChar char="§"/>
-              <a:defRPr sz="1800" kern="1200">
-                <a:solidFill>
-                  <a:schemeClr val="tx1"/>
-                </a:solidFill>
-                <a:latin typeface="+mn-lt"/>
-                <a:ea typeface="+mn-ea"/>
-                <a:cs typeface="+mn-cs"/>
-              </a:defRPr>
-            </a:lvl2pPr>
-            <a:lvl3pPr marL="731520" indent="-182880" algn="l" defTabSz="914400" rtl="0" eaLnBrk="1" latinLnBrk="0" hangingPunct="1">
-              <a:lnSpc>
-                <a:spcPct val="90000"/>
-              </a:lnSpc>
-              <a:spcBef>
-                <a:spcPts val="400"/>
-              </a:spcBef>
-              <a:spcAft>
-                <a:spcPts val="200"/>
-              </a:spcAft>
-              <a:buClr>
-                <a:schemeClr val="accent1">
-                  <a:lumMod val="75000"/>
-                </a:schemeClr>
-              </a:buClr>
-              <a:buSzPct val="85000"/>
-              <a:buFont typeface="Wingdings" pitchFamily="2" charset="2"/>
-              <a:buChar char="§"/>
-              <a:defRPr sz="1600" kern="1200">
-                <a:solidFill>
-                  <a:schemeClr val="tx1"/>
-                </a:solidFill>
-                <a:latin typeface="+mn-lt"/>
-                <a:ea typeface="+mn-ea"/>
-                <a:cs typeface="+mn-cs"/>
-              </a:defRPr>
-            </a:lvl3pPr>
-            <a:lvl4pPr marL="1005840" indent="-182880" algn="l" defTabSz="914400" rtl="0" eaLnBrk="1" latinLnBrk="0" hangingPunct="1">
-              <a:lnSpc>
-                <a:spcPct val="90000"/>
-              </a:lnSpc>
-              <a:spcBef>
-                <a:spcPts val="400"/>
-              </a:spcBef>
-              <a:spcAft>
-                <a:spcPts val="200"/>
-              </a:spcAft>
-              <a:buClr>
-                <a:schemeClr val="accent1">
-                  <a:lumMod val="75000"/>
-                </a:schemeClr>
-              </a:buClr>
-              <a:buSzPct val="85000"/>
-              <a:buFont typeface="Wingdings" pitchFamily="2" charset="2"/>
-              <a:buChar char="§"/>
-              <a:defRPr sz="1600" kern="1200">
-                <a:solidFill>
-                  <a:schemeClr val="tx1"/>
-                </a:solidFill>
-                <a:latin typeface="+mn-lt"/>
-                <a:ea typeface="+mn-ea"/>
-                <a:cs typeface="+mn-cs"/>
-              </a:defRPr>
-            </a:lvl4pPr>
-            <a:lvl5pPr marL="1280160" indent="-182880" algn="l" defTabSz="914400" rtl="0" eaLnBrk="1" latinLnBrk="0" hangingPunct="1">
-              <a:lnSpc>
-                <a:spcPct val="90000"/>
-              </a:lnSpc>
-              <a:spcBef>
-                <a:spcPts val="400"/>
-              </a:spcBef>
-              <a:spcAft>
-                <a:spcPts val="200"/>
-              </a:spcAft>
-              <a:buClr>
-                <a:schemeClr val="accent1">
-                  <a:lumMod val="75000"/>
-                </a:schemeClr>
-              </a:buClr>
-              <a:buSzPct val="85000"/>
-              <a:buFont typeface="Wingdings" pitchFamily="2" charset="2"/>
-              <a:buChar char="§"/>
-              <a:defRPr sz="1600" kern="1200">
-                <a:solidFill>
-                  <a:schemeClr val="tx1"/>
-                </a:solidFill>
-                <a:latin typeface="+mn-lt"/>
-                <a:ea typeface="+mn-ea"/>
-                <a:cs typeface="+mn-cs"/>
-              </a:defRPr>
-            </a:lvl5pPr>
-            <a:lvl6pPr marL="1600000" indent="-228600" algn="l" defTabSz="914400" rtl="0" eaLnBrk="1" latinLnBrk="0" hangingPunct="1">
-              <a:lnSpc>
-                <a:spcPct val="90000"/>
-              </a:lnSpc>
-              <a:spcBef>
-                <a:spcPts val="400"/>
-              </a:spcBef>
-              <a:spcAft>
-                <a:spcPts val="200"/>
-              </a:spcAft>
-              <a:buClr>
-                <a:schemeClr val="accent1">
-                  <a:lumMod val="75000"/>
-                </a:schemeClr>
-              </a:buClr>
-              <a:buSzPct val="85000"/>
-              <a:buFont typeface="Wingdings" pitchFamily="2" charset="2"/>
-              <a:buChar char="§"/>
-              <a:defRPr sz="1600" kern="1200">
-                <a:solidFill>
-                  <a:schemeClr val="tx1"/>
-                </a:solidFill>
-                <a:latin typeface="+mn-lt"/>
-                <a:ea typeface="+mn-ea"/>
-                <a:cs typeface="+mn-cs"/>
-              </a:defRPr>
-            </a:lvl6pPr>
-            <a:lvl7pPr marL="1900000" indent="-228600" algn="l" defTabSz="914400" rtl="0" eaLnBrk="1" latinLnBrk="0" hangingPunct="1">
-              <a:lnSpc>
-                <a:spcPct val="90000"/>
-              </a:lnSpc>
-              <a:spcBef>
-                <a:spcPts val="400"/>
-              </a:spcBef>
-              <a:spcAft>
-                <a:spcPts val="200"/>
-              </a:spcAft>
-              <a:buClr>
-                <a:schemeClr val="accent1">
-                  <a:lumMod val="75000"/>
-                </a:schemeClr>
-              </a:buClr>
-              <a:buSzPct val="85000"/>
-              <a:buFont typeface="Wingdings" pitchFamily="2" charset="2"/>
-              <a:buChar char="§"/>
-              <a:defRPr sz="1600" kern="1200">
-                <a:solidFill>
-                  <a:schemeClr val="tx1"/>
-                </a:solidFill>
-                <a:latin typeface="+mn-lt"/>
-                <a:ea typeface="+mn-ea"/>
-                <a:cs typeface="+mn-cs"/>
-              </a:defRPr>
-            </a:lvl7pPr>
-            <a:lvl8pPr marL="2200000" indent="-228600" algn="l" defTabSz="914400" rtl="0" eaLnBrk="1" latinLnBrk="0" hangingPunct="1">
-              <a:lnSpc>
-                <a:spcPct val="90000"/>
-              </a:lnSpc>
-              <a:spcBef>
-                <a:spcPts val="400"/>
-              </a:spcBef>
-              <a:spcAft>
-                <a:spcPts val="200"/>
-              </a:spcAft>
-              <a:buClr>
-                <a:schemeClr val="accent1">
-                  <a:lumMod val="75000"/>
-                </a:schemeClr>
-              </a:buClr>
-              <a:buSzPct val="85000"/>
-              <a:buFont typeface="Wingdings" pitchFamily="2" charset="2"/>
-              <a:buChar char="§"/>
-              <a:defRPr sz="1600" kern="1200">
-                <a:solidFill>
-                  <a:schemeClr val="tx1"/>
-                </a:solidFill>
-                <a:latin typeface="+mn-lt"/>
-                <a:ea typeface="+mn-ea"/>
-                <a:cs typeface="+mn-cs"/>
-              </a:defRPr>
-            </a:lvl8pPr>
-            <a:lvl9pPr marL="2500000" indent="-228600" algn="l" defTabSz="914400" rtl="0" eaLnBrk="1" latinLnBrk="0" hangingPunct="1">
-              <a:lnSpc>
-                <a:spcPct val="90000"/>
-              </a:lnSpc>
-              <a:spcBef>
-                <a:spcPts val="400"/>
-              </a:spcBef>
-              <a:spcAft>
-                <a:spcPts val="200"/>
-              </a:spcAft>
-              <a:buClr>
-                <a:schemeClr val="accent1">
-                  <a:lumMod val="75000"/>
-                </a:schemeClr>
-              </a:buClr>
-              <a:buSzPct val="85000"/>
-              <a:buFont typeface="Wingdings" pitchFamily="2" charset="2"/>
-              <a:buChar char="§"/>
-              <a:defRPr sz="1600" kern="1200">
-                <a:solidFill>
-                  <a:schemeClr val="tx1"/>
-                </a:solidFill>
-                <a:latin typeface="+mn-lt"/>
-                <a:ea typeface="+mn-ea"/>
-                <a:cs typeface="+mn-cs"/>
-              </a:defRPr>
-            </a:lvl9pPr>
-          </a:lstStyle>
-          <a:p>
-            <a:pPr algn="just"/>
-            <a:r>
-              <a:rPr lang="es-ES" dirty="0"/>
-              <a:t>Se calculó la autocorrelación de cada señal para analizar su regularidad temporal. Una señal sana debería presentar una autocorrelación con picos bien definidos (mayor regularidad), mientras que en la convulsión estos patrones se desdibujan o se tornan irregulares, reflejando la caótica activación neuronal.</a:t>
-            </a:r>
-            <a:endParaRPr lang="es-AR" dirty="0"/>
-          </a:p>
-        </p:txBody>
-      </p:sp>
-    </p:spTree>
-    <p:extLst>
-      <p:ext uri="{BB962C8B-B14F-4D97-AF65-F5344CB8AC3E}">
-        <p14:creationId xmlns:p14="http://schemas.microsoft.com/office/powerpoint/2010/main" val="1849743709"/>
-      </p:ext>
-    </p:extLst>
-  </p:cSld>
-  <p:clrMapOvr>
-    <a:masterClrMapping/>
-  </p:clrMapOvr>
-  <p:timing>
-    <p:tnLst>
-      <p:par>
-        <p:cTn id="1" dur="indefinite" restart="never" nodeType="tmRoot">
-          <p:childTnLst>
-            <p:seq concurrent="1" nextAc="seek">
-              <p:cTn id="2" dur="indefinite" nodeType="mainSeq">
-                <p:childTnLst>
-                  <p:par>
-                    <p:cTn id="3" fill="hold">
-                      <p:stCondLst>
-                        <p:cond delay="indefinite"/>
-                        <p:cond evt="onBegin" delay="0">
-                          <p:tn val="2"/>
-                        </p:cond>
-                      </p:stCondLst>
-                      <p:childTnLst>
-                        <p:par>
-                          <p:cTn id="4" fill="hold">
-                            <p:stCondLst>
-                              <p:cond delay="0"/>
-                            </p:stCondLst>
-                            <p:childTnLst>
-                              <p:par>
-                                <p:cTn id="5" presetID="22" presetClass="entr" presetSubtype="4" fill="hold" grpId="0" nodeType="afterEffect">
-                                  <p:stCondLst>
-                                    <p:cond delay="0"/>
-                                  </p:stCondLst>
-                                  <p:childTnLst>
-                                    <p:set>
-                                      <p:cBhvr>
-                                        <p:cTn id="6" dur="1" fill="hold">
-                                          <p:stCondLst>
-                                            <p:cond delay="0"/>
-                                          </p:stCondLst>
-                                        </p:cTn>
-                                        <p:tgtEl>
-                                          <p:spTgt spid="2"/>
-                                        </p:tgtEl>
-                                        <p:attrNameLst>
-                                          <p:attrName>style.visibility</p:attrName>
-                                        </p:attrNameLst>
-                                      </p:cBhvr>
-                                      <p:to>
-                                        <p:strVal val="visible"/>
-                                      </p:to>
-                                    </p:set>
-                                    <p:animEffect transition="in" filter="wipe(down)">
-                                      <p:cBhvr>
-                                        <p:cTn id="7" dur="500"/>
-                                        <p:tgtEl>
-                                          <p:spTgt spid="2"/>
-                                        </p:tgtEl>
-                                      </p:cBhvr>
-                                    </p:animEffect>
-                                  </p:childTnLst>
-                                </p:cTn>
-                              </p:par>
-                            </p:childTnLst>
-                          </p:cTn>
-                        </p:par>
-                        <p:par>
-                          <p:cTn id="8" fill="hold">
-                            <p:stCondLst>
-                              <p:cond delay="500"/>
-                            </p:stCondLst>
-                            <p:childTnLst>
-                              <p:par>
-                                <p:cTn id="9" presetID="22" presetClass="entr" presetSubtype="4" fill="hold" grpId="0" nodeType="afterEffect">
-                                  <p:stCondLst>
-                                    <p:cond delay="0"/>
-                                  </p:stCondLst>
-                                  <p:childTnLst>
-                                    <p:set>
-                                      <p:cBhvr>
-                                        <p:cTn id="10" dur="1" fill="hold">
-                                          <p:stCondLst>
-                                            <p:cond delay="0"/>
-                                          </p:stCondLst>
-                                        </p:cTn>
-                                        <p:tgtEl>
-                                          <p:spTgt spid="3">
-                                            <p:txEl>
-                                              <p:pRg st="0" end="0"/>
-                                            </p:txEl>
-                                          </p:spTgt>
-                                        </p:tgtEl>
-                                        <p:attrNameLst>
-                                          <p:attrName>style.visibility</p:attrName>
-                                        </p:attrNameLst>
-                                      </p:cBhvr>
-                                      <p:to>
-                                        <p:strVal val="visible"/>
-                                      </p:to>
-                                    </p:set>
-                                    <p:animEffect transition="in" filter="wipe(down)">
-                                      <p:cBhvr>
-                                        <p:cTn id="11" dur="500"/>
-                                        <p:tgtEl>
-                                          <p:spTgt spid="3">
-                                            <p:txEl>
-                                              <p:pRg st="0" end="0"/>
-                                            </p:txEl>
-                                          </p:spTgt>
-                                        </p:tgtEl>
-                                      </p:cBhvr>
-                                    </p:animEffect>
-                                  </p:childTnLst>
-                                </p:cTn>
-                              </p:par>
-                            </p:childTnLst>
-                          </p:cTn>
-                        </p:par>
-                        <p:par>
-                          <p:cTn id="12" fill="hold">
-                            <p:stCondLst>
-                              <p:cond delay="1000"/>
-                            </p:stCondLst>
-                            <p:childTnLst>
-                              <p:par>
-                                <p:cTn id="13" presetID="22" presetClass="entr" presetSubtype="4" fill="hold" grpId="0" nodeType="afterEffect">
-                                  <p:stCondLst>
-                                    <p:cond delay="0"/>
-                                  </p:stCondLst>
-                                  <p:childTnLst>
-                                    <p:set>
-                                      <p:cBhvr>
-                                        <p:cTn id="14" dur="1" fill="hold">
-                                          <p:stCondLst>
-                                            <p:cond delay="0"/>
-                                          </p:stCondLst>
-                                        </p:cTn>
-                                        <p:tgtEl>
-                                          <p:spTgt spid="4"/>
-                                        </p:tgtEl>
-                                        <p:attrNameLst>
-                                          <p:attrName>style.visibility</p:attrName>
-                                        </p:attrNameLst>
-                                      </p:cBhvr>
-                                      <p:to>
-                                        <p:strVal val="visible"/>
-                                      </p:to>
-                                    </p:set>
-                                    <p:animEffect transition="in" filter="wipe(down)">
-                                      <p:cBhvr>
-                                        <p:cTn id="15" dur="500"/>
-                                        <p:tgtEl>
-                                          <p:spTgt spid="4"/>
-                                        </p:tgtEl>
-                                      </p:cBhvr>
-                                    </p:animEffect>
-                                  </p:childTnLst>
-                                </p:cTn>
-                              </p:par>
-                            </p:childTnLst>
-                          </p:cTn>
-                        </p:par>
-                        <p:par>
-                          <p:cTn id="16" fill="hold">
-                            <p:stCondLst>
-                              <p:cond delay="1500"/>
-                            </p:stCondLst>
-                            <p:childTnLst>
-                              <p:par>
-                                <p:cTn id="17" presetID="22" presetClass="entr" presetSubtype="4" fill="hold" grpId="0" nodeType="afterEffect">
-                                  <p:stCondLst>
-                                    <p:cond delay="0"/>
-                                  </p:stCondLst>
-                                  <p:childTnLst>
-                                    <p:set>
-                                      <p:cBhvr>
-                                        <p:cTn id="18" dur="1" fill="hold">
-                                          <p:stCondLst>
-                                            <p:cond delay="0"/>
-                                          </p:stCondLst>
-                                        </p:cTn>
-                                        <p:tgtEl>
-                                          <p:spTgt spid="5"/>
-                                        </p:tgtEl>
-                                        <p:attrNameLst>
-                                          <p:attrName>style.visibility</p:attrName>
-                                        </p:attrNameLst>
-                                      </p:cBhvr>
-                                      <p:to>
-                                        <p:strVal val="visible"/>
-                                      </p:to>
-                                    </p:set>
-                                    <p:animEffect transition="in" filter="wipe(down)">
-                                      <p:cBhvr>
-                                        <p:cTn id="19" dur="500"/>
-                                        <p:tgtEl>
-                                          <p:spTgt spid="5"/>
-                                        </p:tgtEl>
-                                      </p:cBhvr>
-                                    </p:animEffect>
-                                  </p:childTnLst>
-                                </p:cTn>
-                              </p:par>
-                            </p:childTnLst>
-                          </p:cTn>
-                        </p:par>
-                      </p:childTnLst>
-                    </p:cTn>
-                  </p:par>
-                </p:childTnLst>
-              </p:cTn>
-              <p:prevCondLst>
-                <p:cond evt="onPrev" delay="0">
-                  <p:tgtEl>
-                    <p:sldTgt/>
-                  </p:tgtEl>
-                </p:cond>
-              </p:prevCondLst>
-              <p:nextCondLst>
-                <p:cond evt="onNext" delay="0">
-                  <p:tgtEl>
-                    <p:sldTgt/>
-                  </p:tgtEl>
-                </p:cond>
-              </p:nextCondLst>
-            </p:seq>
-          </p:childTnLst>
-        </p:cTn>
-      </p:par>
-    </p:tnLst>
-    <p:bldLst>
-      <p:bldP spid="2" grpId="0"/>
-      <p:bldP spid="3" grpId="0" build="p"/>
-      <p:bldP spid="4" grpId="0"/>
-      <p:bldP spid="5" grpId="0"/>
-    </p:bldLst>
-  </p:timing>
-</p:sld>
-</file>
-
-<file path=ppt/slides/slide5.xml><?xml version="1.0" encoding="utf-8"?>
-<p:sld xmlns:a="http://schemas.openxmlformats.org/drawingml/2006/main" xmlns:r="http://schemas.openxmlformats.org/officeDocument/2006/relationships" xmlns:p="http://schemas.openxmlformats.org/presentationml/2006/main">
-  <p:cSld>
-    <p:spTree>
-      <p:nvGrpSpPr>
-        <p:cNvPr id="1" name=""/>
-        <p:cNvGrpSpPr/>
-        <p:nvPr/>
-      </p:nvGrpSpPr>
-      <p:grpSpPr>
-        <a:xfrm>
-          <a:off x="0" y="0"/>
-          <a:ext cx="0" cy="0"/>
-          <a:chOff x="0" y="0"/>
-          <a:chExt cx="0" cy="0"/>
-        </a:xfrm>
-      </p:grpSpPr>
-      <p:sp>
-        <p:nvSpPr>
-          <p:cNvPr id="2" name="Título 1">
-            <a:extLst>
-              <a:ext uri="{FF2B5EF4-FFF2-40B4-BE49-F238E27FC236}">
-                <a16:creationId xmlns:a16="http://schemas.microsoft.com/office/drawing/2014/main" id="{6EB710C0-0DE0-976D-ACA8-D3C78E2ABD11}"/>
-              </a:ext>
-            </a:extLst>
-          </p:cNvPr>
-          <p:cNvSpPr>
-            <a:spLocks noGrp="1"/>
-          </p:cNvSpPr>
-          <p:nvPr>
-            <p:ph type="title"/>
-          </p:nvPr>
-        </p:nvSpPr>
-        <p:spPr/>
-        <p:txBody>
-          <a:bodyPr/>
-          <a:lstStyle/>
-          <a:p>
-            <a:r>
-              <a:rPr lang="es-ES" dirty="0"/>
-              <a:t>Dificultades previas a la resolución:</a:t>
-            </a:r>
-            <a:endParaRPr lang="es-AR" dirty="0"/>
-          </a:p>
-        </p:txBody>
-      </p:sp>
-      <p:sp>
-        <p:nvSpPr>
-          <p:cNvPr id="3" name="Marcador de contenido 2">
-            <a:extLst>
-              <a:ext uri="{FF2B5EF4-FFF2-40B4-BE49-F238E27FC236}">
-                <a16:creationId xmlns:a16="http://schemas.microsoft.com/office/drawing/2014/main" id="{875D7445-E3C7-D099-3CC0-656A7CB9A09F}"/>
-              </a:ext>
-            </a:extLst>
-          </p:cNvPr>
-          <p:cNvSpPr>
-            <a:spLocks noGrp="1"/>
-          </p:cNvSpPr>
-          <p:nvPr>
-            <p:ph idx="1"/>
-          </p:nvPr>
-        </p:nvSpPr>
-        <p:spPr/>
-        <p:txBody>
-          <a:bodyPr/>
-          <a:lstStyle/>
-          <a:p>
-            <a:r>
-              <a:rPr lang="es-ES" dirty="0"/>
-              <a:t>Los problemas con los que nos encontramos, en primer lugar, estuvieron vinculados principalmente con las siguientes cuestiones: </a:t>
-            </a:r>
-          </a:p>
-          <a:p>
-            <a:r>
-              <a:rPr lang="es-ES" dirty="0"/>
-              <a:t>¿Cómo abordar las distintas consignas del trabajo práctico?</a:t>
-            </a:r>
-          </a:p>
-          <a:p>
-            <a:r>
-              <a:rPr lang="es-ES" dirty="0"/>
-              <a:t>Ponernos de acuerdo los 5 miembros respecto </a:t>
-            </a:r>
-            <a:r>
-              <a:rPr lang="es-ES"/>
-              <a:t>a cuál </a:t>
-            </a:r>
-            <a:r>
-              <a:rPr lang="es-ES" dirty="0"/>
-              <a:t>era la mejor forma de afrontar la resolución.</a:t>
-            </a:r>
-          </a:p>
-          <a:p>
-            <a:r>
-              <a:rPr lang="es-ES" dirty="0"/>
-              <a:t>Herramienta informática a utilizar.</a:t>
-            </a:r>
-          </a:p>
-          <a:p>
-            <a:r>
-              <a:rPr lang="es-ES" dirty="0"/>
-              <a:t>Decididos a utilizar Python, rápidamente investigar sobre su uso para cuestiones matemáticas. Por fortuna, su curva de aprendizaje es muy baja.</a:t>
-            </a:r>
-            <a:endParaRPr lang="es-AR" dirty="0"/>
-          </a:p>
-          <a:p>
-            <a:r>
-              <a:rPr lang="es-AR" dirty="0"/>
-              <a:t>Coordinación de los miembros para reunirnos virtualmente, dado que todos estamos en situaciones académicas disímiles, y con obligaciones extra académicas en algunos casos.</a:t>
-            </a:r>
-            <a:endParaRPr lang="es-ES" dirty="0"/>
-          </a:p>
-        </p:txBody>
-      </p:sp>
-    </p:spTree>
-    <p:extLst>
-      <p:ext uri="{BB962C8B-B14F-4D97-AF65-F5344CB8AC3E}">
-        <p14:creationId xmlns:p14="http://schemas.microsoft.com/office/powerpoint/2010/main" val="65818549"/>
-      </p:ext>
-    </p:extLst>
-  </p:cSld>
-  <p:clrMapOvr>
-    <a:masterClrMapping/>
-  </p:clrMapOvr>
-  <p:timing>
-    <p:tnLst>
-      <p:par>
-        <p:cTn id="1" dur="indefinite" restart="never" nodeType="tmRoot">
-          <p:childTnLst>
-            <p:seq concurrent="1" nextAc="seek">
-              <p:cTn id="2" dur="indefinite" nodeType="mainSeq">
-                <p:childTnLst>
-                  <p:par>
-                    <p:cTn id="3" fill="hold">
-                      <p:stCondLst>
-                        <p:cond delay="indefinite"/>
-                        <p:cond evt="onBegin" delay="0">
-                          <p:tn val="2"/>
-                        </p:cond>
-                      </p:stCondLst>
-                      <p:childTnLst>
-                        <p:par>
-                          <p:cTn id="4" fill="hold">
-                            <p:stCondLst>
-                              <p:cond delay="0"/>
-                            </p:stCondLst>
-                            <p:childTnLst>
-                              <p:par>
-                                <p:cTn id="5" presetID="22" presetClass="entr" presetSubtype="4" fill="hold" grpId="0" nodeType="afterEffect">
-                                  <p:stCondLst>
-                                    <p:cond delay="0"/>
-                                  </p:stCondLst>
-                                  <p:childTnLst>
-                                    <p:set>
-                                      <p:cBhvr>
-                                        <p:cTn id="6" dur="1" fill="hold">
-                                          <p:stCondLst>
-                                            <p:cond delay="0"/>
-                                          </p:stCondLst>
-                                        </p:cTn>
-                                        <p:tgtEl>
-                                          <p:spTgt spid="2"/>
-                                        </p:tgtEl>
-                                        <p:attrNameLst>
-                                          <p:attrName>style.visibility</p:attrName>
-                                        </p:attrNameLst>
-                                      </p:cBhvr>
-                                      <p:to>
-                                        <p:strVal val="visible"/>
-                                      </p:to>
-                                    </p:set>
-                                    <p:animEffect transition="in" filter="wipe(down)">
-                                      <p:cBhvr>
-                                        <p:cTn id="7" dur="500"/>
-                                        <p:tgtEl>
-                                          <p:spTgt spid="2"/>
-                                        </p:tgtEl>
-                                      </p:cBhvr>
-                                    </p:animEffect>
-                                  </p:childTnLst>
-                                </p:cTn>
-                              </p:par>
-                            </p:childTnLst>
-                          </p:cTn>
-                        </p:par>
-                        <p:par>
-                          <p:cTn id="8" fill="hold">
-                            <p:stCondLst>
-                              <p:cond delay="500"/>
-                            </p:stCondLst>
-                            <p:childTnLst>
-                              <p:par>
-                                <p:cTn id="9" presetID="22" presetClass="entr" presetSubtype="4" fill="hold" grpId="0" nodeType="afterEffect">
-                                  <p:stCondLst>
-                                    <p:cond delay="0"/>
-                                  </p:stCondLst>
-                                  <p:childTnLst>
-                                    <p:set>
-                                      <p:cBhvr>
-                                        <p:cTn id="10" dur="1" fill="hold">
-                                          <p:stCondLst>
-                                            <p:cond delay="0"/>
-                                          </p:stCondLst>
-                                        </p:cTn>
-                                        <p:tgtEl>
-                                          <p:spTgt spid="3">
-                                            <p:txEl>
-                                              <p:pRg st="0" end="0"/>
-                                            </p:txEl>
-                                          </p:spTgt>
-                                        </p:tgtEl>
-                                        <p:attrNameLst>
-                                          <p:attrName>style.visibility</p:attrName>
-                                        </p:attrNameLst>
-                                      </p:cBhvr>
-                                      <p:to>
-                                        <p:strVal val="visible"/>
-                                      </p:to>
-                                    </p:set>
-                                    <p:animEffect transition="in" filter="wipe(down)">
-                                      <p:cBhvr>
-                                        <p:cTn id="11" dur="500"/>
-                                        <p:tgtEl>
-                                          <p:spTgt spid="3">
-                                            <p:txEl>
-                                              <p:pRg st="0" end="0"/>
-                                            </p:txEl>
-                                          </p:spTgt>
-                                        </p:tgtEl>
-                                      </p:cBhvr>
-                                    </p:animEffect>
-                                  </p:childTnLst>
-                                </p:cTn>
-                              </p:par>
-                            </p:childTnLst>
-                          </p:cTn>
-                        </p:par>
-                        <p:par>
-                          <p:cTn id="12" fill="hold">
-                            <p:stCondLst>
-                              <p:cond delay="1000"/>
-                            </p:stCondLst>
-                            <p:childTnLst>
-                              <p:par>
-                                <p:cTn id="13" presetID="22" presetClass="entr" presetSubtype="4" fill="hold" grpId="0" nodeType="afterEffect">
-                                  <p:stCondLst>
-                                    <p:cond delay="0"/>
-                                  </p:stCondLst>
-                                  <p:childTnLst>
-                                    <p:set>
-                                      <p:cBhvr>
-                                        <p:cTn id="14" dur="1" fill="hold">
-                                          <p:stCondLst>
-                                            <p:cond delay="0"/>
-                                          </p:stCondLst>
-                                        </p:cTn>
-                                        <p:tgtEl>
-                                          <p:spTgt spid="3">
-                                            <p:txEl>
-                                              <p:pRg st="1" end="1"/>
-                                            </p:txEl>
-                                          </p:spTgt>
-                                        </p:tgtEl>
-                                        <p:attrNameLst>
-                                          <p:attrName>style.visibility</p:attrName>
-                                        </p:attrNameLst>
-                                      </p:cBhvr>
-                                      <p:to>
-                                        <p:strVal val="visible"/>
-                                      </p:to>
-                                    </p:set>
-                                    <p:animEffect transition="in" filter="wipe(down)">
-                                      <p:cBhvr>
-                                        <p:cTn id="15" dur="500"/>
-                                        <p:tgtEl>
-                                          <p:spTgt spid="3">
-                                            <p:txEl>
-                                              <p:pRg st="1" end="1"/>
-                                            </p:txEl>
-                                          </p:spTgt>
-                                        </p:tgtEl>
-                                      </p:cBhvr>
-                                    </p:animEffect>
-                                  </p:childTnLst>
-                                </p:cTn>
-                              </p:par>
-                            </p:childTnLst>
-                          </p:cTn>
-                        </p:par>
-                        <p:par>
-                          <p:cTn id="16" fill="hold">
-                            <p:stCondLst>
-                              <p:cond delay="1500"/>
-                            </p:stCondLst>
-                            <p:childTnLst>
-                              <p:par>
-                                <p:cTn id="17" presetID="22" presetClass="entr" presetSubtype="4" fill="hold" grpId="0" nodeType="afterEffect">
-                                  <p:stCondLst>
-                                    <p:cond delay="0"/>
-                                  </p:stCondLst>
-                                  <p:childTnLst>
-                                    <p:set>
-                                      <p:cBhvr>
-                                        <p:cTn id="18" dur="1" fill="hold">
-                                          <p:stCondLst>
-                                            <p:cond delay="0"/>
-                                          </p:stCondLst>
-                                        </p:cTn>
-                                        <p:tgtEl>
-                                          <p:spTgt spid="3">
-                                            <p:txEl>
-                                              <p:pRg st="2" end="2"/>
-                                            </p:txEl>
-                                          </p:spTgt>
-                                        </p:tgtEl>
-                                        <p:attrNameLst>
-                                          <p:attrName>style.visibility</p:attrName>
-                                        </p:attrNameLst>
-                                      </p:cBhvr>
-                                      <p:to>
-                                        <p:strVal val="visible"/>
-                                      </p:to>
-                                    </p:set>
-                                    <p:animEffect transition="in" filter="wipe(down)">
-                                      <p:cBhvr>
-                                        <p:cTn id="19" dur="500"/>
-                                        <p:tgtEl>
-                                          <p:spTgt spid="3">
-                                            <p:txEl>
-                                              <p:pRg st="2" end="2"/>
-                                            </p:txEl>
-                                          </p:spTgt>
-                                        </p:tgtEl>
-                                      </p:cBhvr>
-                                    </p:animEffect>
-                                  </p:childTnLst>
-                                </p:cTn>
-                              </p:par>
-                            </p:childTnLst>
-                          </p:cTn>
-                        </p:par>
-                        <p:par>
-                          <p:cTn id="20" fill="hold">
-                            <p:stCondLst>
-                              <p:cond delay="2000"/>
-                            </p:stCondLst>
-                            <p:childTnLst>
-                              <p:par>
-                                <p:cTn id="21" presetID="22" presetClass="entr" presetSubtype="4" fill="hold" grpId="0" nodeType="afterEffect">
-                                  <p:stCondLst>
-                                    <p:cond delay="0"/>
-                                  </p:stCondLst>
-                                  <p:childTnLst>
-                                    <p:set>
-                                      <p:cBhvr>
-                                        <p:cTn id="22" dur="1" fill="hold">
-                                          <p:stCondLst>
-                                            <p:cond delay="0"/>
-                                          </p:stCondLst>
-                                        </p:cTn>
-                                        <p:tgtEl>
-                                          <p:spTgt spid="3">
-                                            <p:txEl>
-                                              <p:pRg st="3" end="3"/>
-                                            </p:txEl>
-                                          </p:spTgt>
-                                        </p:tgtEl>
-                                        <p:attrNameLst>
-                                          <p:attrName>style.visibility</p:attrName>
-                                        </p:attrNameLst>
-                                      </p:cBhvr>
-                                      <p:to>
-                                        <p:strVal val="visible"/>
-                                      </p:to>
-                                    </p:set>
-                                    <p:animEffect transition="in" filter="wipe(down)">
-                                      <p:cBhvr>
-                                        <p:cTn id="23" dur="500"/>
-                                        <p:tgtEl>
-                                          <p:spTgt spid="3">
-                                            <p:txEl>
-                                              <p:pRg st="3" end="3"/>
-                                            </p:txEl>
-                                          </p:spTgt>
-                                        </p:tgtEl>
-                                      </p:cBhvr>
-                                    </p:animEffect>
-                                  </p:childTnLst>
-                                </p:cTn>
-                              </p:par>
-                            </p:childTnLst>
-                          </p:cTn>
-                        </p:par>
-                        <p:par>
-                          <p:cTn id="24" fill="hold">
-                            <p:stCondLst>
-                              <p:cond delay="2500"/>
-                            </p:stCondLst>
-                            <p:childTnLst>
-                              <p:par>
-                                <p:cTn id="25" presetID="22" presetClass="entr" presetSubtype="4" fill="hold" grpId="0" nodeType="afterEffect">
-                                  <p:stCondLst>
-                                    <p:cond delay="0"/>
-                                  </p:stCondLst>
-                                  <p:childTnLst>
-                                    <p:set>
-                                      <p:cBhvr>
-                                        <p:cTn id="26" dur="1" fill="hold">
-                                          <p:stCondLst>
-                                            <p:cond delay="0"/>
-                                          </p:stCondLst>
-                                        </p:cTn>
-                                        <p:tgtEl>
-                                          <p:spTgt spid="3">
-                                            <p:txEl>
-                                              <p:pRg st="4" end="4"/>
-                                            </p:txEl>
-                                          </p:spTgt>
-                                        </p:tgtEl>
-                                        <p:attrNameLst>
-                                          <p:attrName>style.visibility</p:attrName>
-                                        </p:attrNameLst>
-                                      </p:cBhvr>
-                                      <p:to>
-                                        <p:strVal val="visible"/>
-                                      </p:to>
-                                    </p:set>
-                                    <p:animEffect transition="in" filter="wipe(down)">
-                                      <p:cBhvr>
-                                        <p:cTn id="27" dur="500"/>
-                                        <p:tgtEl>
-                                          <p:spTgt spid="3">
-                                            <p:txEl>
-                                              <p:pRg st="4" end="4"/>
-                                            </p:txEl>
-                                          </p:spTgt>
-                                        </p:tgtEl>
-                                      </p:cBhvr>
-                                    </p:animEffect>
-                                  </p:childTnLst>
-                                </p:cTn>
-                              </p:par>
-                            </p:childTnLst>
-                          </p:cTn>
-                        </p:par>
-                        <p:par>
-                          <p:cTn id="28" fill="hold">
-                            <p:stCondLst>
-                              <p:cond delay="3000"/>
-                            </p:stCondLst>
-                            <p:childTnLst>
-                              <p:par>
-                                <p:cTn id="29" presetID="22" presetClass="entr" presetSubtype="4" fill="hold" grpId="0" nodeType="afterEffect">
-                                  <p:stCondLst>
-                                    <p:cond delay="0"/>
-                                  </p:stCondLst>
-                                  <p:childTnLst>
-                                    <p:set>
-                                      <p:cBhvr>
-                                        <p:cTn id="30" dur="1" fill="hold">
-                                          <p:stCondLst>
-                                            <p:cond delay="0"/>
-                                          </p:stCondLst>
-                                        </p:cTn>
-                                        <p:tgtEl>
-                                          <p:spTgt spid="3">
-                                            <p:txEl>
-                                              <p:pRg st="5" end="5"/>
-                                            </p:txEl>
-                                          </p:spTgt>
-                                        </p:tgtEl>
-                                        <p:attrNameLst>
-                                          <p:attrName>style.visibility</p:attrName>
-                                        </p:attrNameLst>
-                                      </p:cBhvr>
-                                      <p:to>
-                                        <p:strVal val="visible"/>
-                                      </p:to>
-                                    </p:set>
-                                    <p:animEffect transition="in" filter="wipe(down)">
-                                      <p:cBhvr>
-                                        <p:cTn id="31" dur="500"/>
-                                        <p:tgtEl>
-                                          <p:spTgt spid="3">
-                                            <p:txEl>
-                                              <p:pRg st="5" end="5"/>
-                                            </p:txEl>
-                                          </p:spTgt>
-                                        </p:tgtEl>
-                                      </p:cBhvr>
-                                    </p:animEffect>
-                                  </p:childTnLst>
-                                </p:cTn>
-                              </p:par>
-                            </p:childTnLst>
-                          </p:cTn>
-                        </p:par>
-                      </p:childTnLst>
-                    </p:cTn>
-                  </p:par>
-                </p:childTnLst>
-              </p:cTn>
-              <p:prevCondLst>
-                <p:cond evt="onPrev" delay="0">
-                  <p:tgtEl>
-                    <p:sldTgt/>
-                  </p:tgtEl>
-                </p:cond>
-              </p:prevCondLst>
-              <p:nextCondLst>
-                <p:cond evt="onNext" delay="0">
-                  <p:tgtEl>
-                    <p:sldTgt/>
-                  </p:tgtEl>
-                </p:cond>
-              </p:nextCondLst>
-            </p:seq>
-          </p:childTnLst>
-        </p:cTn>
-      </p:par>
-    </p:tnLst>
-    <p:bldLst>
-      <p:bldP spid="2" grpId="0"/>
-      <p:bldP spid="3" grpId="0" build="p"/>
-    </p:bldLst>
-  </p:timing>
-</p:sld>
-</file>
-
-<file path=ppt/slides/slide6.xml><?xml version="1.0" encoding="utf-8"?>
 <p:sld xmlns:a="http://schemas.openxmlformats.org/drawingml/2006/main" xmlns:r="http://schemas.openxmlformats.org/officeDocument/2006/relationships" xmlns:p="http://schemas.openxmlformats.org/presentationml/2006/main">
   <p:cSld>
     <p:spTree>
@@ -8139,7 +9938,7 @@
 </p:sld>
 </file>
 
-<file path=ppt/slides/slide7.xml><?xml version="1.0" encoding="utf-8"?>
+<file path=ppt/slides/slide5.xml><?xml version="1.0" encoding="utf-8"?>
 <p:sld xmlns:a="http://schemas.openxmlformats.org/drawingml/2006/main" xmlns:r="http://schemas.openxmlformats.org/officeDocument/2006/relationships" xmlns:p="http://schemas.openxmlformats.org/presentationml/2006/main">
   <p:cSld>
     <p:spTree>
@@ -8161,7 +9960,7 @@
           <p:cNvPr id="2" name="Título 1">
             <a:extLst>
               <a:ext uri="{FF2B5EF4-FFF2-40B4-BE49-F238E27FC236}">
-                <a16:creationId xmlns:a16="http://schemas.microsoft.com/office/drawing/2014/main" id="{D2688855-9890-4CF9-2DCE-F134BD40C7E2}"/>
+                <a16:creationId xmlns:a16="http://schemas.microsoft.com/office/drawing/2014/main" id="{418369E9-4264-9F69-06D3-1E7F354FD6EF}"/>
               </a:ext>
             </a:extLst>
           </p:cNvPr>
@@ -8172,182 +9971,53 @@
             <p:ph type="title"/>
           </p:nvPr>
         </p:nvSpPr>
-        <p:spPr>
-          <a:xfrm>
-            <a:off x="1069848" y="484632"/>
-            <a:ext cx="10058400" cy="1226473"/>
-          </a:xfrm>
-        </p:spPr>
+        <p:spPr/>
         <p:txBody>
-          <a:bodyPr>
-            <a:normAutofit/>
-          </a:bodyPr>
+          <a:bodyPr/>
           <a:lstStyle/>
           <a:p>
-            <a:r>
-              <a:rPr lang="es-ES" sz="4800" dirty="0"/>
-              <a:t>Conclusiones del análisis de señales </a:t>
-            </a:r>
-            <a:r>
-              <a:rPr lang="es-ES" sz="4800" dirty="0" err="1"/>
-              <a:t>eeg</a:t>
-            </a:r>
-            <a:r>
-              <a:rPr lang="es-ES" sz="4800" dirty="0"/>
-              <a:t>:</a:t>
-            </a:r>
-            <a:endParaRPr lang="es-AR" sz="4800" dirty="0"/>
+            <a:pPr algn="ctr"/>
+            <a:r>
+              <a:rPr lang="es-ES" dirty="0"/>
+              <a:t>Dominio temporal: señal filtrada vs. Señal original - fase sano</a:t>
+            </a:r>
+            <a:endParaRPr lang="es-AR" dirty="0"/>
           </a:p>
         </p:txBody>
       </p:sp>
-      <p:sp>
-        <p:nvSpPr>
-          <p:cNvPr id="3" name="Marcador de contenido 2">
+      <p:pic>
+        <p:nvPicPr>
+          <p:cNvPr id="5" name="Marcador de contenido 4" descr="Gráfico&#10;&#10;El contenido generado por IA puede ser incorrecto.">
             <a:extLst>
               <a:ext uri="{FF2B5EF4-FFF2-40B4-BE49-F238E27FC236}">
-                <a16:creationId xmlns:a16="http://schemas.microsoft.com/office/drawing/2014/main" id="{A050C32D-78A7-6D20-2521-BD9BF910560F}"/>
+                <a16:creationId xmlns:a16="http://schemas.microsoft.com/office/drawing/2014/main" id="{C8BE92B8-25DE-256B-F029-2DB54CDD785A}"/>
               </a:ext>
             </a:extLst>
           </p:cNvPr>
-          <p:cNvSpPr>
-            <a:spLocks noGrp="1"/>
-          </p:cNvSpPr>
+          <p:cNvPicPr>
+            <a:picLocks noGrp="1" noChangeAspect="1"/>
+          </p:cNvPicPr>
           <p:nvPr>
             <p:ph idx="1"/>
           </p:nvPr>
-        </p:nvSpPr>
+        </p:nvPicPr>
+        <p:blipFill>
+          <a:blip r:embed="rId2"/>
+          <a:stretch>
+            <a:fillRect/>
+          </a:stretch>
+        </p:blipFill>
         <p:spPr>
           <a:xfrm>
-            <a:off x="1069848" y="1530036"/>
-            <a:ext cx="10058400" cy="4642164"/>
+            <a:off x="1183873" y="2120900"/>
+            <a:ext cx="9830603" cy="4051300"/>
           </a:xfrm>
         </p:spPr>
-        <p:txBody>
-          <a:bodyPr>
-            <a:normAutofit/>
-          </a:bodyPr>
-          <a:lstStyle/>
-          <a:p>
-            <a:r>
-              <a:rPr lang="es-ES" dirty="0"/>
-              <a:t>Transformada de Fourier. </a:t>
-            </a:r>
-            <a:r>
-              <a:rPr lang="es-ES" sz="1800" dirty="0"/>
-              <a:t>Permitió distinguir la </a:t>
-            </a:r>
-            <a:r>
-              <a:rPr lang="es-ES" sz="1800" b="1" dirty="0"/>
-              <a:t>distribución espectral</a:t>
-            </a:r>
-            <a:r>
-              <a:rPr lang="es-ES" sz="1800" dirty="0"/>
-              <a:t> característica de cada estado:</a:t>
-            </a:r>
-          </a:p>
-          <a:p>
-            <a:pPr lvl="1"/>
-            <a:r>
-              <a:rPr lang="es-ES" dirty="0"/>
-              <a:t>Sano: energía concentrada en bandas bajas.</a:t>
-            </a:r>
-          </a:p>
-          <a:p>
-            <a:pPr lvl="1"/>
-            <a:r>
-              <a:rPr lang="es-ES" dirty="0" err="1"/>
-              <a:t>Interictal</a:t>
-            </a:r>
-            <a:r>
-              <a:rPr lang="es-ES" dirty="0"/>
-              <a:t>: distribución más dispersa.</a:t>
-            </a:r>
-          </a:p>
-          <a:p>
-            <a:pPr lvl="1"/>
-            <a:r>
-              <a:rPr lang="es-ES" dirty="0"/>
-              <a:t>Convulsión: espectro caótico y amplio.</a:t>
-            </a:r>
-          </a:p>
-          <a:p>
-            <a:r>
-              <a:rPr lang="es-ES" dirty="0"/>
-              <a:t>Densidad espectral de potencia:</a:t>
-            </a:r>
-          </a:p>
-          <a:p>
-            <a:pPr lvl="1"/>
-            <a:r>
-              <a:rPr lang="es-ES" dirty="0"/>
-              <a:t>Mayor energía en frecuencias inusuales durante la convulsión.</a:t>
-            </a:r>
-          </a:p>
-          <a:p>
-            <a:pPr lvl="1"/>
-            <a:r>
-              <a:rPr lang="es-ES" dirty="0"/>
-              <a:t>Sano muestra potencia más estable y focalizada.</a:t>
-            </a:r>
-          </a:p>
-          <a:p>
-            <a:r>
-              <a:rPr lang="es-AR" dirty="0"/>
-              <a:t>Autocorrelación:</a:t>
-            </a:r>
-          </a:p>
-          <a:p>
-            <a:pPr lvl="1"/>
-            <a:r>
-              <a:rPr lang="es-AR" dirty="0"/>
-              <a:t>Señal sana presenta patrones periódicos.</a:t>
-            </a:r>
-          </a:p>
-          <a:p>
-            <a:pPr lvl="1"/>
-            <a:r>
-              <a:rPr lang="es-ES" dirty="0"/>
-              <a:t>Fase </a:t>
-            </a:r>
-            <a:r>
-              <a:rPr lang="es-ES" dirty="0" err="1"/>
-              <a:t>interictal</a:t>
-            </a:r>
-            <a:r>
-              <a:rPr lang="es-ES" dirty="0"/>
-              <a:t> y convulsiva muestran menor correlación temporal </a:t>
-            </a:r>
-            <a:r>
-              <a:rPr lang="es-AR" dirty="0"/>
-              <a:t>(mayor aleatoriedad).</a:t>
-            </a:r>
-          </a:p>
-          <a:p>
-            <a:r>
-              <a:rPr lang="es-AR" dirty="0"/>
-              <a:t>Filtrado:</a:t>
-            </a:r>
-            <a:r>
-              <a:rPr lang="es-ES" dirty="0"/>
-              <a:t> </a:t>
-            </a:r>
-            <a:r>
-              <a:rPr lang="es-ES" sz="1800" dirty="0"/>
-              <a:t>El uso de pasa bajos ayudó a que nos enfoquemos  en bandas cerebrales relevantes, descartando artefactos de alta frecuencia.</a:t>
-            </a:r>
-          </a:p>
-          <a:p>
-            <a:pPr marL="274320" lvl="1" indent="0">
-              <a:buNone/>
-            </a:pPr>
-            <a:endParaRPr lang="es-AR" dirty="0"/>
-          </a:p>
-        </p:txBody>
-      </p:sp>
+      </p:pic>
     </p:spTree>
     <p:extLst>
       <p:ext uri="{BB962C8B-B14F-4D97-AF65-F5344CB8AC3E}">
-        <p14:creationId xmlns:p14="http://schemas.microsoft.com/office/powerpoint/2010/main" val="1231482930"/>
+        <p14:creationId xmlns:p14="http://schemas.microsoft.com/office/powerpoint/2010/main" val="1754136382"/>
       </p:ext>
     </p:extLst>
   </p:cSld>
@@ -8412,34 +10082,21 @@
                                   </p:childTnLst>
                                 </p:cTn>
                               </p:par>
-                            </p:childTnLst>
-                          </p:cTn>
-                        </p:par>
-                        <p:par>
-                          <p:cTn id="8" fill="hold">
-                            <p:stCondLst>
-                              <p:cond delay="500"/>
-                            </p:stCondLst>
-                            <p:childTnLst>
                               <p:par>
-                                <p:cTn id="9" presetID="22" presetClass="entr" presetSubtype="4" fill="hold" grpId="0" nodeType="afterEffect">
+                                <p:cTn id="8" presetID="22" presetClass="entr" presetSubtype="4" fill="hold" nodeType="withEffect">
                                   <p:stCondLst>
                                     <p:cond delay="0"/>
                                   </p:stCondLst>
                                   <p:childTnLst>
                                     <p:set>
                                       <p:cBhvr>
-                                        <p:cTn id="10" dur="1" fill="hold">
+                                        <p:cTn id="9" dur="1" fill="hold">
                                           <p:stCondLst>
                                             <p:cond delay="0"/>
                                           </p:stCondLst>
                                         </p:cTn>
                                         <p:tgtEl>
-                                          <p:spTgt spid="3">
-                                            <p:txEl>
-                                              <p:pRg st="0" end="0"/>
-                                            </p:txEl>
-                                          </p:spTgt>
+                                          <p:spTgt spid="5"/>
                                         </p:tgtEl>
                                         <p:attrNameLst>
                                           <p:attrName>style.visibility</p:attrName>
@@ -8451,533 +10108,9 @@
                                     </p:set>
                                     <p:animEffect transition="in" filter="wipe(down)">
                                       <p:cBhvr>
-                                        <p:cTn id="11" dur="500"/>
-                                        <p:tgtEl>
-                                          <p:spTgt spid="3">
-                                            <p:txEl>
-                                              <p:pRg st="0" end="0"/>
-                                            </p:txEl>
-                                          </p:spTgt>
-                                        </p:tgtEl>
-                                      </p:cBhvr>
-                                    </p:animEffect>
-                                  </p:childTnLst>
-                                </p:cTn>
-                              </p:par>
-                            </p:childTnLst>
-                          </p:cTn>
-                        </p:par>
-                        <p:par>
-                          <p:cTn id="12" fill="hold">
-                            <p:stCondLst>
-                              <p:cond delay="1000"/>
-                            </p:stCondLst>
-                            <p:childTnLst>
-                              <p:par>
-                                <p:cTn id="13" presetID="22" presetClass="entr" presetSubtype="4" fill="hold" grpId="0" nodeType="afterEffect">
-                                  <p:stCondLst>
-                                    <p:cond delay="0"/>
-                                  </p:stCondLst>
-                                  <p:childTnLst>
-                                    <p:set>
-                                      <p:cBhvr>
-                                        <p:cTn id="14" dur="1" fill="hold">
-                                          <p:stCondLst>
-                                            <p:cond delay="0"/>
-                                          </p:stCondLst>
-                                        </p:cTn>
-                                        <p:tgtEl>
-                                          <p:spTgt spid="3">
-                                            <p:txEl>
-                                              <p:pRg st="1" end="1"/>
-                                            </p:txEl>
-                                          </p:spTgt>
-                                        </p:tgtEl>
-                                        <p:attrNameLst>
-                                          <p:attrName>style.visibility</p:attrName>
-                                        </p:attrNameLst>
-                                      </p:cBhvr>
-                                      <p:to>
-                                        <p:strVal val="visible"/>
-                                      </p:to>
-                                    </p:set>
-                                    <p:animEffect transition="in" filter="wipe(down)">
-                                      <p:cBhvr>
-                                        <p:cTn id="15" dur="500"/>
-                                        <p:tgtEl>
-                                          <p:spTgt spid="3">
-                                            <p:txEl>
-                                              <p:pRg st="1" end="1"/>
-                                            </p:txEl>
-                                          </p:spTgt>
-                                        </p:tgtEl>
-                                      </p:cBhvr>
-                                    </p:animEffect>
-                                  </p:childTnLst>
-                                </p:cTn>
-                              </p:par>
-                            </p:childTnLst>
-                          </p:cTn>
-                        </p:par>
-                        <p:par>
-                          <p:cTn id="16" fill="hold">
-                            <p:stCondLst>
-                              <p:cond delay="1500"/>
-                            </p:stCondLst>
-                            <p:childTnLst>
-                              <p:par>
-                                <p:cTn id="17" presetID="22" presetClass="entr" presetSubtype="4" fill="hold" grpId="0" nodeType="afterEffect">
-                                  <p:stCondLst>
-                                    <p:cond delay="0"/>
-                                  </p:stCondLst>
-                                  <p:childTnLst>
-                                    <p:set>
-                                      <p:cBhvr>
-                                        <p:cTn id="18" dur="1" fill="hold">
-                                          <p:stCondLst>
-                                            <p:cond delay="0"/>
-                                          </p:stCondLst>
-                                        </p:cTn>
-                                        <p:tgtEl>
-                                          <p:spTgt spid="3">
-                                            <p:txEl>
-                                              <p:pRg st="2" end="2"/>
-                                            </p:txEl>
-                                          </p:spTgt>
-                                        </p:tgtEl>
-                                        <p:attrNameLst>
-                                          <p:attrName>style.visibility</p:attrName>
-                                        </p:attrNameLst>
-                                      </p:cBhvr>
-                                      <p:to>
-                                        <p:strVal val="visible"/>
-                                      </p:to>
-                                    </p:set>
-                                    <p:animEffect transition="in" filter="wipe(down)">
-                                      <p:cBhvr>
-                                        <p:cTn id="19" dur="500"/>
-                                        <p:tgtEl>
-                                          <p:spTgt spid="3">
-                                            <p:txEl>
-                                              <p:pRg st="2" end="2"/>
-                                            </p:txEl>
-                                          </p:spTgt>
-                                        </p:tgtEl>
-                                      </p:cBhvr>
-                                    </p:animEffect>
-                                  </p:childTnLst>
-                                </p:cTn>
-                              </p:par>
-                            </p:childTnLst>
-                          </p:cTn>
-                        </p:par>
-                        <p:par>
-                          <p:cTn id="20" fill="hold">
-                            <p:stCondLst>
-                              <p:cond delay="2000"/>
-                            </p:stCondLst>
-                            <p:childTnLst>
-                              <p:par>
-                                <p:cTn id="21" presetID="22" presetClass="entr" presetSubtype="4" fill="hold" grpId="0" nodeType="afterEffect">
-                                  <p:stCondLst>
-                                    <p:cond delay="0"/>
-                                  </p:stCondLst>
-                                  <p:childTnLst>
-                                    <p:set>
-                                      <p:cBhvr>
-                                        <p:cTn id="22" dur="1" fill="hold">
-                                          <p:stCondLst>
-                                            <p:cond delay="0"/>
-                                          </p:stCondLst>
-                                        </p:cTn>
-                                        <p:tgtEl>
-                                          <p:spTgt spid="3">
-                                            <p:txEl>
-                                              <p:pRg st="3" end="3"/>
-                                            </p:txEl>
-                                          </p:spTgt>
-                                        </p:tgtEl>
-                                        <p:attrNameLst>
-                                          <p:attrName>style.visibility</p:attrName>
-                                        </p:attrNameLst>
-                                      </p:cBhvr>
-                                      <p:to>
-                                        <p:strVal val="visible"/>
-                                      </p:to>
-                                    </p:set>
-                                    <p:animEffect transition="in" filter="wipe(down)">
-                                      <p:cBhvr>
-                                        <p:cTn id="23" dur="500"/>
-                                        <p:tgtEl>
-                                          <p:spTgt spid="3">
-                                            <p:txEl>
-                                              <p:pRg st="3" end="3"/>
-                                            </p:txEl>
-                                          </p:spTgt>
-                                        </p:tgtEl>
-                                      </p:cBhvr>
-                                    </p:animEffect>
-                                  </p:childTnLst>
-                                </p:cTn>
-                              </p:par>
-                            </p:childTnLst>
-                          </p:cTn>
-                        </p:par>
-                        <p:par>
-                          <p:cTn id="24" fill="hold">
-                            <p:stCondLst>
-                              <p:cond delay="2500"/>
-                            </p:stCondLst>
-                            <p:childTnLst>
-                              <p:par>
-                                <p:cTn id="25" presetID="22" presetClass="entr" presetSubtype="4" fill="hold" grpId="0" nodeType="afterEffect">
-                                  <p:stCondLst>
-                                    <p:cond delay="0"/>
-                                  </p:stCondLst>
-                                  <p:childTnLst>
-                                    <p:set>
-                                      <p:cBhvr>
-                                        <p:cTn id="26" dur="1" fill="hold">
-                                          <p:stCondLst>
-                                            <p:cond delay="0"/>
-                                          </p:stCondLst>
-                                        </p:cTn>
-                                        <p:tgtEl>
-                                          <p:spTgt spid="3">
-                                            <p:txEl>
-                                              <p:pRg st="4" end="4"/>
-                                            </p:txEl>
-                                          </p:spTgt>
-                                        </p:tgtEl>
-                                        <p:attrNameLst>
-                                          <p:attrName>style.visibility</p:attrName>
-                                        </p:attrNameLst>
-                                      </p:cBhvr>
-                                      <p:to>
-                                        <p:strVal val="visible"/>
-                                      </p:to>
-                                    </p:set>
-                                    <p:animEffect transition="in" filter="wipe(down)">
-                                      <p:cBhvr>
-                                        <p:cTn id="27" dur="500"/>
-                                        <p:tgtEl>
-                                          <p:spTgt spid="3">
-                                            <p:txEl>
-                                              <p:pRg st="4" end="4"/>
-                                            </p:txEl>
-                                          </p:spTgt>
-                                        </p:tgtEl>
-                                      </p:cBhvr>
-                                    </p:animEffect>
-                                  </p:childTnLst>
-                                </p:cTn>
-                              </p:par>
-                            </p:childTnLst>
-                          </p:cTn>
-                        </p:par>
-                        <p:par>
-                          <p:cTn id="28" fill="hold">
-                            <p:stCondLst>
-                              <p:cond delay="3000"/>
-                            </p:stCondLst>
-                            <p:childTnLst>
-                              <p:par>
-                                <p:cTn id="29" presetID="22" presetClass="entr" presetSubtype="4" fill="hold" grpId="0" nodeType="afterEffect">
-                                  <p:stCondLst>
-                                    <p:cond delay="0"/>
-                                  </p:stCondLst>
-                                  <p:childTnLst>
-                                    <p:set>
-                                      <p:cBhvr>
-                                        <p:cTn id="30" dur="1" fill="hold">
-                                          <p:stCondLst>
-                                            <p:cond delay="0"/>
-                                          </p:stCondLst>
-                                        </p:cTn>
-                                        <p:tgtEl>
-                                          <p:spTgt spid="3">
-                                            <p:txEl>
-                                              <p:pRg st="5" end="5"/>
-                                            </p:txEl>
-                                          </p:spTgt>
-                                        </p:tgtEl>
-                                        <p:attrNameLst>
-                                          <p:attrName>style.visibility</p:attrName>
-                                        </p:attrNameLst>
-                                      </p:cBhvr>
-                                      <p:to>
-                                        <p:strVal val="visible"/>
-                                      </p:to>
-                                    </p:set>
-                                    <p:animEffect transition="in" filter="wipe(down)">
-                                      <p:cBhvr>
-                                        <p:cTn id="31" dur="500"/>
-                                        <p:tgtEl>
-                                          <p:spTgt spid="3">
-                                            <p:txEl>
-                                              <p:pRg st="5" end="5"/>
-                                            </p:txEl>
-                                          </p:spTgt>
-                                        </p:tgtEl>
-                                      </p:cBhvr>
-                                    </p:animEffect>
-                                  </p:childTnLst>
-                                </p:cTn>
-                              </p:par>
-                            </p:childTnLst>
-                          </p:cTn>
-                        </p:par>
-                        <p:par>
-                          <p:cTn id="32" fill="hold">
-                            <p:stCondLst>
-                              <p:cond delay="3500"/>
-                            </p:stCondLst>
-                            <p:childTnLst>
-                              <p:par>
-                                <p:cTn id="33" presetID="22" presetClass="entr" presetSubtype="4" fill="hold" grpId="0" nodeType="afterEffect">
-                                  <p:stCondLst>
-                                    <p:cond delay="0"/>
-                                  </p:stCondLst>
-                                  <p:childTnLst>
-                                    <p:set>
-                                      <p:cBhvr>
-                                        <p:cTn id="34" dur="1" fill="hold">
-                                          <p:stCondLst>
-                                            <p:cond delay="0"/>
-                                          </p:stCondLst>
-                                        </p:cTn>
-                                        <p:tgtEl>
-                                          <p:spTgt spid="3">
-                                            <p:txEl>
-                                              <p:pRg st="6" end="6"/>
-                                            </p:txEl>
-                                          </p:spTgt>
-                                        </p:tgtEl>
-                                        <p:attrNameLst>
-                                          <p:attrName>style.visibility</p:attrName>
-                                        </p:attrNameLst>
-                                      </p:cBhvr>
-                                      <p:to>
-                                        <p:strVal val="visible"/>
-                                      </p:to>
-                                    </p:set>
-                                    <p:animEffect transition="in" filter="wipe(down)">
-                                      <p:cBhvr>
-                                        <p:cTn id="35" dur="500"/>
-                                        <p:tgtEl>
-                                          <p:spTgt spid="3">
-                                            <p:txEl>
-                                              <p:pRg st="6" end="6"/>
-                                            </p:txEl>
-                                          </p:spTgt>
-                                        </p:tgtEl>
-                                      </p:cBhvr>
-                                    </p:animEffect>
-                                  </p:childTnLst>
-                                </p:cTn>
-                              </p:par>
-                            </p:childTnLst>
-                          </p:cTn>
-                        </p:par>
-                        <p:par>
-                          <p:cTn id="36" fill="hold">
-                            <p:stCondLst>
-                              <p:cond delay="4000"/>
-                            </p:stCondLst>
-                            <p:childTnLst>
-                              <p:par>
-                                <p:cTn id="37" presetID="22" presetClass="entr" presetSubtype="4" fill="hold" grpId="0" nodeType="afterEffect">
-                                  <p:stCondLst>
-                                    <p:cond delay="0"/>
-                                  </p:stCondLst>
-                                  <p:childTnLst>
-                                    <p:set>
-                                      <p:cBhvr>
-                                        <p:cTn id="38" dur="1" fill="hold">
-                                          <p:stCondLst>
-                                            <p:cond delay="0"/>
-                                          </p:stCondLst>
-                                        </p:cTn>
-                                        <p:tgtEl>
-                                          <p:spTgt spid="3">
-                                            <p:txEl>
-                                              <p:pRg st="7" end="7"/>
-                                            </p:txEl>
-                                          </p:spTgt>
-                                        </p:tgtEl>
-                                        <p:attrNameLst>
-                                          <p:attrName>style.visibility</p:attrName>
-                                        </p:attrNameLst>
-                                      </p:cBhvr>
-                                      <p:to>
-                                        <p:strVal val="visible"/>
-                                      </p:to>
-                                    </p:set>
-                                    <p:animEffect transition="in" filter="wipe(down)">
-                                      <p:cBhvr>
-                                        <p:cTn id="39" dur="500"/>
-                                        <p:tgtEl>
-                                          <p:spTgt spid="3">
-                                            <p:txEl>
-                                              <p:pRg st="7" end="7"/>
-                                            </p:txEl>
-                                          </p:spTgt>
-                                        </p:tgtEl>
-                                      </p:cBhvr>
-                                    </p:animEffect>
-                                  </p:childTnLst>
-                                </p:cTn>
-                              </p:par>
-                            </p:childTnLst>
-                          </p:cTn>
-                        </p:par>
-                        <p:par>
-                          <p:cTn id="40" fill="hold">
-                            <p:stCondLst>
-                              <p:cond delay="4500"/>
-                            </p:stCondLst>
-                            <p:childTnLst>
-                              <p:par>
-                                <p:cTn id="41" presetID="22" presetClass="entr" presetSubtype="4" fill="hold" grpId="0" nodeType="afterEffect">
-                                  <p:stCondLst>
-                                    <p:cond delay="0"/>
-                                  </p:stCondLst>
-                                  <p:childTnLst>
-                                    <p:set>
-                                      <p:cBhvr>
-                                        <p:cTn id="42" dur="1" fill="hold">
-                                          <p:stCondLst>
-                                            <p:cond delay="0"/>
-                                          </p:stCondLst>
-                                        </p:cTn>
-                                        <p:tgtEl>
-                                          <p:spTgt spid="3">
-                                            <p:txEl>
-                                              <p:pRg st="8" end="8"/>
-                                            </p:txEl>
-                                          </p:spTgt>
-                                        </p:tgtEl>
-                                        <p:attrNameLst>
-                                          <p:attrName>style.visibility</p:attrName>
-                                        </p:attrNameLst>
-                                      </p:cBhvr>
-                                      <p:to>
-                                        <p:strVal val="visible"/>
-                                      </p:to>
-                                    </p:set>
-                                    <p:animEffect transition="in" filter="wipe(down)">
-                                      <p:cBhvr>
-                                        <p:cTn id="43" dur="500"/>
-                                        <p:tgtEl>
-                                          <p:spTgt spid="3">
-                                            <p:txEl>
-                                              <p:pRg st="8" end="8"/>
-                                            </p:txEl>
-                                          </p:spTgt>
-                                        </p:tgtEl>
-                                      </p:cBhvr>
-                                    </p:animEffect>
-                                  </p:childTnLst>
-                                </p:cTn>
-                              </p:par>
-                            </p:childTnLst>
-                          </p:cTn>
-                        </p:par>
-                        <p:par>
-                          <p:cTn id="44" fill="hold">
-                            <p:stCondLst>
-                              <p:cond delay="5000"/>
-                            </p:stCondLst>
-                            <p:childTnLst>
-                              <p:par>
-                                <p:cTn id="45" presetID="22" presetClass="entr" presetSubtype="4" fill="hold" grpId="0" nodeType="afterEffect">
-                                  <p:stCondLst>
-                                    <p:cond delay="0"/>
-                                  </p:stCondLst>
-                                  <p:childTnLst>
-                                    <p:set>
-                                      <p:cBhvr>
-                                        <p:cTn id="46" dur="1" fill="hold">
-                                          <p:stCondLst>
-                                            <p:cond delay="0"/>
-                                          </p:stCondLst>
-                                        </p:cTn>
-                                        <p:tgtEl>
-                                          <p:spTgt spid="3">
-                                            <p:txEl>
-                                              <p:pRg st="9" end="9"/>
-                                            </p:txEl>
-                                          </p:spTgt>
-                                        </p:tgtEl>
-                                        <p:attrNameLst>
-                                          <p:attrName>style.visibility</p:attrName>
-                                        </p:attrNameLst>
-                                      </p:cBhvr>
-                                      <p:to>
-                                        <p:strVal val="visible"/>
-                                      </p:to>
-                                    </p:set>
-                                    <p:animEffect transition="in" filter="wipe(down)">
-                                      <p:cBhvr>
-                                        <p:cTn id="47" dur="500"/>
-                                        <p:tgtEl>
-                                          <p:spTgt spid="3">
-                                            <p:txEl>
-                                              <p:pRg st="9" end="9"/>
-                                            </p:txEl>
-                                          </p:spTgt>
-                                        </p:tgtEl>
-                                      </p:cBhvr>
-                                    </p:animEffect>
-                                  </p:childTnLst>
-                                </p:cTn>
-                              </p:par>
-                            </p:childTnLst>
-                          </p:cTn>
-                        </p:par>
-                        <p:par>
-                          <p:cTn id="48" fill="hold">
-                            <p:stCondLst>
-                              <p:cond delay="5500"/>
-                            </p:stCondLst>
-                            <p:childTnLst>
-                              <p:par>
-                                <p:cTn id="49" presetID="22" presetClass="entr" presetSubtype="4" fill="hold" grpId="0" nodeType="afterEffect">
-                                  <p:stCondLst>
-                                    <p:cond delay="0"/>
-                                  </p:stCondLst>
-                                  <p:childTnLst>
-                                    <p:set>
-                                      <p:cBhvr>
-                                        <p:cTn id="50" dur="1" fill="hold">
-                                          <p:stCondLst>
-                                            <p:cond delay="0"/>
-                                          </p:stCondLst>
-                                        </p:cTn>
-                                        <p:tgtEl>
-                                          <p:spTgt spid="3">
-                                            <p:txEl>
-                                              <p:pRg st="10" end="10"/>
-                                            </p:txEl>
-                                          </p:spTgt>
-                                        </p:tgtEl>
-                                        <p:attrNameLst>
-                                          <p:attrName>style.visibility</p:attrName>
-                                        </p:attrNameLst>
-                                      </p:cBhvr>
-                                      <p:to>
-                                        <p:strVal val="visible"/>
-                                      </p:to>
-                                    </p:set>
-                                    <p:animEffect transition="in" filter="wipe(down)">
-                                      <p:cBhvr>
-                                        <p:cTn id="51" dur="500"/>
-                                        <p:tgtEl>
-                                          <p:spTgt spid="3">
-                                            <p:txEl>
-                                              <p:pRg st="10" end="10"/>
-                                            </p:txEl>
-                                          </p:spTgt>
+                                        <p:cTn id="10" dur="500"/>
+                                        <p:tgtEl>
+                                          <p:spTgt spid="5"/>
                                         </p:tgtEl>
                                       </p:cBhvr>
                                     </p:animEffect>
@@ -9013,13 +10146,12 @@
     </p:tnLst>
     <p:bldLst>
       <p:bldP spid="2" grpId="0"/>
-      <p:bldP spid="3" grpId="0" build="p"/>
     </p:bldLst>
   </p:timing>
 </p:sld>
 </file>
 
-<file path=ppt/slides/slide8.xml><?xml version="1.0" encoding="utf-8"?>
+<file path=ppt/slides/slide6.xml><?xml version="1.0" encoding="utf-8"?>
 <p:sld xmlns:a="http://schemas.openxmlformats.org/drawingml/2006/main" xmlns:r="http://schemas.openxmlformats.org/officeDocument/2006/relationships" xmlns:p="http://schemas.openxmlformats.org/presentationml/2006/main">
   <p:cSld>
     <p:spTree>
@@ -9041,7 +10173,7 @@
           <p:cNvPr id="2" name="Título 1">
             <a:extLst>
               <a:ext uri="{FF2B5EF4-FFF2-40B4-BE49-F238E27FC236}">
-                <a16:creationId xmlns:a16="http://schemas.microsoft.com/office/drawing/2014/main" id="{4B09397A-F005-71A3-0986-AB601D18B027}"/>
+                <a16:creationId xmlns:a16="http://schemas.microsoft.com/office/drawing/2014/main" id="{035E89CF-7A9D-52FF-E9C9-A12FCEB39A61}"/>
               </a:ext>
             </a:extLst>
           </p:cNvPr>
@@ -9052,137 +10184,57 @@
             <p:ph type="title"/>
           </p:nvPr>
         </p:nvSpPr>
-        <p:spPr>
-          <a:xfrm>
-            <a:off x="1069848" y="755965"/>
-            <a:ext cx="10058400" cy="3562538"/>
-          </a:xfrm>
-        </p:spPr>
+        <p:spPr/>
         <p:txBody>
-          <a:bodyPr>
-            <a:normAutofit/>
-          </a:bodyPr>
+          <a:bodyPr/>
           <a:lstStyle/>
           <a:p>
-            <a:r>
-              <a:rPr lang="es-ES" sz="6000" dirty="0"/>
-              <a:t>¡muchas gracias por su atención!</a:t>
-            </a:r>
-            <a:endParaRPr lang="es-AR" sz="6000" dirty="0"/>
+            <a:pPr algn="ctr"/>
+            <a:r>
+              <a:rPr lang="es-ES" dirty="0"/>
+              <a:t>Dominio temporal: señal filtrada vs. Señal original - fase </a:t>
+            </a:r>
+            <a:r>
+              <a:rPr lang="es-ES" dirty="0" err="1"/>
+              <a:t>interictal</a:t>
+            </a:r>
+            <a:endParaRPr lang="es-AR" dirty="0"/>
           </a:p>
         </p:txBody>
       </p:sp>
-      <p:sp>
-        <p:nvSpPr>
-          <p:cNvPr id="3" name="Marcador de contenido 2">
+      <p:pic>
+        <p:nvPicPr>
+          <p:cNvPr id="5" name="Marcador de contenido 4" descr="Gráfico&#10;&#10;El contenido generado por IA puede ser incorrecto.">
             <a:extLst>
               <a:ext uri="{FF2B5EF4-FFF2-40B4-BE49-F238E27FC236}">
-                <a16:creationId xmlns:a16="http://schemas.microsoft.com/office/drawing/2014/main" id="{16DE44CC-CBBF-C7CB-0BE0-1656CA5EE2E9}"/>
+                <a16:creationId xmlns:a16="http://schemas.microsoft.com/office/drawing/2014/main" id="{CF4E7C37-98AF-1BB1-3641-9929D76F62B2}"/>
               </a:ext>
             </a:extLst>
           </p:cNvPr>
-          <p:cNvSpPr>
-            <a:spLocks noGrp="1"/>
-          </p:cNvSpPr>
+          <p:cNvPicPr>
+            <a:picLocks noGrp="1" noChangeAspect="1"/>
+          </p:cNvPicPr>
           <p:nvPr>
             <p:ph idx="1"/>
           </p:nvPr>
-        </p:nvSpPr>
+        </p:nvPicPr>
+        <p:blipFill>
+          <a:blip r:embed="rId2"/>
+          <a:stretch>
+            <a:fillRect/>
+          </a:stretch>
+        </p:blipFill>
         <p:spPr>
           <a:xfrm>
-            <a:off x="1069848" y="4146487"/>
-            <a:ext cx="10058400" cy="1955549"/>
+            <a:off x="1183873" y="2120900"/>
+            <a:ext cx="9830603" cy="4051300"/>
           </a:xfrm>
         </p:spPr>
-        <p:txBody>
-          <a:bodyPr>
-            <a:normAutofit fontScale="92500" lnSpcReduction="10000"/>
-          </a:bodyPr>
-          <a:lstStyle/>
-          <a:p>
-            <a:pPr marL="0" indent="0">
-              <a:buNone/>
-            </a:pPr>
-            <a:r>
-              <a:rPr lang="es-ES" dirty="0"/>
-              <a:t>Exequiel Farías  </a:t>
-            </a:r>
-          </a:p>
-          <a:p>
-            <a:pPr marL="0" indent="0">
-              <a:buNone/>
-            </a:pPr>
-            <a:r>
-              <a:rPr lang="es-ES" dirty="0"/>
-              <a:t>Juan Diego </a:t>
-            </a:r>
-            <a:r>
-              <a:rPr lang="es-ES" dirty="0" err="1"/>
-              <a:t>Paduli</a:t>
-            </a:r>
-            <a:r>
-              <a:rPr lang="es-ES" dirty="0"/>
-              <a:t>  </a:t>
-            </a:r>
-          </a:p>
-          <a:p>
-            <a:pPr marL="0" indent="0">
-              <a:buNone/>
-            </a:pPr>
-            <a:r>
-              <a:rPr lang="es-ES" dirty="0"/>
-              <a:t>Yamil Arturo </a:t>
-            </a:r>
-            <a:r>
-              <a:rPr lang="es-ES" dirty="0" err="1"/>
-              <a:t>Rafart</a:t>
-            </a:r>
-            <a:r>
-              <a:rPr lang="es-ES" dirty="0"/>
-              <a:t> </a:t>
-            </a:r>
-          </a:p>
-          <a:p>
-            <a:pPr marL="0" indent="0">
-              <a:buNone/>
-            </a:pPr>
-            <a:r>
-              <a:rPr lang="es-ES" dirty="0"/>
-              <a:t>Bautista </a:t>
-            </a:r>
-            <a:r>
-              <a:rPr lang="es-ES" dirty="0" err="1"/>
-              <a:t>Bagnarol</a:t>
-            </a:r>
-            <a:r>
-              <a:rPr lang="es-ES" dirty="0"/>
-              <a:t> </a:t>
-            </a:r>
-            <a:r>
-              <a:rPr lang="es-ES" dirty="0" err="1"/>
-              <a:t>Audicio</a:t>
-            </a:r>
-            <a:r>
-              <a:rPr lang="es-ES" dirty="0"/>
-              <a:t>  </a:t>
-            </a:r>
-          </a:p>
-          <a:p>
-            <a:pPr marL="0" indent="0">
-              <a:buNone/>
-            </a:pPr>
-            <a:r>
-              <a:rPr lang="es-ES" dirty="0"/>
-              <a:t>Diego Fernando Danelone</a:t>
-            </a:r>
-            <a:endParaRPr lang="es-AR" dirty="0"/>
-          </a:p>
-        </p:txBody>
-      </p:sp>
+      </p:pic>
     </p:spTree>
     <p:extLst>
       <p:ext uri="{BB962C8B-B14F-4D97-AF65-F5344CB8AC3E}">
-        <p14:creationId xmlns:p14="http://schemas.microsoft.com/office/powerpoint/2010/main" val="1988625949"/>
+        <p14:creationId xmlns:p14="http://schemas.microsoft.com/office/powerpoint/2010/main" val="1300507075"/>
       </p:ext>
     </p:extLst>
   </p:cSld>
@@ -9213,7 +10265,7 @@
                             </p:stCondLst>
                             <p:childTnLst>
                               <p:par>
-                                <p:cTn id="5" presetID="10" presetClass="entr" presetSubtype="0" fill="hold" grpId="0" nodeType="afterEffect">
+                                <p:cTn id="5" presetID="22" presetClass="entr" presetSubtype="4" fill="hold" grpId="0" nodeType="afterEffect">
                                   <p:stCondLst>
                                     <p:cond delay="0"/>
                                   </p:stCondLst>
@@ -9236,7 +10288,7 @@
                                         <p:strVal val="visible"/>
                                       </p:to>
                                     </p:set>
-                                    <p:animEffect transition="in" filter="fade">
+                                    <p:animEffect transition="in" filter="wipe(down)">
                                       <p:cBhvr>
                                         <p:cTn id="7" dur="500"/>
                                         <p:tgtEl>
@@ -9247,34 +10299,21 @@
                                   </p:childTnLst>
                                 </p:cTn>
                               </p:par>
-                            </p:childTnLst>
-                          </p:cTn>
-                        </p:par>
-                        <p:par>
-                          <p:cTn id="8" fill="hold">
-                            <p:stCondLst>
-                              <p:cond delay="500"/>
-                            </p:stCondLst>
-                            <p:childTnLst>
                               <p:par>
-                                <p:cTn id="9" presetID="16" presetClass="entr" presetSubtype="21" fill="hold" grpId="0" nodeType="afterEffect">
+                                <p:cTn id="8" presetID="22" presetClass="entr" presetSubtype="4" fill="hold" nodeType="withEffect">
                                   <p:stCondLst>
                                     <p:cond delay="0"/>
                                   </p:stCondLst>
                                   <p:childTnLst>
                                     <p:set>
                                       <p:cBhvr>
-                                        <p:cTn id="10" dur="1" fill="hold">
+                                        <p:cTn id="9" dur="1" fill="hold">
                                           <p:stCondLst>
                                             <p:cond delay="0"/>
                                           </p:stCondLst>
                                         </p:cTn>
                                         <p:tgtEl>
-                                          <p:spTgt spid="3">
-                                            <p:txEl>
-                                              <p:pRg st="0" end="0"/>
-                                            </p:txEl>
-                                          </p:spTgt>
+                                          <p:spTgt spid="5"/>
                                         </p:tgtEl>
                                         <p:attrNameLst>
                                           <p:attrName>style.visibility</p:attrName>
@@ -9284,223 +10323,11 @@
                                         <p:strVal val="visible"/>
                                       </p:to>
                                     </p:set>
-                                    <p:animEffect transition="in" filter="barn(inVertical)">
-                                      <p:cBhvr>
-                                        <p:cTn id="11" dur="500"/>
-                                        <p:tgtEl>
-                                          <p:spTgt spid="3">
-                                            <p:txEl>
-                                              <p:pRg st="0" end="0"/>
-                                            </p:txEl>
-                                          </p:spTgt>
-                                        </p:tgtEl>
-                                      </p:cBhvr>
-                                    </p:animEffect>
-                                  </p:childTnLst>
-                                </p:cTn>
-                              </p:par>
-                            </p:childTnLst>
-                          </p:cTn>
-                        </p:par>
-                        <p:par>
-                          <p:cTn id="12" fill="hold">
-                            <p:stCondLst>
-                              <p:cond delay="1000"/>
-                            </p:stCondLst>
-                            <p:childTnLst>
-                              <p:par>
-                                <p:cTn id="13" presetID="16" presetClass="entr" presetSubtype="21" fill="hold" grpId="0" nodeType="afterEffect">
-                                  <p:stCondLst>
-                                    <p:cond delay="0"/>
-                                  </p:stCondLst>
-                                  <p:childTnLst>
-                                    <p:set>
-                                      <p:cBhvr>
-                                        <p:cTn id="14" dur="1" fill="hold">
-                                          <p:stCondLst>
-                                            <p:cond delay="0"/>
-                                          </p:stCondLst>
-                                        </p:cTn>
-                                        <p:tgtEl>
-                                          <p:spTgt spid="3">
-                                            <p:txEl>
-                                              <p:pRg st="1" end="1"/>
-                                            </p:txEl>
-                                          </p:spTgt>
-                                        </p:tgtEl>
-                                        <p:attrNameLst>
-                                          <p:attrName>style.visibility</p:attrName>
-                                        </p:attrNameLst>
-                                      </p:cBhvr>
-                                      <p:to>
-                                        <p:strVal val="visible"/>
-                                      </p:to>
-                                    </p:set>
-                                    <p:animEffect transition="in" filter="barn(inVertical)">
-                                      <p:cBhvr>
-                                        <p:cTn id="15" dur="500"/>
-                                        <p:tgtEl>
-                                          <p:spTgt spid="3">
-                                            <p:txEl>
-                                              <p:pRg st="1" end="1"/>
-                                            </p:txEl>
-                                          </p:spTgt>
-                                        </p:tgtEl>
-                                      </p:cBhvr>
-                                    </p:animEffect>
-                                  </p:childTnLst>
-                                </p:cTn>
-                              </p:par>
-                            </p:childTnLst>
-                          </p:cTn>
-                        </p:par>
-                        <p:par>
-                          <p:cTn id="16" fill="hold">
-                            <p:stCondLst>
-                              <p:cond delay="1500"/>
-                            </p:stCondLst>
-                            <p:childTnLst>
-                              <p:par>
-                                <p:cTn id="17" presetID="16" presetClass="entr" presetSubtype="21" fill="hold" grpId="0" nodeType="afterEffect">
-                                  <p:stCondLst>
-                                    <p:cond delay="0"/>
-                                  </p:stCondLst>
-                                  <p:childTnLst>
-                                    <p:set>
-                                      <p:cBhvr>
-                                        <p:cTn id="18" dur="1" fill="hold">
-                                          <p:stCondLst>
-                                            <p:cond delay="0"/>
-                                          </p:stCondLst>
-                                        </p:cTn>
-                                        <p:tgtEl>
-                                          <p:spTgt spid="3">
-                                            <p:txEl>
-                                              <p:pRg st="2" end="2"/>
-                                            </p:txEl>
-                                          </p:spTgt>
-                                        </p:tgtEl>
-                                        <p:attrNameLst>
-                                          <p:attrName>style.visibility</p:attrName>
-                                        </p:attrNameLst>
-                                      </p:cBhvr>
-                                      <p:to>
-                                        <p:strVal val="visible"/>
-                                      </p:to>
-                                    </p:set>
-                                    <p:animEffect transition="in" filter="barn(inVertical)">
-                                      <p:cBhvr>
-                                        <p:cTn id="19" dur="500"/>
-                                        <p:tgtEl>
-                                          <p:spTgt spid="3">
-                                            <p:txEl>
-                                              <p:pRg st="2" end="2"/>
-                                            </p:txEl>
-                                          </p:spTgt>
-                                        </p:tgtEl>
-                                      </p:cBhvr>
-                                    </p:animEffect>
-                                  </p:childTnLst>
-                                </p:cTn>
-                              </p:par>
-                            </p:childTnLst>
-                          </p:cTn>
-                        </p:par>
-                        <p:par>
-                          <p:cTn id="20" fill="hold">
-                            <p:stCondLst>
-                              <p:cond delay="2000"/>
-                            </p:stCondLst>
-                            <p:childTnLst>
-                              <p:par>
-                                <p:cTn id="21" presetID="16" presetClass="entr" presetSubtype="21" fill="hold" grpId="0" nodeType="afterEffect">
-                                  <p:stCondLst>
-                                    <p:cond delay="0"/>
-                                  </p:stCondLst>
-                                  <p:childTnLst>
-                                    <p:set>
-                                      <p:cBhvr>
-                                        <p:cTn id="22" dur="1" fill="hold">
-                                          <p:stCondLst>
-                                            <p:cond delay="0"/>
-                                          </p:stCondLst>
-                                        </p:cTn>
-                                        <p:tgtEl>
-                                          <p:spTgt spid="3">
-                                            <p:txEl>
-                                              <p:pRg st="3" end="3"/>
-                                            </p:txEl>
-                                          </p:spTgt>
-                                        </p:tgtEl>
-                                        <p:attrNameLst>
-                                          <p:attrName>style.visibility</p:attrName>
-                                        </p:attrNameLst>
-                                      </p:cBhvr>
-                                      <p:to>
-                                        <p:strVal val="visible"/>
-                                      </p:to>
-                                    </p:set>
-                                    <p:animEffect transition="in" filter="barn(inVertical)">
-                                      <p:cBhvr>
-                                        <p:cTn id="23" dur="500"/>
-                                        <p:tgtEl>
-                                          <p:spTgt spid="3">
-                                            <p:txEl>
-                                              <p:pRg st="3" end="3"/>
-                                            </p:txEl>
-                                          </p:spTgt>
-                                        </p:tgtEl>
-                                      </p:cBhvr>
-                                    </p:animEffect>
-                                  </p:childTnLst>
-                                </p:cTn>
-                              </p:par>
-                            </p:childTnLst>
-                          </p:cTn>
-                        </p:par>
-                        <p:par>
-                          <p:cTn id="24" fill="hold">
-                            <p:stCondLst>
-                              <p:cond delay="2500"/>
-                            </p:stCondLst>
-                            <p:childTnLst>
-                              <p:par>
-                                <p:cTn id="25" presetID="16" presetClass="entr" presetSubtype="21" fill="hold" grpId="0" nodeType="afterEffect">
-                                  <p:stCondLst>
-                                    <p:cond delay="0"/>
-                                  </p:stCondLst>
-                                  <p:childTnLst>
-                                    <p:set>
-                                      <p:cBhvr>
-                                        <p:cTn id="26" dur="1" fill="hold">
-                                          <p:stCondLst>
-                                            <p:cond delay="0"/>
-                                          </p:stCondLst>
-                                        </p:cTn>
-                                        <p:tgtEl>
-                                          <p:spTgt spid="3">
-                                            <p:txEl>
-                                              <p:pRg st="4" end="4"/>
-                                            </p:txEl>
-                                          </p:spTgt>
-                                        </p:tgtEl>
-                                        <p:attrNameLst>
-                                          <p:attrName>style.visibility</p:attrName>
-                                        </p:attrNameLst>
-                                      </p:cBhvr>
-                                      <p:to>
-                                        <p:strVal val="visible"/>
-                                      </p:to>
-                                    </p:set>
-                                    <p:animEffect transition="in" filter="barn(inVertical)">
-                                      <p:cBhvr>
-                                        <p:cTn id="27" dur="500"/>
-                                        <p:tgtEl>
-                                          <p:spTgt spid="3">
-                                            <p:txEl>
-                                              <p:pRg st="4" end="4"/>
-                                            </p:txEl>
-                                          </p:spTgt>
+                                    <p:animEffect transition="in" filter="wipe(down)">
+                                      <p:cBhvr>
+                                        <p:cTn id="10" dur="500"/>
+                                        <p:tgtEl>
+                                          <p:spTgt spid="5"/>
                                         </p:tgtEl>
                                       </p:cBhvr>
                                     </p:animEffect>
@@ -9536,7 +10363,993 @@
     </p:tnLst>
     <p:bldLst>
       <p:bldP spid="2" grpId="0"/>
-      <p:bldP spid="3" grpId="0" build="p"/>
+    </p:bldLst>
+  </p:timing>
+</p:sld>
+</file>
+
+<file path=ppt/slides/slide7.xml><?xml version="1.0" encoding="utf-8"?>
+<p:sld xmlns:a="http://schemas.openxmlformats.org/drawingml/2006/main" xmlns:r="http://schemas.openxmlformats.org/officeDocument/2006/relationships" xmlns:p="http://schemas.openxmlformats.org/presentationml/2006/main">
+  <p:cSld>
+    <p:spTree>
+      <p:nvGrpSpPr>
+        <p:cNvPr id="1" name=""/>
+        <p:cNvGrpSpPr/>
+        <p:nvPr/>
+      </p:nvGrpSpPr>
+      <p:grpSpPr>
+        <a:xfrm>
+          <a:off x="0" y="0"/>
+          <a:ext cx="0" cy="0"/>
+          <a:chOff x="0" y="0"/>
+          <a:chExt cx="0" cy="0"/>
+        </a:xfrm>
+      </p:grpSpPr>
+      <p:sp>
+        <p:nvSpPr>
+          <p:cNvPr id="2" name="Título 1">
+            <a:extLst>
+              <a:ext uri="{FF2B5EF4-FFF2-40B4-BE49-F238E27FC236}">
+                <a16:creationId xmlns:a16="http://schemas.microsoft.com/office/drawing/2014/main" id="{BB2937E5-5D82-155B-569A-53E8ADB25BBB}"/>
+              </a:ext>
+            </a:extLst>
+          </p:cNvPr>
+          <p:cNvSpPr>
+            <a:spLocks noGrp="1"/>
+          </p:cNvSpPr>
+          <p:nvPr>
+            <p:ph type="title"/>
+          </p:nvPr>
+        </p:nvSpPr>
+        <p:spPr/>
+        <p:txBody>
+          <a:bodyPr/>
+          <a:lstStyle/>
+          <a:p>
+            <a:pPr algn="ctr"/>
+            <a:r>
+              <a:rPr lang="es-ES" dirty="0"/>
+              <a:t>Dominio temporal: señal filtrada vs. Señal original - fase convulsión</a:t>
+            </a:r>
+            <a:endParaRPr lang="es-AR" dirty="0"/>
+          </a:p>
+        </p:txBody>
+      </p:sp>
+      <p:pic>
+        <p:nvPicPr>
+          <p:cNvPr id="5" name="Marcador de contenido 4" descr="Gráfico&#10;&#10;El contenido generado por IA puede ser incorrecto.">
+            <a:extLst>
+              <a:ext uri="{FF2B5EF4-FFF2-40B4-BE49-F238E27FC236}">
+                <a16:creationId xmlns:a16="http://schemas.microsoft.com/office/drawing/2014/main" id="{A6EDC343-8EE5-5AFB-DA78-7BBB932F654B}"/>
+              </a:ext>
+            </a:extLst>
+          </p:cNvPr>
+          <p:cNvPicPr>
+            <a:picLocks noGrp="1" noChangeAspect="1"/>
+          </p:cNvPicPr>
+          <p:nvPr>
+            <p:ph idx="1"/>
+          </p:nvPr>
+        </p:nvPicPr>
+        <p:blipFill>
+          <a:blip r:embed="rId2"/>
+          <a:stretch>
+            <a:fillRect/>
+          </a:stretch>
+        </p:blipFill>
+        <p:spPr>
+          <a:xfrm>
+            <a:off x="1183873" y="2120900"/>
+            <a:ext cx="9830603" cy="4051300"/>
+          </a:xfrm>
+        </p:spPr>
+      </p:pic>
+    </p:spTree>
+    <p:extLst>
+      <p:ext uri="{BB962C8B-B14F-4D97-AF65-F5344CB8AC3E}">
+        <p14:creationId xmlns:p14="http://schemas.microsoft.com/office/powerpoint/2010/main" val="2489235642"/>
+      </p:ext>
+    </p:extLst>
+  </p:cSld>
+  <p:clrMapOvr>
+    <a:masterClrMapping/>
+  </p:clrMapOvr>
+  <p:timing>
+    <p:tnLst>
+      <p:par>
+        <p:cTn id="1" dur="indefinite" restart="never" nodeType="tmRoot">
+          <p:childTnLst>
+            <p:seq concurrent="1" nextAc="seek">
+              <p:cTn id="2" dur="indefinite" nodeType="mainSeq">
+                <p:childTnLst>
+                  <p:par>
+                    <p:cTn id="3" fill="hold">
+                      <p:stCondLst>
+                        <p:cond delay="indefinite"/>
+                        <p:cond evt="onBegin" delay="0">
+                          <p:tn val="2"/>
+                        </p:cond>
+                      </p:stCondLst>
+                      <p:childTnLst>
+                        <p:par>
+                          <p:cTn id="4" fill="hold">
+                            <p:stCondLst>
+                              <p:cond delay="0"/>
+                            </p:stCondLst>
+                            <p:childTnLst>
+                              <p:par>
+                                <p:cTn id="5" presetID="22" presetClass="entr" presetSubtype="4" fill="hold" grpId="0" nodeType="afterEffect">
+                                  <p:stCondLst>
+                                    <p:cond delay="0"/>
+                                  </p:stCondLst>
+                                  <p:childTnLst>
+                                    <p:set>
+                                      <p:cBhvr>
+                                        <p:cTn id="6" dur="1" fill="hold">
+                                          <p:stCondLst>
+                                            <p:cond delay="0"/>
+                                          </p:stCondLst>
+                                        </p:cTn>
+                                        <p:tgtEl>
+                                          <p:spTgt spid="2"/>
+                                        </p:tgtEl>
+                                        <p:attrNameLst>
+                                          <p:attrName>style.visibility</p:attrName>
+                                        </p:attrNameLst>
+                                      </p:cBhvr>
+                                      <p:to>
+                                        <p:strVal val="visible"/>
+                                      </p:to>
+                                    </p:set>
+                                    <p:animEffect transition="in" filter="wipe(down)">
+                                      <p:cBhvr>
+                                        <p:cTn id="7" dur="500"/>
+                                        <p:tgtEl>
+                                          <p:spTgt spid="2"/>
+                                        </p:tgtEl>
+                                      </p:cBhvr>
+                                    </p:animEffect>
+                                  </p:childTnLst>
+                                </p:cTn>
+                              </p:par>
+                              <p:par>
+                                <p:cTn id="8" presetID="22" presetClass="entr" presetSubtype="4" fill="hold" nodeType="withEffect">
+                                  <p:stCondLst>
+                                    <p:cond delay="0"/>
+                                  </p:stCondLst>
+                                  <p:childTnLst>
+                                    <p:set>
+                                      <p:cBhvr>
+                                        <p:cTn id="9" dur="1" fill="hold">
+                                          <p:stCondLst>
+                                            <p:cond delay="0"/>
+                                          </p:stCondLst>
+                                        </p:cTn>
+                                        <p:tgtEl>
+                                          <p:spTgt spid="5"/>
+                                        </p:tgtEl>
+                                        <p:attrNameLst>
+                                          <p:attrName>style.visibility</p:attrName>
+                                        </p:attrNameLst>
+                                      </p:cBhvr>
+                                      <p:to>
+                                        <p:strVal val="visible"/>
+                                      </p:to>
+                                    </p:set>
+                                    <p:animEffect transition="in" filter="wipe(down)">
+                                      <p:cBhvr>
+                                        <p:cTn id="10" dur="500"/>
+                                        <p:tgtEl>
+                                          <p:spTgt spid="5"/>
+                                        </p:tgtEl>
+                                      </p:cBhvr>
+                                    </p:animEffect>
+                                  </p:childTnLst>
+                                </p:cTn>
+                              </p:par>
+                            </p:childTnLst>
+                          </p:cTn>
+                        </p:par>
+                      </p:childTnLst>
+                    </p:cTn>
+                  </p:par>
+                </p:childTnLst>
+              </p:cTn>
+              <p:prevCondLst>
+                <p:cond evt="onPrev" delay="0">
+                  <p:tgtEl>
+                    <p:sldTgt/>
+                  </p:tgtEl>
+                </p:cond>
+              </p:prevCondLst>
+              <p:nextCondLst>
+                <p:cond evt="onNext" delay="0">
+                  <p:tgtEl>
+                    <p:sldTgt/>
+                  </p:tgtEl>
+                </p:cond>
+              </p:nextCondLst>
+            </p:seq>
+          </p:childTnLst>
+        </p:cTn>
+      </p:par>
+    </p:tnLst>
+    <p:bldLst>
+      <p:bldP spid="2" grpId="0"/>
+    </p:bldLst>
+  </p:timing>
+</p:sld>
+</file>
+
+<file path=ppt/slides/slide8.xml><?xml version="1.0" encoding="utf-8"?>
+<p:sld xmlns:a="http://schemas.openxmlformats.org/drawingml/2006/main" xmlns:r="http://schemas.openxmlformats.org/officeDocument/2006/relationships" xmlns:p="http://schemas.openxmlformats.org/presentationml/2006/main">
+  <p:cSld>
+    <p:spTree>
+      <p:nvGrpSpPr>
+        <p:cNvPr id="1" name=""/>
+        <p:cNvGrpSpPr/>
+        <p:nvPr/>
+      </p:nvGrpSpPr>
+      <p:grpSpPr>
+        <a:xfrm>
+          <a:off x="0" y="0"/>
+          <a:ext cx="0" cy="0"/>
+          <a:chOff x="0" y="0"/>
+          <a:chExt cx="0" cy="0"/>
+        </a:xfrm>
+      </p:grpSpPr>
+      <p:pic>
+        <p:nvPicPr>
+          <p:cNvPr id="3" name="Imagen 2" descr="Gráfico, Histograma&#10;&#10;El contenido generado por IA puede ser incorrecto.">
+            <a:extLst>
+              <a:ext uri="{FF2B5EF4-FFF2-40B4-BE49-F238E27FC236}">
+                <a16:creationId xmlns:a16="http://schemas.microsoft.com/office/drawing/2014/main" id="{206EA74C-29C8-ABB2-C2E6-8ACD8FE30AFD}"/>
+              </a:ext>
+            </a:extLst>
+          </p:cNvPr>
+          <p:cNvPicPr>
+            <a:picLocks noChangeAspect="1"/>
+          </p:cNvPicPr>
+          <p:nvPr/>
+        </p:nvPicPr>
+        <p:blipFill>
+          <a:blip r:embed="rId2"/>
+          <a:stretch>
+            <a:fillRect/>
+          </a:stretch>
+        </p:blipFill>
+        <p:spPr>
+          <a:xfrm>
+            <a:off x="381024" y="432917"/>
+            <a:ext cx="6224060" cy="3083710"/>
+          </a:xfrm>
+          <a:prstGeom prst="rect">
+            <a:avLst/>
+          </a:prstGeom>
+        </p:spPr>
+      </p:pic>
+      <p:pic>
+        <p:nvPicPr>
+          <p:cNvPr id="5" name="Imagen 4" descr="Gráfico, Histograma&#10;&#10;El contenido generado por IA puede ser incorrecto.">
+            <a:extLst>
+              <a:ext uri="{FF2B5EF4-FFF2-40B4-BE49-F238E27FC236}">
+                <a16:creationId xmlns:a16="http://schemas.microsoft.com/office/drawing/2014/main" id="{CE56BACB-0600-BD8C-ED66-5F26FDFBEC8E}"/>
+              </a:ext>
+            </a:extLst>
+          </p:cNvPr>
+          <p:cNvPicPr>
+            <a:picLocks noChangeAspect="1"/>
+          </p:cNvPicPr>
+          <p:nvPr/>
+        </p:nvPicPr>
+        <p:blipFill>
+          <a:blip r:embed="rId3"/>
+          <a:stretch>
+            <a:fillRect/>
+          </a:stretch>
+        </p:blipFill>
+        <p:spPr>
+          <a:xfrm>
+            <a:off x="381023" y="3472802"/>
+            <a:ext cx="6224058" cy="3083709"/>
+          </a:xfrm>
+          <a:prstGeom prst="rect">
+            <a:avLst/>
+          </a:prstGeom>
+        </p:spPr>
+      </p:pic>
+      <p:sp>
+        <p:nvSpPr>
+          <p:cNvPr id="6" name="CuadroTexto 5">
+            <a:extLst>
+              <a:ext uri="{FF2B5EF4-FFF2-40B4-BE49-F238E27FC236}">
+                <a16:creationId xmlns:a16="http://schemas.microsoft.com/office/drawing/2014/main" id="{3D4E8EF2-B5C8-A55D-C21A-0EC83E84B455}"/>
+              </a:ext>
+            </a:extLst>
+          </p:cNvPr>
+          <p:cNvSpPr txBox="1"/>
+          <p:nvPr/>
+        </p:nvSpPr>
+        <p:spPr>
+          <a:xfrm>
+            <a:off x="6934955" y="1178394"/>
+            <a:ext cx="4997512" cy="1323439"/>
+          </a:xfrm>
+          <a:prstGeom prst="rect">
+            <a:avLst/>
+          </a:prstGeom>
+          <a:noFill/>
+        </p:spPr>
+        <p:txBody>
+          <a:bodyPr wrap="square" rtlCol="0">
+            <a:spAutoFit/>
+          </a:bodyPr>
+          <a:lstStyle/>
+          <a:p>
+            <a:r>
+              <a:rPr lang="es-ES" sz="4000" dirty="0">
+                <a:latin typeface="+mj-lt"/>
+              </a:rPr>
+              <a:t>DOMINIO FRECUENCIAL: FFT FASE SANO – SIN FILTRAR</a:t>
+            </a:r>
+            <a:endParaRPr lang="es-AR" sz="4000" dirty="0">
+              <a:latin typeface="+mj-lt"/>
+            </a:endParaRPr>
+          </a:p>
+        </p:txBody>
+      </p:sp>
+      <p:sp>
+        <p:nvSpPr>
+          <p:cNvPr id="7" name="CuadroTexto 6">
+            <a:extLst>
+              <a:ext uri="{FF2B5EF4-FFF2-40B4-BE49-F238E27FC236}">
+                <a16:creationId xmlns:a16="http://schemas.microsoft.com/office/drawing/2014/main" id="{6347425F-DF48-2AAC-2BD0-00194E7146BE}"/>
+              </a:ext>
+            </a:extLst>
+          </p:cNvPr>
+          <p:cNvSpPr txBox="1"/>
+          <p:nvPr/>
+        </p:nvSpPr>
+        <p:spPr>
+          <a:xfrm>
+            <a:off x="6934955" y="4207264"/>
+            <a:ext cx="4997512" cy="1323439"/>
+          </a:xfrm>
+          <a:prstGeom prst="rect">
+            <a:avLst/>
+          </a:prstGeom>
+          <a:noFill/>
+        </p:spPr>
+        <p:txBody>
+          <a:bodyPr wrap="square" rtlCol="0">
+            <a:spAutoFit/>
+          </a:bodyPr>
+          <a:lstStyle/>
+          <a:p>
+            <a:r>
+              <a:rPr lang="es-ES" sz="4000" dirty="0">
+                <a:latin typeface="+mj-lt"/>
+              </a:rPr>
+              <a:t>DOMINIO FRECUENCIAL: FFT FASE SANO – FILTRO 40HZ</a:t>
+            </a:r>
+            <a:endParaRPr lang="es-AR" sz="4000" dirty="0">
+              <a:latin typeface="+mj-lt"/>
+            </a:endParaRPr>
+          </a:p>
+        </p:txBody>
+      </p:sp>
+    </p:spTree>
+    <p:extLst>
+      <p:ext uri="{BB962C8B-B14F-4D97-AF65-F5344CB8AC3E}">
+        <p14:creationId xmlns:p14="http://schemas.microsoft.com/office/powerpoint/2010/main" val="3655094755"/>
+      </p:ext>
+    </p:extLst>
+  </p:cSld>
+  <p:clrMapOvr>
+    <a:masterClrMapping/>
+  </p:clrMapOvr>
+  <p:timing>
+    <p:tnLst>
+      <p:par>
+        <p:cTn id="1" dur="indefinite" restart="never" nodeType="tmRoot">
+          <p:childTnLst>
+            <p:seq concurrent="1" nextAc="seek">
+              <p:cTn id="2" dur="indefinite" nodeType="mainSeq">
+                <p:childTnLst>
+                  <p:par>
+                    <p:cTn id="3" fill="hold">
+                      <p:stCondLst>
+                        <p:cond delay="indefinite"/>
+                        <p:cond evt="onBegin" delay="0">
+                          <p:tn val="2"/>
+                        </p:cond>
+                      </p:stCondLst>
+                      <p:childTnLst>
+                        <p:par>
+                          <p:cTn id="4" fill="hold">
+                            <p:stCondLst>
+                              <p:cond delay="0"/>
+                            </p:stCondLst>
+                            <p:childTnLst>
+                              <p:par>
+                                <p:cTn id="5" presetID="22" presetClass="entr" presetSubtype="4" fill="hold" nodeType="afterEffect">
+                                  <p:stCondLst>
+                                    <p:cond delay="0"/>
+                                  </p:stCondLst>
+                                  <p:childTnLst>
+                                    <p:set>
+                                      <p:cBhvr>
+                                        <p:cTn id="6" dur="1" fill="hold">
+                                          <p:stCondLst>
+                                            <p:cond delay="0"/>
+                                          </p:stCondLst>
+                                        </p:cTn>
+                                        <p:tgtEl>
+                                          <p:spTgt spid="3"/>
+                                        </p:tgtEl>
+                                        <p:attrNameLst>
+                                          <p:attrName>style.visibility</p:attrName>
+                                        </p:attrNameLst>
+                                      </p:cBhvr>
+                                      <p:to>
+                                        <p:strVal val="visible"/>
+                                      </p:to>
+                                    </p:set>
+                                    <p:animEffect transition="in" filter="wipe(down)">
+                                      <p:cBhvr>
+                                        <p:cTn id="7" dur="500"/>
+                                        <p:tgtEl>
+                                          <p:spTgt spid="3"/>
+                                        </p:tgtEl>
+                                      </p:cBhvr>
+                                    </p:animEffect>
+                                  </p:childTnLst>
+                                </p:cTn>
+                              </p:par>
+                              <p:par>
+                                <p:cTn id="8" presetID="22" presetClass="entr" presetSubtype="4" fill="hold" grpId="0" nodeType="withEffect">
+                                  <p:stCondLst>
+                                    <p:cond delay="0"/>
+                                  </p:stCondLst>
+                                  <p:childTnLst>
+                                    <p:set>
+                                      <p:cBhvr>
+                                        <p:cTn id="9" dur="1" fill="hold">
+                                          <p:stCondLst>
+                                            <p:cond delay="0"/>
+                                          </p:stCondLst>
+                                        </p:cTn>
+                                        <p:tgtEl>
+                                          <p:spTgt spid="6"/>
+                                        </p:tgtEl>
+                                        <p:attrNameLst>
+                                          <p:attrName>style.visibility</p:attrName>
+                                        </p:attrNameLst>
+                                      </p:cBhvr>
+                                      <p:to>
+                                        <p:strVal val="visible"/>
+                                      </p:to>
+                                    </p:set>
+                                    <p:animEffect transition="in" filter="wipe(down)">
+                                      <p:cBhvr>
+                                        <p:cTn id="10" dur="500"/>
+                                        <p:tgtEl>
+                                          <p:spTgt spid="6"/>
+                                        </p:tgtEl>
+                                      </p:cBhvr>
+                                    </p:animEffect>
+                                  </p:childTnLst>
+                                </p:cTn>
+                              </p:par>
+                            </p:childTnLst>
+                          </p:cTn>
+                        </p:par>
+                        <p:par>
+                          <p:cTn id="11" fill="hold">
+                            <p:stCondLst>
+                              <p:cond delay="500"/>
+                            </p:stCondLst>
+                            <p:childTnLst>
+                              <p:par>
+                                <p:cTn id="12" presetID="22" presetClass="entr" presetSubtype="4" fill="hold" nodeType="afterEffect">
+                                  <p:stCondLst>
+                                    <p:cond delay="0"/>
+                                  </p:stCondLst>
+                                  <p:childTnLst>
+                                    <p:set>
+                                      <p:cBhvr>
+                                        <p:cTn id="13" dur="1" fill="hold">
+                                          <p:stCondLst>
+                                            <p:cond delay="0"/>
+                                          </p:stCondLst>
+                                        </p:cTn>
+                                        <p:tgtEl>
+                                          <p:spTgt spid="5"/>
+                                        </p:tgtEl>
+                                        <p:attrNameLst>
+                                          <p:attrName>style.visibility</p:attrName>
+                                        </p:attrNameLst>
+                                      </p:cBhvr>
+                                      <p:to>
+                                        <p:strVal val="visible"/>
+                                      </p:to>
+                                    </p:set>
+                                    <p:animEffect transition="in" filter="wipe(down)">
+                                      <p:cBhvr>
+                                        <p:cTn id="14" dur="500"/>
+                                        <p:tgtEl>
+                                          <p:spTgt spid="5"/>
+                                        </p:tgtEl>
+                                      </p:cBhvr>
+                                    </p:animEffect>
+                                  </p:childTnLst>
+                                </p:cTn>
+                              </p:par>
+                              <p:par>
+                                <p:cTn id="15" presetID="22" presetClass="entr" presetSubtype="4" fill="hold" grpId="0" nodeType="withEffect">
+                                  <p:stCondLst>
+                                    <p:cond delay="0"/>
+                                  </p:stCondLst>
+                                  <p:childTnLst>
+                                    <p:set>
+                                      <p:cBhvr>
+                                        <p:cTn id="16" dur="1" fill="hold">
+                                          <p:stCondLst>
+                                            <p:cond delay="0"/>
+                                          </p:stCondLst>
+                                        </p:cTn>
+                                        <p:tgtEl>
+                                          <p:spTgt spid="7"/>
+                                        </p:tgtEl>
+                                        <p:attrNameLst>
+                                          <p:attrName>style.visibility</p:attrName>
+                                        </p:attrNameLst>
+                                      </p:cBhvr>
+                                      <p:to>
+                                        <p:strVal val="visible"/>
+                                      </p:to>
+                                    </p:set>
+                                    <p:animEffect transition="in" filter="wipe(down)">
+                                      <p:cBhvr>
+                                        <p:cTn id="17" dur="500"/>
+                                        <p:tgtEl>
+                                          <p:spTgt spid="7"/>
+                                        </p:tgtEl>
+                                      </p:cBhvr>
+                                    </p:animEffect>
+                                  </p:childTnLst>
+                                </p:cTn>
+                              </p:par>
+                            </p:childTnLst>
+                          </p:cTn>
+                        </p:par>
+                      </p:childTnLst>
+                    </p:cTn>
+                  </p:par>
+                </p:childTnLst>
+              </p:cTn>
+              <p:prevCondLst>
+                <p:cond evt="onPrev" delay="0">
+                  <p:tgtEl>
+                    <p:sldTgt/>
+                  </p:tgtEl>
+                </p:cond>
+              </p:prevCondLst>
+              <p:nextCondLst>
+                <p:cond evt="onNext" delay="0">
+                  <p:tgtEl>
+                    <p:sldTgt/>
+                  </p:tgtEl>
+                </p:cond>
+              </p:nextCondLst>
+            </p:seq>
+          </p:childTnLst>
+        </p:cTn>
+      </p:par>
+    </p:tnLst>
+    <p:bldLst>
+      <p:bldP spid="6" grpId="0"/>
+      <p:bldP spid="7" grpId="0"/>
+    </p:bldLst>
+  </p:timing>
+</p:sld>
+</file>
+
+<file path=ppt/slides/slide9.xml><?xml version="1.0" encoding="utf-8"?>
+<p:sld xmlns:a="http://schemas.openxmlformats.org/drawingml/2006/main" xmlns:r="http://schemas.openxmlformats.org/officeDocument/2006/relationships" xmlns:p="http://schemas.openxmlformats.org/presentationml/2006/main">
+  <p:cSld>
+    <p:spTree>
+      <p:nvGrpSpPr>
+        <p:cNvPr id="1" name="">
+          <a:extLst>
+            <a:ext uri="{FF2B5EF4-FFF2-40B4-BE49-F238E27FC236}">
+              <a16:creationId xmlns:a16="http://schemas.microsoft.com/office/drawing/2014/main" id="{FD14F5BD-32A2-00E4-E479-56BE18EBEB5B}"/>
+            </a:ext>
+          </a:extLst>
+        </p:cNvPr>
+        <p:cNvGrpSpPr/>
+        <p:nvPr/>
+      </p:nvGrpSpPr>
+      <p:grpSpPr>
+        <a:xfrm>
+          <a:off x="0" y="0"/>
+          <a:ext cx="0" cy="0"/>
+          <a:chOff x="0" y="0"/>
+          <a:chExt cx="0" cy="0"/>
+        </a:xfrm>
+      </p:grpSpPr>
+      <p:sp>
+        <p:nvSpPr>
+          <p:cNvPr id="6" name="CuadroTexto 5">
+            <a:extLst>
+              <a:ext uri="{FF2B5EF4-FFF2-40B4-BE49-F238E27FC236}">
+                <a16:creationId xmlns:a16="http://schemas.microsoft.com/office/drawing/2014/main" id="{C08EE3C1-2D4D-BAE0-789D-3DE312B062F7}"/>
+              </a:ext>
+            </a:extLst>
+          </p:cNvPr>
+          <p:cNvSpPr txBox="1"/>
+          <p:nvPr/>
+        </p:nvSpPr>
+        <p:spPr>
+          <a:xfrm>
+            <a:off x="6934955" y="711744"/>
+            <a:ext cx="4997512" cy="1938992"/>
+          </a:xfrm>
+          <a:prstGeom prst="rect">
+            <a:avLst/>
+          </a:prstGeom>
+          <a:noFill/>
+        </p:spPr>
+        <p:txBody>
+          <a:bodyPr wrap="square" rtlCol="0">
+            <a:spAutoFit/>
+          </a:bodyPr>
+          <a:lstStyle/>
+          <a:p>
+            <a:pPr algn="ctr"/>
+            <a:r>
+              <a:rPr lang="es-ES" sz="4000" dirty="0">
+                <a:latin typeface="+mj-lt"/>
+              </a:rPr>
+              <a:t>DOMINIO FRECUENCIAL: FFT FASE INTERICTAL  </a:t>
+            </a:r>
+          </a:p>
+          <a:p>
+            <a:pPr algn="ctr"/>
+            <a:r>
+              <a:rPr lang="es-ES" sz="4000" dirty="0">
+                <a:latin typeface="+mj-lt"/>
+              </a:rPr>
+              <a:t>SIN FILTRAR</a:t>
+            </a:r>
+            <a:endParaRPr lang="es-AR" sz="4000" dirty="0">
+              <a:latin typeface="+mj-lt"/>
+            </a:endParaRPr>
+          </a:p>
+        </p:txBody>
+      </p:sp>
+      <p:sp>
+        <p:nvSpPr>
+          <p:cNvPr id="7" name="CuadroTexto 6">
+            <a:extLst>
+              <a:ext uri="{FF2B5EF4-FFF2-40B4-BE49-F238E27FC236}">
+                <a16:creationId xmlns:a16="http://schemas.microsoft.com/office/drawing/2014/main" id="{A63D23D0-4B27-205B-0D19-32282B92659E}"/>
+              </a:ext>
+            </a:extLst>
+          </p:cNvPr>
+          <p:cNvSpPr txBox="1"/>
+          <p:nvPr/>
+        </p:nvSpPr>
+        <p:spPr>
+          <a:xfrm>
+            <a:off x="6934955" y="4207264"/>
+            <a:ext cx="4997512" cy="1938992"/>
+          </a:xfrm>
+          <a:prstGeom prst="rect">
+            <a:avLst/>
+          </a:prstGeom>
+          <a:noFill/>
+        </p:spPr>
+        <p:txBody>
+          <a:bodyPr wrap="square" rtlCol="0">
+            <a:spAutoFit/>
+          </a:bodyPr>
+          <a:lstStyle/>
+          <a:p>
+            <a:pPr algn="ctr"/>
+            <a:r>
+              <a:rPr lang="es-ES" sz="4000" dirty="0">
+                <a:latin typeface="+mj-lt"/>
+              </a:rPr>
+              <a:t>DOMINIO FRECUENCIAL: FFT FASE INTERICTAL </a:t>
+            </a:r>
+          </a:p>
+          <a:p>
+            <a:pPr algn="ctr"/>
+            <a:r>
+              <a:rPr lang="es-ES" sz="4000" dirty="0">
+                <a:latin typeface="+mj-lt"/>
+              </a:rPr>
+              <a:t>FILTRO 40HZ</a:t>
+            </a:r>
+            <a:endParaRPr lang="es-AR" sz="4000" dirty="0">
+              <a:latin typeface="+mj-lt"/>
+            </a:endParaRPr>
+          </a:p>
+        </p:txBody>
+      </p:sp>
+      <p:pic>
+        <p:nvPicPr>
+          <p:cNvPr id="4" name="Imagen 3" descr="Interfaz de usuario gráfica&#10;&#10;El contenido generado por IA puede ser incorrecto.">
+            <a:extLst>
+              <a:ext uri="{FF2B5EF4-FFF2-40B4-BE49-F238E27FC236}">
+                <a16:creationId xmlns:a16="http://schemas.microsoft.com/office/drawing/2014/main" id="{B3FAEE25-0D82-3099-1104-F5EAF5DDFC80}"/>
+              </a:ext>
+            </a:extLst>
+          </p:cNvPr>
+          <p:cNvPicPr>
+            <a:picLocks noChangeAspect="1"/>
+          </p:cNvPicPr>
+          <p:nvPr/>
+        </p:nvPicPr>
+        <p:blipFill>
+          <a:blip r:embed="rId2"/>
+          <a:stretch>
+            <a:fillRect/>
+          </a:stretch>
+        </p:blipFill>
+        <p:spPr>
+          <a:xfrm>
+            <a:off x="382370" y="302156"/>
+            <a:ext cx="6222711" cy="3083042"/>
+          </a:xfrm>
+          <a:prstGeom prst="rect">
+            <a:avLst/>
+          </a:prstGeom>
+        </p:spPr>
+      </p:pic>
+      <p:pic>
+        <p:nvPicPr>
+          <p:cNvPr id="9" name="Imagen 8" descr="Interfaz de usuario gráfica, Gráfico&#10;&#10;El contenido generado por IA puede ser incorrecto.">
+            <a:extLst>
+              <a:ext uri="{FF2B5EF4-FFF2-40B4-BE49-F238E27FC236}">
+                <a16:creationId xmlns:a16="http://schemas.microsoft.com/office/drawing/2014/main" id="{D7FC2EA5-D621-3200-C5F9-CA0391F0110A}"/>
+              </a:ext>
+            </a:extLst>
+          </p:cNvPr>
+          <p:cNvPicPr>
+            <a:picLocks noChangeAspect="1"/>
+          </p:cNvPicPr>
+          <p:nvPr/>
+        </p:nvPicPr>
+        <p:blipFill>
+          <a:blip r:embed="rId3"/>
+          <a:stretch>
+            <a:fillRect/>
+          </a:stretch>
+        </p:blipFill>
+        <p:spPr>
+          <a:xfrm>
+            <a:off x="382370" y="3431264"/>
+            <a:ext cx="6306550" cy="3124580"/>
+          </a:xfrm>
+          <a:prstGeom prst="rect">
+            <a:avLst/>
+          </a:prstGeom>
+        </p:spPr>
+      </p:pic>
+    </p:spTree>
+    <p:extLst>
+      <p:ext uri="{BB962C8B-B14F-4D97-AF65-F5344CB8AC3E}">
+        <p14:creationId xmlns:p14="http://schemas.microsoft.com/office/powerpoint/2010/main" val="858543334"/>
+      </p:ext>
+    </p:extLst>
+  </p:cSld>
+  <p:clrMapOvr>
+    <a:masterClrMapping/>
+  </p:clrMapOvr>
+  <p:timing>
+    <p:tnLst>
+      <p:par>
+        <p:cTn id="1" dur="indefinite" restart="never" nodeType="tmRoot">
+          <p:childTnLst>
+            <p:seq concurrent="1" nextAc="seek">
+              <p:cTn id="2" dur="indefinite" nodeType="mainSeq">
+                <p:childTnLst>
+                  <p:par>
+                    <p:cTn id="3" fill="hold">
+                      <p:stCondLst>
+                        <p:cond delay="indefinite"/>
+                        <p:cond evt="onBegin" delay="0">
+                          <p:tn val="2"/>
+                        </p:cond>
+                      </p:stCondLst>
+                      <p:childTnLst>
+                        <p:par>
+                          <p:cTn id="4" fill="hold">
+                            <p:stCondLst>
+                              <p:cond delay="0"/>
+                            </p:stCondLst>
+                            <p:childTnLst>
+                              <p:par>
+                                <p:cTn id="5" presetID="22" presetClass="entr" presetSubtype="4" fill="hold" nodeType="afterEffect">
+                                  <p:stCondLst>
+                                    <p:cond delay="0"/>
+                                  </p:stCondLst>
+                                  <p:childTnLst>
+                                    <p:set>
+                                      <p:cBhvr>
+                                        <p:cTn id="6" dur="1" fill="hold">
+                                          <p:stCondLst>
+                                            <p:cond delay="0"/>
+                                          </p:stCondLst>
+                                        </p:cTn>
+                                        <p:tgtEl>
+                                          <p:spTgt spid="4"/>
+                                        </p:tgtEl>
+                                        <p:attrNameLst>
+                                          <p:attrName>style.visibility</p:attrName>
+                                        </p:attrNameLst>
+                                      </p:cBhvr>
+                                      <p:to>
+                                        <p:strVal val="visible"/>
+                                      </p:to>
+                                    </p:set>
+                                    <p:animEffect transition="in" filter="wipe(down)">
+                                      <p:cBhvr>
+                                        <p:cTn id="7" dur="500"/>
+                                        <p:tgtEl>
+                                          <p:spTgt spid="4"/>
+                                        </p:tgtEl>
+                                      </p:cBhvr>
+                                    </p:animEffect>
+                                  </p:childTnLst>
+                                </p:cTn>
+                              </p:par>
+                              <p:par>
+                                <p:cTn id="8" presetID="22" presetClass="entr" presetSubtype="4" fill="hold" grpId="0" nodeType="withEffect">
+                                  <p:stCondLst>
+                                    <p:cond delay="0"/>
+                                  </p:stCondLst>
+                                  <p:childTnLst>
+                                    <p:set>
+                                      <p:cBhvr>
+                                        <p:cTn id="9" dur="1" fill="hold">
+                                          <p:stCondLst>
+                                            <p:cond delay="0"/>
+                                          </p:stCondLst>
+                                        </p:cTn>
+                                        <p:tgtEl>
+                                          <p:spTgt spid="6"/>
+                                        </p:tgtEl>
+                                        <p:attrNameLst>
+                                          <p:attrName>style.visibility</p:attrName>
+                                        </p:attrNameLst>
+                                      </p:cBhvr>
+                                      <p:to>
+                                        <p:strVal val="visible"/>
+                                      </p:to>
+                                    </p:set>
+                                    <p:animEffect transition="in" filter="wipe(down)">
+                                      <p:cBhvr>
+                                        <p:cTn id="10" dur="500"/>
+                                        <p:tgtEl>
+                                          <p:spTgt spid="6"/>
+                                        </p:tgtEl>
+                                      </p:cBhvr>
+                                    </p:animEffect>
+                                  </p:childTnLst>
+                                </p:cTn>
+                              </p:par>
+                            </p:childTnLst>
+                          </p:cTn>
+                        </p:par>
+                        <p:par>
+                          <p:cTn id="11" fill="hold">
+                            <p:stCondLst>
+                              <p:cond delay="500"/>
+                            </p:stCondLst>
+                            <p:childTnLst>
+                              <p:par>
+                                <p:cTn id="12" presetID="22" presetClass="entr" presetSubtype="4" fill="hold" nodeType="afterEffect">
+                                  <p:stCondLst>
+                                    <p:cond delay="0"/>
+                                  </p:stCondLst>
+                                  <p:childTnLst>
+                                    <p:set>
+                                      <p:cBhvr>
+                                        <p:cTn id="13" dur="1" fill="hold">
+                                          <p:stCondLst>
+                                            <p:cond delay="0"/>
+                                          </p:stCondLst>
+                                        </p:cTn>
+                                        <p:tgtEl>
+                                          <p:spTgt spid="9"/>
+                                        </p:tgtEl>
+                                        <p:attrNameLst>
+                                          <p:attrName>style.visibility</p:attrName>
+                                        </p:attrNameLst>
+                                      </p:cBhvr>
+                                      <p:to>
+                                        <p:strVal val="visible"/>
+                                      </p:to>
+                                    </p:set>
+                                    <p:animEffect transition="in" filter="wipe(down)">
+                                      <p:cBhvr>
+                                        <p:cTn id="14" dur="500"/>
+                                        <p:tgtEl>
+                                          <p:spTgt spid="9"/>
+                                        </p:tgtEl>
+                                      </p:cBhvr>
+                                    </p:animEffect>
+                                  </p:childTnLst>
+                                </p:cTn>
+                              </p:par>
+                              <p:par>
+                                <p:cTn id="15" presetID="22" presetClass="entr" presetSubtype="4" fill="hold" grpId="0" nodeType="withEffect">
+                                  <p:stCondLst>
+                                    <p:cond delay="0"/>
+                                  </p:stCondLst>
+                                  <p:childTnLst>
+                                    <p:set>
+                                      <p:cBhvr>
+                                        <p:cTn id="16" dur="1" fill="hold">
+                                          <p:stCondLst>
+                                            <p:cond delay="0"/>
+                                          </p:stCondLst>
+                                        </p:cTn>
+                                        <p:tgtEl>
+                                          <p:spTgt spid="7"/>
+                                        </p:tgtEl>
+                                        <p:attrNameLst>
+                                          <p:attrName>style.visibility</p:attrName>
+                                        </p:attrNameLst>
+                                      </p:cBhvr>
+                                      <p:to>
+                                        <p:strVal val="visible"/>
+                                      </p:to>
+                                    </p:set>
+                                    <p:animEffect transition="in" filter="wipe(down)">
+                                      <p:cBhvr>
+                                        <p:cTn id="17" dur="500"/>
+                                        <p:tgtEl>
+                                          <p:spTgt spid="7"/>
+                                        </p:tgtEl>
+                                      </p:cBhvr>
+                                    </p:animEffect>
+                                  </p:childTnLst>
+                                </p:cTn>
+                              </p:par>
+                            </p:childTnLst>
+                          </p:cTn>
+                        </p:par>
+                      </p:childTnLst>
+                    </p:cTn>
+                  </p:par>
+                </p:childTnLst>
+              </p:cTn>
+              <p:prevCondLst>
+                <p:cond evt="onPrev" delay="0">
+                  <p:tgtEl>
+                    <p:sldTgt/>
+                  </p:tgtEl>
+                </p:cond>
+              </p:prevCondLst>
+              <p:nextCondLst>
+                <p:cond evt="onNext" delay="0">
+                  <p:tgtEl>
+                    <p:sldTgt/>
+                  </p:tgtEl>
+                </p:cond>
+              </p:nextCondLst>
+            </p:seq>
+          </p:childTnLst>
+        </p:cTn>
+      </p:par>
+    </p:tnLst>
+    <p:bldLst>
+      <p:bldP spid="6" grpId="0"/>
+      <p:bldP spid="7" grpId="0"/>
     </p:bldLst>
   </p:timing>
 </p:sld>
